--- a/#Assets (Raw)/Presentations/PSI_Pet4All_20170377_20170372_20170336.pptx
+++ b/#Assets (Raw)/Presentations/PSI_Pet4All_20170377_20170372_20170336.pptx
@@ -5,13 +5,17 @@
     <p:sldMasterId id="2147483660" r:id="rId1"/>
   </p:sldMasterIdLst>
   <p:notesMasterIdLst>
-    <p:notesMasterId r:id="rId6"/>
+    <p:notesMasterId r:id="rId10"/>
   </p:notesMasterIdLst>
   <p:sldIdLst>
     <p:sldId id="256" r:id="rId2"/>
     <p:sldId id="261" r:id="rId3"/>
     <p:sldId id="257" r:id="rId4"/>
-    <p:sldId id="258" r:id="rId5"/>
+    <p:sldId id="263" r:id="rId5"/>
+    <p:sldId id="266" r:id="rId6"/>
+    <p:sldId id="267" r:id="rId7"/>
+    <p:sldId id="268" r:id="rId8"/>
+    <p:sldId id="265" r:id="rId9"/>
   </p:sldIdLst>
   <p:sldSz cx="9144000" cy="6858000" type="screen4x3"/>
   <p:notesSz cx="6858000" cy="9144000"/>
@@ -126,11 +130,11 @@
         <p14:section name="Justificação de opções/ideias" id="{1D4519C8-0EFF-4F11-8D18-52DC8AD94266}">
           <p14:sldIdLst>
             <p14:sldId id="257"/>
-          </p14:sldIdLst>
-        </p14:section>
-        <p14:section name="Planeamento" id="{01968D6E-9CAD-40B7-9384-01AF0B069005}">
-          <p14:sldIdLst>
-            <p14:sldId id="258"/>
+            <p14:sldId id="263"/>
+            <p14:sldId id="266"/>
+            <p14:sldId id="267"/>
+            <p14:sldId id="268"/>
+            <p14:sldId id="265"/>
           </p14:sldIdLst>
         </p14:section>
       </p14:sectionLst>
@@ -1413,7 +1417,7 @@
           <a:p>
             <a:fld id="{3CA95F23-CDAF-4B3E-A98C-4668253A1254}" type="datetimeFigureOut">
               <a:rPr lang="pt-PT" smtClean="0"/>
-              <a:t>09/02/2019</a:t>
+              <a:t>11/02/2019</a:t>
             </a:fld>
             <a:endParaRPr lang="pt-PT"/>
           </a:p>
@@ -1811,7 +1815,7 @@
           <a:p>
             <a:fld id="{6AC7D6EC-732F-4CB9-9B88-DE63AB9894FA}" type="datetime1">
               <a:rPr lang="pt-PT" smtClean="0"/>
-              <a:t>09/02/2019</a:t>
+              <a:t>11/02/2019</a:t>
             </a:fld>
             <a:endParaRPr lang="pt-PT"/>
           </a:p>
@@ -1981,7 +1985,7 @@
           <a:p>
             <a:fld id="{5B148478-466D-46D6-8217-B3DDA64241EF}" type="datetime1">
               <a:rPr lang="pt-PT" smtClean="0"/>
-              <a:t>09/02/2019</a:t>
+              <a:t>11/02/2019</a:t>
             </a:fld>
             <a:endParaRPr lang="pt-PT"/>
           </a:p>
@@ -2161,7 +2165,7 @@
           <a:p>
             <a:fld id="{87D2D5C6-2FFE-4064-837D-07F18BA6652A}" type="datetime1">
               <a:rPr lang="pt-PT" smtClean="0"/>
-              <a:t>09/02/2019</a:t>
+              <a:t>11/02/2019</a:t>
             </a:fld>
             <a:endParaRPr lang="pt-PT"/>
           </a:p>
@@ -2331,7 +2335,7 @@
           <a:p>
             <a:fld id="{9C0FD1B8-FA97-462F-A43B-D71E5D119971}" type="datetime1">
               <a:rPr lang="pt-PT" smtClean="0"/>
-              <a:t>09/02/2019</a:t>
+              <a:t>11/02/2019</a:t>
             </a:fld>
             <a:endParaRPr lang="pt-PT"/>
           </a:p>
@@ -2575,7 +2579,7 @@
           <a:p>
             <a:fld id="{2FF03B4B-4BCD-40D3-8455-D57C4EA6168B}" type="datetime1">
               <a:rPr lang="pt-PT" smtClean="0"/>
-              <a:t>09/02/2019</a:t>
+              <a:t>11/02/2019</a:t>
             </a:fld>
             <a:endParaRPr lang="pt-PT"/>
           </a:p>
@@ -2807,7 +2811,7 @@
           <a:p>
             <a:fld id="{0DD7ED10-AC3D-4DB4-9126-83C1BEDD3D23}" type="datetime1">
               <a:rPr lang="pt-PT" smtClean="0"/>
-              <a:t>09/02/2019</a:t>
+              <a:t>11/02/2019</a:t>
             </a:fld>
             <a:endParaRPr lang="pt-PT"/>
           </a:p>
@@ -3174,7 +3178,7 @@
           <a:p>
             <a:fld id="{A0F47A33-7068-4E6C-9C76-186C5B2D2359}" type="datetime1">
               <a:rPr lang="pt-PT" smtClean="0"/>
-              <a:t>09/02/2019</a:t>
+              <a:t>11/02/2019</a:t>
             </a:fld>
             <a:endParaRPr lang="pt-PT"/>
           </a:p>
@@ -3292,7 +3296,7 @@
           <a:p>
             <a:fld id="{3DB1B022-5566-49CD-8F77-00800BA51D78}" type="datetime1">
               <a:rPr lang="pt-PT" smtClean="0"/>
-              <a:t>09/02/2019</a:t>
+              <a:t>11/02/2019</a:t>
             </a:fld>
             <a:endParaRPr lang="pt-PT"/>
           </a:p>
@@ -3387,7 +3391,7 @@
           <a:p>
             <a:fld id="{51265C92-BEE8-4383-83F2-FC9473B74F12}" type="datetime1">
               <a:rPr lang="pt-PT" smtClean="0"/>
-              <a:t>09/02/2019</a:t>
+              <a:t>11/02/2019</a:t>
             </a:fld>
             <a:endParaRPr lang="pt-PT"/>
           </a:p>
@@ -3664,7 +3668,7 @@
           <a:p>
             <a:fld id="{237FC5D1-442D-4649-8495-62588CB63746}" type="datetime1">
               <a:rPr lang="pt-PT" smtClean="0"/>
-              <a:t>09/02/2019</a:t>
+              <a:t>11/02/2019</a:t>
             </a:fld>
             <a:endParaRPr lang="pt-PT"/>
           </a:p>
@@ -3921,7 +3925,7 @@
           <a:p>
             <a:fld id="{0A19F223-233F-479D-9167-02204910D0C1}" type="datetime1">
               <a:rPr lang="pt-PT" smtClean="0"/>
-              <a:t>09/02/2019</a:t>
+              <a:t>11/02/2019</a:t>
             </a:fld>
             <a:endParaRPr lang="pt-PT"/>
           </a:p>
@@ -4134,7 +4138,7 @@
           <a:p>
             <a:fld id="{C00E92C4-B1B2-4B0B-AA89-D950AE2A85E4}" type="datetime1">
               <a:rPr lang="pt-PT" smtClean="0"/>
-              <a:t>09/02/2019</a:t>
+              <a:t>11/02/2019</a:t>
             </a:fld>
             <a:endParaRPr lang="pt-PT"/>
           </a:p>
@@ -4558,8 +4562,8 @@
         </p:nvSpPr>
         <p:spPr>
           <a:xfrm>
-            <a:off x="1143000" y="1860533"/>
-            <a:ext cx="6858000" cy="350648"/>
+            <a:off x="2138449" y="1760777"/>
+            <a:ext cx="4867102" cy="350648"/>
           </a:xfrm>
         </p:spPr>
         <p:txBody>
@@ -4576,57 +4580,8 @@
                   </a:schemeClr>
                 </a:solidFill>
               </a:rPr>
-              <a:t>Procurar um animal mais fácil que nunca</a:t>
-            </a:r>
-          </a:p>
-        </p:txBody>
-      </p:sp>
-      <p:sp>
-        <p:nvSpPr>
-          <p:cNvPr id="21" name="Retângulo 20">
-            <a:extLst>
-              <a:ext uri="{FF2B5EF4-FFF2-40B4-BE49-F238E27FC236}">
-                <a16:creationId xmlns:a16="http://schemas.microsoft.com/office/drawing/2014/main" id="{346B6323-16DA-4343-988A-CBFC01DF779A}"/>
-              </a:ext>
-            </a:extLst>
-          </p:cNvPr>
-          <p:cNvSpPr/>
-          <p:nvPr/>
-        </p:nvSpPr>
-        <p:spPr>
-          <a:xfrm>
-            <a:off x="2114551" y="1150972"/>
-            <a:ext cx="5250656" cy="709560"/>
-          </a:xfrm>
-          <a:prstGeom prst="rect">
-            <a:avLst/>
-          </a:prstGeom>
-          <a:ln>
-            <a:solidFill>
-              <a:schemeClr val="bg1"/>
-            </a:solidFill>
-          </a:ln>
-        </p:spPr>
-        <p:style>
-          <a:lnRef idx="2">
-            <a:schemeClr val="accent6"/>
-          </a:lnRef>
-          <a:fillRef idx="1">
-            <a:schemeClr val="lt1"/>
-          </a:fillRef>
-          <a:effectRef idx="0">
-            <a:schemeClr val="accent6"/>
-          </a:effectRef>
-          <a:fontRef idx="minor">
-            <a:schemeClr val="dk1"/>
-          </a:fontRef>
-        </p:style>
-        <p:txBody>
-          <a:bodyPr rtlCol="0" anchor="ctr"/>
-          <a:lstStyle/>
-          <a:p>
-            <a:pPr algn="ctr"/>
-            <a:endParaRPr lang="pt-PT" sz="1350"/>
+              <a:t>Pronto para adotar um animal de estimação?</a:t>
+            </a:r>
           </a:p>
         </p:txBody>
       </p:sp>
@@ -4658,8 +4613,8 @@
         </p:blipFill>
         <p:spPr>
           <a:xfrm>
-            <a:off x="216438" y="3146694"/>
-            <a:ext cx="8711125" cy="3850639"/>
+            <a:off x="627765" y="3493712"/>
+            <a:ext cx="7888471" cy="3486996"/>
           </a:xfrm>
           <a:prstGeom prst="rect">
             <a:avLst/>
@@ -4685,8 +4640,8 @@
         </p:nvCxnSpPr>
         <p:spPr>
           <a:xfrm flipH="1">
-            <a:off x="2178172" y="1860532"/>
-            <a:ext cx="4787657" cy="0"/>
+            <a:off x="2052000" y="1694277"/>
+            <a:ext cx="5040000" cy="0"/>
           </a:xfrm>
           <a:prstGeom prst="line">
             <a:avLst/>
@@ -4698,13 +4653,13 @@
         </p:spPr>
         <p:style>
           <a:lnRef idx="2">
-            <a:schemeClr val="accent6"/>
+            <a:schemeClr val="accent2"/>
           </a:lnRef>
           <a:fillRef idx="0">
-            <a:schemeClr val="accent6"/>
+            <a:schemeClr val="accent2"/>
           </a:fillRef>
           <a:effectRef idx="1">
-            <a:schemeClr val="accent6"/>
+            <a:schemeClr val="accent2"/>
           </a:effectRef>
           <a:fontRef idx="minor">
             <a:schemeClr val="tx1"/>
@@ -4739,8 +4694,8 @@
         </p:blipFill>
         <p:spPr>
           <a:xfrm>
-            <a:off x="2545254" y="588462"/>
-            <a:ext cx="4053493" cy="1216048"/>
+            <a:off x="2412000" y="450084"/>
+            <a:ext cx="4320000" cy="1296001"/>
           </a:xfrm>
           <a:prstGeom prst="rect">
             <a:avLst/>
@@ -5080,7 +5035,7 @@
         </p:blipFill>
         <p:spPr>
           <a:xfrm>
-            <a:off x="190004" y="4632599"/>
+            <a:off x="7124" y="4242455"/>
             <a:ext cx="9144000" cy="2856790"/>
           </a:xfrm>
           <a:prstGeom prst="rect">
@@ -5106,329 +5061,26 @@
         </p:nvSpPr>
         <p:spPr>
           <a:xfrm>
-            <a:off x="190004" y="720080"/>
-            <a:ext cx="7886700" cy="994172"/>
+            <a:off x="256506" y="547346"/>
+            <a:ext cx="5270561" cy="529247"/>
           </a:xfrm>
         </p:spPr>
         <p:txBody>
-          <a:bodyPr/>
-          <a:lstStyle/>
-          <a:p>
-            <a:r>
-              <a:rPr lang="pt-PT" dirty="0"/>
-              <a:t>Contextualização do Projeto</a:t>
-            </a:r>
-          </a:p>
-        </p:txBody>
-      </p:sp>
-      <p:sp>
-        <p:nvSpPr>
-          <p:cNvPr id="8" name="CaixaDeTexto 7">
-            <a:extLst>
-              <a:ext uri="{FF2B5EF4-FFF2-40B4-BE49-F238E27FC236}">
-                <a16:creationId xmlns:a16="http://schemas.microsoft.com/office/drawing/2014/main" id="{F214CD94-6153-470F-A63A-B83D2C7F55F2}"/>
-              </a:ext>
-            </a:extLst>
-          </p:cNvPr>
-          <p:cNvSpPr txBox="1"/>
-          <p:nvPr/>
-        </p:nvSpPr>
-        <p:spPr>
-          <a:xfrm>
-            <a:off x="814350" y="2044435"/>
-            <a:ext cx="6174486" cy="300082"/>
-          </a:xfrm>
-          <a:prstGeom prst="rect">
-            <a:avLst/>
-          </a:prstGeom>
-          <a:noFill/>
-        </p:spPr>
-        <p:txBody>
-          <a:bodyPr wrap="square" rtlCol="0">
-            <a:spAutoFit/>
+          <a:bodyPr>
+            <a:normAutofit fontScale="90000"/>
           </a:bodyPr>
           <a:lstStyle/>
           <a:p>
-            <a:pPr marL="214313" indent="-214313">
-              <a:buFont typeface="Arial" panose="020B0604020202020204" pitchFamily="34" charset="0"/>
-              <a:buChar char="•"/>
-            </a:pPr>
-            <a:r>
-              <a:rPr lang="pt-PT" sz="1350" dirty="0"/>
-              <a:t>Facilitar a procura de animais para adoção</a:t>
-            </a:r>
-          </a:p>
-        </p:txBody>
-      </p:sp>
-      <p:sp>
-        <p:nvSpPr>
-          <p:cNvPr id="6" name="CaixaDeTexto 5">
-            <a:extLst>
-              <a:ext uri="{FF2B5EF4-FFF2-40B4-BE49-F238E27FC236}">
-                <a16:creationId xmlns:a16="http://schemas.microsoft.com/office/drawing/2014/main" id="{CDE1B74F-A7EB-4E19-9E95-B187D0CB2508}"/>
-              </a:ext>
-            </a:extLst>
-          </p:cNvPr>
-          <p:cNvSpPr txBox="1"/>
-          <p:nvPr/>
-        </p:nvSpPr>
-        <p:spPr>
-          <a:xfrm>
-            <a:off x="1270564" y="2684587"/>
-            <a:ext cx="8436669" cy="300082"/>
-          </a:xfrm>
-          <a:prstGeom prst="rect">
-            <a:avLst/>
-          </a:prstGeom>
-          <a:noFill/>
-        </p:spPr>
-        <p:txBody>
-          <a:bodyPr wrap="square" rtlCol="0">
-            <a:spAutoFit/>
-          </a:bodyPr>
-          <a:lstStyle/>
-          <a:p>
-            <a:pPr marL="671513" lvl="1" indent="-214313">
-              <a:buFont typeface="Arial" panose="020B0604020202020204" pitchFamily="34" charset="0"/>
-              <a:buChar char="•"/>
-            </a:pPr>
-            <a:r>
-              <a:rPr lang="pt-PT" sz="1350" dirty="0"/>
-              <a:t>Os utilizadores poderão ver os animais disponíveis e entrar em contacto através de mensagens com o canil</a:t>
-            </a:r>
-          </a:p>
-        </p:txBody>
-      </p:sp>
-      <p:sp>
-        <p:nvSpPr>
-          <p:cNvPr id="7" name="CaixaDeTexto 6">
-            <a:extLst>
-              <a:ext uri="{FF2B5EF4-FFF2-40B4-BE49-F238E27FC236}">
-                <a16:creationId xmlns:a16="http://schemas.microsoft.com/office/drawing/2014/main" id="{02599D3A-8C28-4324-9285-EAD6801CEC2B}"/>
-              </a:ext>
-            </a:extLst>
-          </p:cNvPr>
-          <p:cNvSpPr txBox="1"/>
-          <p:nvPr/>
-        </p:nvSpPr>
-        <p:spPr>
-          <a:xfrm>
-            <a:off x="2363458" y="3026109"/>
-            <a:ext cx="7515225" cy="300082"/>
-          </a:xfrm>
-          <a:prstGeom prst="rect">
-            <a:avLst/>
-          </a:prstGeom>
-          <a:noFill/>
-        </p:spPr>
-        <p:txBody>
-          <a:bodyPr wrap="square" rtlCol="0">
-            <a:spAutoFit/>
-          </a:bodyPr>
-          <a:lstStyle/>
-          <a:p>
-            <a:pPr marL="214313" indent="-214313">
-              <a:buFont typeface="Arial" panose="020B0604020202020204" pitchFamily="34" charset="0"/>
-              <a:buChar char="•"/>
-            </a:pPr>
-            <a:r>
-              <a:rPr lang="pt-PT" sz="1350" dirty="0"/>
-              <a:t>Informações como idade , género e dados médicos serão disponibilizados ao utilizador</a:t>
-            </a:r>
-          </a:p>
-        </p:txBody>
-      </p:sp>
-      <p:sp>
-        <p:nvSpPr>
-          <p:cNvPr id="9" name="CaixaDeTexto 8">
-            <a:extLst>
-              <a:ext uri="{FF2B5EF4-FFF2-40B4-BE49-F238E27FC236}">
-                <a16:creationId xmlns:a16="http://schemas.microsoft.com/office/drawing/2014/main" id="{C2DE5657-9891-49AB-9990-47FA15666815}"/>
-              </a:ext>
-            </a:extLst>
-          </p:cNvPr>
-          <p:cNvSpPr txBox="1"/>
-          <p:nvPr/>
-        </p:nvSpPr>
-        <p:spPr>
-          <a:xfrm>
-            <a:off x="1828697" y="4052256"/>
-            <a:ext cx="4535793" cy="300082"/>
-          </a:xfrm>
-          <a:prstGeom prst="rect">
-            <a:avLst/>
-          </a:prstGeom>
-          <a:noFill/>
-        </p:spPr>
-        <p:txBody>
-          <a:bodyPr wrap="none" rtlCol="0">
-            <a:spAutoFit/>
-          </a:bodyPr>
-          <a:lstStyle/>
-          <a:p>
-            <a:pPr marL="214313" indent="-214313">
-              <a:buFont typeface="Arial" panose="020B0604020202020204" pitchFamily="34" charset="0"/>
-              <a:buChar char="•"/>
-            </a:pPr>
-            <a:r>
-              <a:rPr lang="pt-PT" sz="1350" dirty="0"/>
-              <a:t>Permitir a criação de um utilizador e o acesso ao seu perfil.</a:t>
-            </a:r>
-          </a:p>
-        </p:txBody>
-      </p:sp>
-      <p:sp>
-        <p:nvSpPr>
-          <p:cNvPr id="10" name="CaixaDeTexto 9">
-            <a:extLst>
-              <a:ext uri="{FF2B5EF4-FFF2-40B4-BE49-F238E27FC236}">
-                <a16:creationId xmlns:a16="http://schemas.microsoft.com/office/drawing/2014/main" id="{622452AC-B1C7-40DC-84D3-A4B875C84859}"/>
-              </a:ext>
-            </a:extLst>
-          </p:cNvPr>
-          <p:cNvSpPr txBox="1"/>
-          <p:nvPr/>
-        </p:nvSpPr>
-        <p:spPr>
-          <a:xfrm>
-            <a:off x="2363458" y="3721902"/>
-            <a:ext cx="4001032" cy="300082"/>
-          </a:xfrm>
-          <a:prstGeom prst="rect">
-            <a:avLst/>
-          </a:prstGeom>
-          <a:noFill/>
-        </p:spPr>
-        <p:txBody>
-          <a:bodyPr wrap="none" rtlCol="0">
-            <a:spAutoFit/>
-          </a:bodyPr>
-          <a:lstStyle/>
-          <a:p>
-            <a:pPr marL="214313" indent="-214313">
-              <a:buFont typeface="Arial" panose="020B0604020202020204" pitchFamily="34" charset="0"/>
-              <a:buChar char="•"/>
-            </a:pPr>
-            <a:r>
-              <a:rPr lang="pt-PT" sz="1350" dirty="0"/>
-              <a:t>Irá disponibilizar direções para os canis disponíveis.</a:t>
-            </a:r>
-          </a:p>
-        </p:txBody>
-      </p:sp>
-      <p:sp>
-        <p:nvSpPr>
-          <p:cNvPr id="13" name="CaixaDeTexto 12">
-            <a:extLst>
-              <a:ext uri="{FF2B5EF4-FFF2-40B4-BE49-F238E27FC236}">
-                <a16:creationId xmlns:a16="http://schemas.microsoft.com/office/drawing/2014/main" id="{53874585-89E7-4542-A40A-DFBAA77C16A0}"/>
-              </a:ext>
-            </a:extLst>
-          </p:cNvPr>
-          <p:cNvSpPr txBox="1"/>
-          <p:nvPr/>
-        </p:nvSpPr>
-        <p:spPr>
-          <a:xfrm>
-            <a:off x="1252997" y="2376011"/>
-            <a:ext cx="6174486" cy="300082"/>
-          </a:xfrm>
-          <a:prstGeom prst="rect">
-            <a:avLst/>
-          </a:prstGeom>
-          <a:noFill/>
-        </p:spPr>
-        <p:txBody>
-          <a:bodyPr wrap="square" rtlCol="0">
-            <a:spAutoFit/>
-          </a:bodyPr>
-          <a:lstStyle/>
-          <a:p>
-            <a:pPr marL="214313" indent="-214313">
-              <a:buFont typeface="Arial" panose="020B0604020202020204" pitchFamily="34" charset="0"/>
-              <a:buChar char="•"/>
-            </a:pPr>
-            <a:r>
-              <a:rPr lang="pt-PT" sz="1350" dirty="0"/>
-              <a:t>Os canis irão poder disponibilizar os animais que estão para adoção</a:t>
-            </a:r>
-          </a:p>
-        </p:txBody>
-      </p:sp>
-      <p:sp>
-        <p:nvSpPr>
-          <p:cNvPr id="14" name="CaixaDeTexto 13">
-            <a:extLst>
-              <a:ext uri="{FF2B5EF4-FFF2-40B4-BE49-F238E27FC236}">
-                <a16:creationId xmlns:a16="http://schemas.microsoft.com/office/drawing/2014/main" id="{D10071D2-5747-420C-971E-1E412CC63C9E}"/>
-              </a:ext>
-            </a:extLst>
-          </p:cNvPr>
-          <p:cNvSpPr txBox="1"/>
-          <p:nvPr/>
-        </p:nvSpPr>
-        <p:spPr>
-          <a:xfrm>
-            <a:off x="1274764" y="4474514"/>
-            <a:ext cx="4535793" cy="300082"/>
-          </a:xfrm>
-          <a:prstGeom prst="rect">
-            <a:avLst/>
-          </a:prstGeom>
-          <a:noFill/>
-        </p:spPr>
-        <p:txBody>
-          <a:bodyPr wrap="none" rtlCol="0">
-            <a:spAutoFit/>
-          </a:bodyPr>
-          <a:lstStyle/>
-          <a:p>
-            <a:pPr marL="214313" indent="-214313">
-              <a:buFont typeface="Arial" panose="020B0604020202020204" pitchFamily="34" charset="0"/>
-              <a:buChar char="•"/>
-            </a:pPr>
-            <a:r>
-              <a:rPr lang="pt-PT" sz="1350" dirty="0"/>
-              <a:t>Permitir a criação de um utilizador e o acesso ao seu perfil.</a:t>
-            </a:r>
-          </a:p>
-        </p:txBody>
-      </p:sp>
-      <p:sp>
-        <p:nvSpPr>
-          <p:cNvPr id="15" name="CaixaDeTexto 14">
-            <a:extLst>
-              <a:ext uri="{FF2B5EF4-FFF2-40B4-BE49-F238E27FC236}">
-                <a16:creationId xmlns:a16="http://schemas.microsoft.com/office/drawing/2014/main" id="{8881D4BC-17A1-4ABE-AF3C-659B4A43E10C}"/>
-              </a:ext>
-            </a:extLst>
-          </p:cNvPr>
-          <p:cNvSpPr txBox="1"/>
-          <p:nvPr/>
-        </p:nvSpPr>
-        <p:spPr>
-          <a:xfrm>
-            <a:off x="814350" y="4815426"/>
-            <a:ext cx="4148187" cy="300082"/>
-          </a:xfrm>
-          <a:prstGeom prst="rect">
-            <a:avLst/>
-          </a:prstGeom>
-          <a:noFill/>
-        </p:spPr>
-        <p:txBody>
-          <a:bodyPr wrap="none" rtlCol="0">
-            <a:spAutoFit/>
-          </a:bodyPr>
-          <a:lstStyle/>
-          <a:p>
-            <a:pPr marL="214313" indent="-214313">
-              <a:buFont typeface="Arial" panose="020B0604020202020204" pitchFamily="34" charset="0"/>
-              <a:buChar char="•"/>
-            </a:pPr>
-            <a:r>
-              <a:rPr lang="pt-PT" sz="1350" dirty="0"/>
-              <a:t>Utilizará um UI simples e intuitivo para facilitar o uso.</a:t>
+            <a:r>
+              <a:rPr lang="pt-PT" sz="4000" b="1" dirty="0">
+                <a:solidFill>
+                  <a:schemeClr val="tx1">
+                    <a:lumMod val="75000"/>
+                    <a:lumOff val="25000"/>
+                  </a:schemeClr>
+                </a:solidFill>
+              </a:rPr>
+              <a:t>O Projeto</a:t>
             </a:r>
           </a:p>
         </p:txBody>
@@ -5449,16 +5101,221 @@
             <p:ph type="sldNum" sz="quarter" idx="12"/>
           </p:nvPr>
         </p:nvSpPr>
-        <p:spPr/>
+        <p:spPr>
+          <a:xfrm>
+            <a:off x="8537726" y="6314786"/>
+            <a:ext cx="360000" cy="360000"/>
+          </a:xfrm>
+        </p:spPr>
         <p:txBody>
           <a:bodyPr/>
           <a:lstStyle/>
           <a:p>
+            <a:pPr algn="ctr"/>
             <a:fld id="{A207AFEE-14BA-463E-8F7F-68058916CB0C}" type="slidenum">
               <a:rPr lang="pt-PT" smtClean="0"/>
+              <a:pPr algn="ctr"/>
               <a:t>2</a:t>
             </a:fld>
-            <a:endParaRPr lang="pt-PT"/>
+            <a:endParaRPr lang="pt-PT" dirty="0"/>
+          </a:p>
+        </p:txBody>
+      </p:sp>
+      <p:cxnSp>
+        <p:nvCxnSpPr>
+          <p:cNvPr id="17" name="Conexão reta 16">
+            <a:extLst>
+              <a:ext uri="{FF2B5EF4-FFF2-40B4-BE49-F238E27FC236}">
+                <a16:creationId xmlns:a16="http://schemas.microsoft.com/office/drawing/2014/main" id="{26B73CA5-7497-4832-9D47-4D8C13427B1D}"/>
+              </a:ext>
+            </a:extLst>
+          </p:cNvPr>
+          <p:cNvCxnSpPr>
+            <a:cxnSpLocks/>
+          </p:cNvCxnSpPr>
+          <p:nvPr/>
+        </p:nvCxnSpPr>
+        <p:spPr>
+          <a:xfrm flipH="1">
+            <a:off x="2" y="1076593"/>
+            <a:ext cx="4571998" cy="27481"/>
+          </a:xfrm>
+          <a:prstGeom prst="line">
+            <a:avLst/>
+          </a:prstGeom>
+          <a:ln>
+            <a:headEnd type="none" w="med" len="med"/>
+            <a:tailEnd type="none" w="med" len="med"/>
+          </a:ln>
+        </p:spPr>
+        <p:style>
+          <a:lnRef idx="2">
+            <a:schemeClr val="accent2"/>
+          </a:lnRef>
+          <a:fillRef idx="0">
+            <a:schemeClr val="accent2"/>
+          </a:fillRef>
+          <a:effectRef idx="1">
+            <a:schemeClr val="accent2"/>
+          </a:effectRef>
+          <a:fontRef idx="minor">
+            <a:schemeClr val="tx1"/>
+          </a:fontRef>
+        </p:style>
+      </p:cxnSp>
+      <p:sp>
+        <p:nvSpPr>
+          <p:cNvPr id="19" name="CaixaDeTexto 18">
+            <a:extLst>
+              <a:ext uri="{FF2B5EF4-FFF2-40B4-BE49-F238E27FC236}">
+                <a16:creationId xmlns:a16="http://schemas.microsoft.com/office/drawing/2014/main" id="{736FD49E-BDC4-4962-92DB-3639170442A8}"/>
+              </a:ext>
+            </a:extLst>
+          </p:cNvPr>
+          <p:cNvSpPr txBox="1"/>
+          <p:nvPr/>
+        </p:nvSpPr>
+        <p:spPr>
+          <a:xfrm>
+            <a:off x="259491" y="1695118"/>
+            <a:ext cx="8643440" cy="584775"/>
+          </a:xfrm>
+          <a:prstGeom prst="rect">
+            <a:avLst/>
+          </a:prstGeom>
+          <a:noFill/>
+        </p:spPr>
+        <p:txBody>
+          <a:bodyPr wrap="square" rtlCol="0">
+            <a:spAutoFit/>
+          </a:bodyPr>
+          <a:lstStyle/>
+          <a:p>
+            <a:r>
+              <a:rPr lang="pt-PT" sz="1600" dirty="0">
+                <a:solidFill>
+                  <a:schemeClr val="tx1">
+                    <a:lumMod val="75000"/>
+                    <a:lumOff val="25000"/>
+                  </a:schemeClr>
+                </a:solidFill>
+              </a:rPr>
+              <a:t>Pet4All é uma plataforma de comunicação e partilha de informação para ajudar os canis de Portugal a divulgar os animais, facilitando a sua adoção. Este projeto faz a interligação entre o adotante e o canil</a:t>
+            </a:r>
+            <a:r>
+              <a:rPr lang="pt-PT" sz="1600" dirty="0"/>
+              <a:t>. </a:t>
+            </a:r>
+          </a:p>
+        </p:txBody>
+      </p:sp>
+      <p:sp>
+        <p:nvSpPr>
+          <p:cNvPr id="20" name="CaixaDeTexto 19">
+            <a:extLst>
+              <a:ext uri="{FF2B5EF4-FFF2-40B4-BE49-F238E27FC236}">
+                <a16:creationId xmlns:a16="http://schemas.microsoft.com/office/drawing/2014/main" id="{906A3ED7-F828-411E-880A-2886ABD632B5}"/>
+              </a:ext>
+            </a:extLst>
+          </p:cNvPr>
+          <p:cNvSpPr txBox="1"/>
+          <p:nvPr/>
+        </p:nvSpPr>
+        <p:spPr>
+          <a:xfrm>
+            <a:off x="626563" y="2717402"/>
+            <a:ext cx="8279476" cy="1323439"/>
+          </a:xfrm>
+          <a:prstGeom prst="rect">
+            <a:avLst/>
+          </a:prstGeom>
+          <a:noFill/>
+        </p:spPr>
+        <p:txBody>
+          <a:bodyPr wrap="square" rtlCol="0">
+            <a:spAutoFit/>
+          </a:bodyPr>
+          <a:lstStyle/>
+          <a:p>
+            <a:r>
+              <a:rPr lang="pt-PT" sz="1600" dirty="0">
+                <a:solidFill>
+                  <a:schemeClr val="tx1">
+                    <a:lumMod val="75000"/>
+                    <a:lumOff val="25000"/>
+                  </a:schemeClr>
+                </a:solidFill>
+              </a:rPr>
+              <a:t>Funcionalidades:</a:t>
+            </a:r>
+          </a:p>
+          <a:p>
+            <a:pPr marL="285750" indent="-285750">
+              <a:buFont typeface="Arial" panose="020B0604020202020204" pitchFamily="34" charset="0"/>
+              <a:buChar char="•"/>
+            </a:pPr>
+            <a:r>
+              <a:rPr lang="pt-PT" sz="1600" dirty="0">
+                <a:solidFill>
+                  <a:schemeClr val="tx1">
+                    <a:lumMod val="75000"/>
+                    <a:lumOff val="25000"/>
+                  </a:schemeClr>
+                </a:solidFill>
+              </a:rPr>
+              <a:t>Listagem de Animais;</a:t>
+            </a:r>
+          </a:p>
+          <a:p>
+            <a:pPr marL="285750" indent="-285750">
+              <a:buFont typeface="Arial" panose="020B0604020202020204" pitchFamily="34" charset="0"/>
+              <a:buChar char="•"/>
+            </a:pPr>
+            <a:r>
+              <a:rPr lang="pt-PT" sz="1600" dirty="0">
+                <a:solidFill>
+                  <a:schemeClr val="tx1">
+                    <a:lumMod val="75000"/>
+                    <a:lumOff val="25000"/>
+                  </a:schemeClr>
+                </a:solidFill>
+              </a:rPr>
+              <a:t>Informação dos Animais;</a:t>
+            </a:r>
+          </a:p>
+          <a:p>
+            <a:pPr marL="285750" indent="-285750">
+              <a:buFont typeface="Arial" panose="020B0604020202020204" pitchFamily="34" charset="0"/>
+              <a:buChar char="•"/>
+            </a:pPr>
+            <a:r>
+              <a:rPr lang="pt-PT" sz="1600" dirty="0">
+                <a:solidFill>
+                  <a:schemeClr val="tx1">
+                    <a:lumMod val="75000"/>
+                    <a:lumOff val="25000"/>
+                  </a:schemeClr>
+                </a:solidFill>
+              </a:rPr>
+              <a:t>Comunicação com o canil;</a:t>
+            </a:r>
+          </a:p>
+          <a:p>
+            <a:pPr marL="285750" indent="-285750">
+              <a:buFont typeface="Arial" panose="020B0604020202020204" pitchFamily="34" charset="0"/>
+              <a:buChar char="•"/>
+            </a:pPr>
+            <a:r>
+              <a:rPr lang="pt-PT" sz="1600" dirty="0">
+                <a:solidFill>
+                  <a:schemeClr val="tx1">
+                    <a:lumMod val="75000"/>
+                    <a:lumOff val="25000"/>
+                  </a:schemeClr>
+                </a:solidFill>
+              </a:rPr>
+              <a:t>Informação do Canil;</a:t>
+            </a:r>
           </a:p>
         </p:txBody>
       </p:sp>
@@ -5568,389 +5425,24 @@
                                   </p:childTnLst>
                                 </p:cTn>
                               </p:par>
+                            </p:childTnLst>
+                          </p:cTn>
+                        </p:par>
+                        <p:par>
+                          <p:cTn id="9" fill="hold">
+                            <p:stCondLst>
+                              <p:cond delay="500"/>
+                            </p:stCondLst>
+                            <p:childTnLst>
                               <p:par>
-                                <p:cTn id="9" presetID="2" presetClass="entr" presetSubtype="8" fill="hold" grpId="0" nodeType="withEffect">
+                                <p:cTn id="10" presetID="2" presetClass="entr" presetSubtype="4" fill="hold" nodeType="afterEffect">
                                   <p:stCondLst>
                                     <p:cond delay="0"/>
                                   </p:stCondLst>
                                   <p:childTnLst>
                                     <p:set>
                                       <p:cBhvr>
-                                        <p:cTn id="10" dur="1" fill="hold">
-                                          <p:stCondLst>
-                                            <p:cond delay="0"/>
-                                          </p:stCondLst>
-                                        </p:cTn>
-                                        <p:tgtEl>
-                                          <p:spTgt spid="7"/>
-                                        </p:tgtEl>
-                                        <p:attrNameLst>
-                                          <p:attrName>style.visibility</p:attrName>
-                                        </p:attrNameLst>
-                                      </p:cBhvr>
-                                      <p:to>
-                                        <p:strVal val="visible"/>
-                                      </p:to>
-                                    </p:set>
-                                    <p:anim calcmode="lin" valueType="num">
-                                      <p:cBhvr additive="base">
-                                        <p:cTn id="11" dur="500" fill="hold"/>
-                                        <p:tgtEl>
-                                          <p:spTgt spid="7"/>
-                                        </p:tgtEl>
-                                        <p:attrNameLst>
-                                          <p:attrName>ppt_x</p:attrName>
-                                        </p:attrNameLst>
-                                      </p:cBhvr>
-                                      <p:tavLst>
-                                        <p:tav tm="0">
-                                          <p:val>
-                                            <p:strVal val="0-#ppt_w/2"/>
-                                          </p:val>
-                                        </p:tav>
-                                        <p:tav tm="100000">
-                                          <p:val>
-                                            <p:strVal val="#ppt_x"/>
-                                          </p:val>
-                                        </p:tav>
-                                      </p:tavLst>
-                                    </p:anim>
-                                    <p:anim calcmode="lin" valueType="num">
-                                      <p:cBhvr additive="base">
-                                        <p:cTn id="12" dur="500" fill="hold"/>
-                                        <p:tgtEl>
-                                          <p:spTgt spid="7"/>
-                                        </p:tgtEl>
-                                        <p:attrNameLst>
-                                          <p:attrName>ppt_y</p:attrName>
-                                        </p:attrNameLst>
-                                      </p:cBhvr>
-                                      <p:tavLst>
-                                        <p:tav tm="0">
-                                          <p:val>
-                                            <p:strVal val="#ppt_y"/>
-                                          </p:val>
-                                        </p:tav>
-                                        <p:tav tm="100000">
-                                          <p:val>
-                                            <p:strVal val="#ppt_y"/>
-                                          </p:val>
-                                        </p:tav>
-                                      </p:tavLst>
-                                    </p:anim>
-                                  </p:childTnLst>
-                                </p:cTn>
-                              </p:par>
-                              <p:par>
-                                <p:cTn id="13" presetID="2" presetClass="entr" presetSubtype="8" fill="hold" grpId="0" nodeType="withEffect">
-                                  <p:stCondLst>
-                                    <p:cond delay="0"/>
-                                  </p:stCondLst>
-                                  <p:childTnLst>
-                                    <p:set>
-                                      <p:cBhvr>
-                                        <p:cTn id="14" dur="1" fill="hold">
-                                          <p:stCondLst>
-                                            <p:cond delay="0"/>
-                                          </p:stCondLst>
-                                        </p:cTn>
-                                        <p:tgtEl>
-                                          <p:spTgt spid="6"/>
-                                        </p:tgtEl>
-                                        <p:attrNameLst>
-                                          <p:attrName>style.visibility</p:attrName>
-                                        </p:attrNameLst>
-                                      </p:cBhvr>
-                                      <p:to>
-                                        <p:strVal val="visible"/>
-                                      </p:to>
-                                    </p:set>
-                                    <p:anim calcmode="lin" valueType="num">
-                                      <p:cBhvr additive="base">
-                                        <p:cTn id="15" dur="500" fill="hold"/>
-                                        <p:tgtEl>
-                                          <p:spTgt spid="6"/>
-                                        </p:tgtEl>
-                                        <p:attrNameLst>
-                                          <p:attrName>ppt_x</p:attrName>
-                                        </p:attrNameLst>
-                                      </p:cBhvr>
-                                      <p:tavLst>
-                                        <p:tav tm="0">
-                                          <p:val>
-                                            <p:strVal val="0-#ppt_w/2"/>
-                                          </p:val>
-                                        </p:tav>
-                                        <p:tav tm="100000">
-                                          <p:val>
-                                            <p:strVal val="#ppt_x"/>
-                                          </p:val>
-                                        </p:tav>
-                                      </p:tavLst>
-                                    </p:anim>
-                                    <p:anim calcmode="lin" valueType="num">
-                                      <p:cBhvr additive="base">
-                                        <p:cTn id="16" dur="500" fill="hold"/>
-                                        <p:tgtEl>
-                                          <p:spTgt spid="6"/>
-                                        </p:tgtEl>
-                                        <p:attrNameLst>
-                                          <p:attrName>ppt_y</p:attrName>
-                                        </p:attrNameLst>
-                                      </p:cBhvr>
-                                      <p:tavLst>
-                                        <p:tav tm="0">
-                                          <p:val>
-                                            <p:strVal val="#ppt_y"/>
-                                          </p:val>
-                                        </p:tav>
-                                        <p:tav tm="100000">
-                                          <p:val>
-                                            <p:strVal val="#ppt_y"/>
-                                          </p:val>
-                                        </p:tav>
-                                      </p:tavLst>
-                                    </p:anim>
-                                  </p:childTnLst>
-                                </p:cTn>
-                              </p:par>
-                              <p:par>
-                                <p:cTn id="17" presetID="2" presetClass="entr" presetSubtype="8" fill="hold" grpId="0" nodeType="withEffect">
-                                  <p:stCondLst>
-                                    <p:cond delay="0"/>
-                                  </p:stCondLst>
-                                  <p:childTnLst>
-                                    <p:set>
-                                      <p:cBhvr>
-                                        <p:cTn id="18" dur="1" fill="hold">
-                                          <p:stCondLst>
-                                            <p:cond delay="0"/>
-                                          </p:stCondLst>
-                                        </p:cTn>
-                                        <p:tgtEl>
-                                          <p:spTgt spid="8"/>
-                                        </p:tgtEl>
-                                        <p:attrNameLst>
-                                          <p:attrName>style.visibility</p:attrName>
-                                        </p:attrNameLst>
-                                      </p:cBhvr>
-                                      <p:to>
-                                        <p:strVal val="visible"/>
-                                      </p:to>
-                                    </p:set>
-                                    <p:anim calcmode="lin" valueType="num">
-                                      <p:cBhvr additive="base">
-                                        <p:cTn id="19" dur="500" fill="hold"/>
-                                        <p:tgtEl>
-                                          <p:spTgt spid="8"/>
-                                        </p:tgtEl>
-                                        <p:attrNameLst>
-                                          <p:attrName>ppt_x</p:attrName>
-                                        </p:attrNameLst>
-                                      </p:cBhvr>
-                                      <p:tavLst>
-                                        <p:tav tm="0">
-                                          <p:val>
-                                            <p:strVal val="0-#ppt_w/2"/>
-                                          </p:val>
-                                        </p:tav>
-                                        <p:tav tm="100000">
-                                          <p:val>
-                                            <p:strVal val="#ppt_x"/>
-                                          </p:val>
-                                        </p:tav>
-                                      </p:tavLst>
-                                    </p:anim>
-                                    <p:anim calcmode="lin" valueType="num">
-                                      <p:cBhvr additive="base">
-                                        <p:cTn id="20" dur="500" fill="hold"/>
-                                        <p:tgtEl>
-                                          <p:spTgt spid="8"/>
-                                        </p:tgtEl>
-                                        <p:attrNameLst>
-                                          <p:attrName>ppt_y</p:attrName>
-                                        </p:attrNameLst>
-                                      </p:cBhvr>
-                                      <p:tavLst>
-                                        <p:tav tm="0">
-                                          <p:val>
-                                            <p:strVal val="#ppt_y"/>
-                                          </p:val>
-                                        </p:tav>
-                                        <p:tav tm="100000">
-                                          <p:val>
-                                            <p:strVal val="#ppt_y"/>
-                                          </p:val>
-                                        </p:tav>
-                                      </p:tavLst>
-                                    </p:anim>
-                                  </p:childTnLst>
-                                </p:cTn>
-                              </p:par>
-                              <p:par>
-                                <p:cTn id="21" presetID="2" presetClass="entr" presetSubtype="8" fill="hold" grpId="0" nodeType="withEffect">
-                                  <p:stCondLst>
-                                    <p:cond delay="0"/>
-                                  </p:stCondLst>
-                                  <p:childTnLst>
-                                    <p:set>
-                                      <p:cBhvr>
-                                        <p:cTn id="22" dur="1" fill="hold">
-                                          <p:stCondLst>
-                                            <p:cond delay="0"/>
-                                          </p:stCondLst>
-                                        </p:cTn>
-                                        <p:tgtEl>
-                                          <p:spTgt spid="10"/>
-                                        </p:tgtEl>
-                                        <p:attrNameLst>
-                                          <p:attrName>style.visibility</p:attrName>
-                                        </p:attrNameLst>
-                                      </p:cBhvr>
-                                      <p:to>
-                                        <p:strVal val="visible"/>
-                                      </p:to>
-                                    </p:set>
-                                    <p:anim calcmode="lin" valueType="num">
-                                      <p:cBhvr additive="base">
-                                        <p:cTn id="23" dur="500" fill="hold"/>
-                                        <p:tgtEl>
-                                          <p:spTgt spid="10"/>
-                                        </p:tgtEl>
-                                        <p:attrNameLst>
-                                          <p:attrName>ppt_x</p:attrName>
-                                        </p:attrNameLst>
-                                      </p:cBhvr>
-                                      <p:tavLst>
-                                        <p:tav tm="0">
-                                          <p:val>
-                                            <p:strVal val="0-#ppt_w/2"/>
-                                          </p:val>
-                                        </p:tav>
-                                        <p:tav tm="100000">
-                                          <p:val>
-                                            <p:strVal val="#ppt_x"/>
-                                          </p:val>
-                                        </p:tav>
-                                      </p:tavLst>
-                                    </p:anim>
-                                    <p:anim calcmode="lin" valueType="num">
-                                      <p:cBhvr additive="base">
-                                        <p:cTn id="24" dur="500" fill="hold"/>
-                                        <p:tgtEl>
-                                          <p:spTgt spid="10"/>
-                                        </p:tgtEl>
-                                        <p:attrNameLst>
-                                          <p:attrName>ppt_y</p:attrName>
-                                        </p:attrNameLst>
-                                      </p:cBhvr>
-                                      <p:tavLst>
-                                        <p:tav tm="0">
-                                          <p:val>
-                                            <p:strVal val="#ppt_y"/>
-                                          </p:val>
-                                        </p:tav>
-                                        <p:tav tm="100000">
-                                          <p:val>
-                                            <p:strVal val="#ppt_y"/>
-                                          </p:val>
-                                        </p:tav>
-                                      </p:tavLst>
-                                    </p:anim>
-                                  </p:childTnLst>
-                                </p:cTn>
-                              </p:par>
-                              <p:par>
-                                <p:cTn id="25" presetID="2" presetClass="entr" presetSubtype="8" fill="hold" grpId="0" nodeType="withEffect">
-                                  <p:stCondLst>
-                                    <p:cond delay="0"/>
-                                  </p:stCondLst>
-                                  <p:childTnLst>
-                                    <p:set>
-                                      <p:cBhvr>
-                                        <p:cTn id="26" dur="1" fill="hold">
-                                          <p:stCondLst>
-                                            <p:cond delay="0"/>
-                                          </p:stCondLst>
-                                        </p:cTn>
-                                        <p:tgtEl>
-                                          <p:spTgt spid="9"/>
-                                        </p:tgtEl>
-                                        <p:attrNameLst>
-                                          <p:attrName>style.visibility</p:attrName>
-                                        </p:attrNameLst>
-                                      </p:cBhvr>
-                                      <p:to>
-                                        <p:strVal val="visible"/>
-                                      </p:to>
-                                    </p:set>
-                                    <p:anim calcmode="lin" valueType="num">
-                                      <p:cBhvr additive="base">
-                                        <p:cTn id="27" dur="500" fill="hold"/>
-                                        <p:tgtEl>
-                                          <p:spTgt spid="9"/>
-                                        </p:tgtEl>
-                                        <p:attrNameLst>
-                                          <p:attrName>ppt_x</p:attrName>
-                                        </p:attrNameLst>
-                                      </p:cBhvr>
-                                      <p:tavLst>
-                                        <p:tav tm="0">
-                                          <p:val>
-                                            <p:strVal val="0-#ppt_w/2"/>
-                                          </p:val>
-                                        </p:tav>
-                                        <p:tav tm="100000">
-                                          <p:val>
-                                            <p:strVal val="#ppt_x"/>
-                                          </p:val>
-                                        </p:tav>
-                                      </p:tavLst>
-                                    </p:anim>
-                                    <p:anim calcmode="lin" valueType="num">
-                                      <p:cBhvr additive="base">
-                                        <p:cTn id="28" dur="500" fill="hold"/>
-                                        <p:tgtEl>
-                                          <p:spTgt spid="9"/>
-                                        </p:tgtEl>
-                                        <p:attrNameLst>
-                                          <p:attrName>ppt_y</p:attrName>
-                                        </p:attrNameLst>
-                                      </p:cBhvr>
-                                      <p:tavLst>
-                                        <p:tav tm="0">
-                                          <p:val>
-                                            <p:strVal val="#ppt_y"/>
-                                          </p:val>
-                                        </p:tav>
-                                        <p:tav tm="100000">
-                                          <p:val>
-                                            <p:strVal val="#ppt_y"/>
-                                          </p:val>
-                                        </p:tav>
-                                      </p:tavLst>
-                                    </p:anim>
-                                  </p:childTnLst>
-                                </p:cTn>
-                              </p:par>
-                            </p:childTnLst>
-                          </p:cTn>
-                        </p:par>
-                        <p:par>
-                          <p:cTn id="29" fill="hold">
-                            <p:stCondLst>
-                              <p:cond delay="500"/>
-                            </p:stCondLst>
-                            <p:childTnLst>
-                              <p:par>
-                                <p:cTn id="30" presetID="2" presetClass="entr" presetSubtype="4" fill="hold" nodeType="afterEffect">
-                                  <p:stCondLst>
-                                    <p:cond delay="0"/>
-                                  </p:stCondLst>
-                                  <p:childTnLst>
-                                    <p:set>
-                                      <p:cBhvr>
-                                        <p:cTn id="31" dur="1" fill="hold">
+                                        <p:cTn id="11" dur="1" fill="hold">
                                           <p:stCondLst>
                                             <p:cond delay="0"/>
                                           </p:stCondLst>
@@ -5968,7 +5460,7 @@
                                     </p:set>
                                     <p:anim calcmode="lin" valueType="num">
                                       <p:cBhvr additive="base">
-                                        <p:cTn id="32" dur="500" fill="hold"/>
+                                        <p:cTn id="12" dur="500" fill="hold"/>
                                         <p:tgtEl>
                                           <p:spTgt spid="12"/>
                                         </p:tgtEl>
@@ -5991,7 +5483,7 @@
                                     </p:anim>
                                     <p:anim calcmode="lin" valueType="num">
                                       <p:cBhvr additive="base">
-                                        <p:cTn id="33" dur="500" fill="hold"/>
+                                        <p:cTn id="13" dur="500" fill="hold"/>
                                         <p:tgtEl>
                                           <p:spTgt spid="12"/>
                                         </p:tgtEl>
@@ -6016,20 +5508,20 @@
                                 </p:cTn>
                               </p:par>
                               <p:par>
-                                <p:cTn id="34" presetID="2" presetClass="entr" presetSubtype="8" fill="hold" grpId="0" nodeType="withEffect">
+                                <p:cTn id="14" presetID="16" presetClass="entr" presetSubtype="37" fill="hold" nodeType="withEffect">
                                   <p:stCondLst>
                                     <p:cond delay="0"/>
                                   </p:stCondLst>
                                   <p:childTnLst>
                                     <p:set>
                                       <p:cBhvr>
-                                        <p:cTn id="35" dur="1" fill="hold">
+                                        <p:cTn id="15" dur="1" fill="hold">
                                           <p:stCondLst>
                                             <p:cond delay="0"/>
                                           </p:stCondLst>
                                         </p:cTn>
                                         <p:tgtEl>
-                                          <p:spTgt spid="13"/>
+                                          <p:spTgt spid="17"/>
                                         </p:tgtEl>
                                         <p:attrNameLst>
                                           <p:attrName>style.visibility</p:attrName>
@@ -6039,64 +5531,524 @@
                                         <p:strVal val="visible"/>
                                       </p:to>
                                     </p:set>
-                                    <p:anim calcmode="lin" valueType="num">
-                                      <p:cBhvr additive="base">
-                                        <p:cTn id="36" dur="500" fill="hold"/>
+                                    <p:animEffect transition="in" filter="barn(outVertical)">
+                                      <p:cBhvr>
+                                        <p:cTn id="16" dur="500"/>
                                         <p:tgtEl>
-                                          <p:spTgt spid="13"/>
+                                          <p:spTgt spid="17"/>
                                         </p:tgtEl>
-                                        <p:attrNameLst>
-                                          <p:attrName>ppt_x</p:attrName>
-                                        </p:attrNameLst>
                                       </p:cBhvr>
-                                      <p:tavLst>
-                                        <p:tav tm="0">
-                                          <p:val>
-                                            <p:strVal val="0-#ppt_w/2"/>
-                                          </p:val>
-                                        </p:tav>
-                                        <p:tav tm="100000">
-                                          <p:val>
-                                            <p:strVal val="#ppt_x"/>
-                                          </p:val>
-                                        </p:tav>
-                                      </p:tavLst>
-                                    </p:anim>
-                                    <p:anim calcmode="lin" valueType="num">
-                                      <p:cBhvr additive="base">
-                                        <p:cTn id="37" dur="500" fill="hold"/>
-                                        <p:tgtEl>
-                                          <p:spTgt spid="13"/>
-                                        </p:tgtEl>
-                                        <p:attrNameLst>
-                                          <p:attrName>ppt_y</p:attrName>
-                                        </p:attrNameLst>
-                                      </p:cBhvr>
-                                      <p:tavLst>
-                                        <p:tav tm="0">
-                                          <p:val>
-                                            <p:strVal val="#ppt_y"/>
-                                          </p:val>
-                                        </p:tav>
-                                        <p:tav tm="100000">
-                                          <p:val>
-                                            <p:strVal val="#ppt_y"/>
-                                          </p:val>
-                                        </p:tav>
-                                      </p:tavLst>
-                                    </p:anim>
+                                    </p:animEffect>
                                   </p:childTnLst>
                                 </p:cTn>
                               </p:par>
+                            </p:childTnLst>
+                          </p:cTn>
+                        </p:par>
+                      </p:childTnLst>
+                    </p:cTn>
+                  </p:par>
+                </p:childTnLst>
+              </p:cTn>
+              <p:prevCondLst>
+                <p:cond evt="onPrev" delay="0">
+                  <p:tgtEl>
+                    <p:sldTgt/>
+                  </p:tgtEl>
+                </p:cond>
+              </p:prevCondLst>
+              <p:nextCondLst>
+                <p:cond evt="onNext" delay="0">
+                  <p:tgtEl>
+                    <p:sldTgt/>
+                  </p:tgtEl>
+                </p:cond>
+              </p:nextCondLst>
+            </p:seq>
+          </p:childTnLst>
+        </p:cTn>
+      </p:par>
+    </p:tnLst>
+    <p:bldLst>
+      <p:bldP spid="2" grpId="0"/>
+    </p:bldLst>
+  </p:timing>
+</p:sld>
+</file>
+
+<file path=ppt/slides/slide3.xml><?xml version="1.0" encoding="utf-8"?>
+<p:sld xmlns:a="http://schemas.openxmlformats.org/drawingml/2006/main" xmlns:r="http://schemas.openxmlformats.org/officeDocument/2006/relationships" xmlns:p="http://schemas.openxmlformats.org/presentationml/2006/main">
+  <p:cSld>
+    <p:spTree>
+      <p:nvGrpSpPr>
+        <p:cNvPr id="1" name=""/>
+        <p:cNvGrpSpPr/>
+        <p:nvPr/>
+      </p:nvGrpSpPr>
+      <p:grpSpPr>
+        <a:xfrm>
+          <a:off x="0" y="0"/>
+          <a:ext cx="0" cy="0"/>
+          <a:chOff x="0" y="0"/>
+          <a:chExt cx="0" cy="0"/>
+        </a:xfrm>
+      </p:grpSpPr>
+      <p:pic>
+        <p:nvPicPr>
+          <p:cNvPr id="14" name="Imagem 13">
+            <a:extLst>
+              <a:ext uri="{FF2B5EF4-FFF2-40B4-BE49-F238E27FC236}">
+                <a16:creationId xmlns:a16="http://schemas.microsoft.com/office/drawing/2014/main" id="{9B345C1A-3195-4660-BF00-CABEB2B2CBC8}"/>
+              </a:ext>
+            </a:extLst>
+          </p:cNvPr>
+          <p:cNvPicPr>
+            <a:picLocks noChangeAspect="1"/>
+          </p:cNvPicPr>
+          <p:nvPr/>
+        </p:nvPicPr>
+        <p:blipFill>
+          <a:blip r:embed="rId2"/>
+          <a:stretch>
+            <a:fillRect/>
+          </a:stretch>
+        </p:blipFill>
+        <p:spPr>
+          <a:xfrm>
+            <a:off x="825034" y="1699806"/>
+            <a:ext cx="4666689" cy="1467179"/>
+          </a:xfrm>
+          <a:prstGeom prst="rect">
+            <a:avLst/>
+          </a:prstGeom>
+          <a:ln>
+            <a:noFill/>
+          </a:ln>
+          <a:effectLst>
+            <a:outerShdw blurRad="292100" dist="139700" dir="2700000" algn="tl" rotWithShape="0">
+              <a:srgbClr val="333333">
+                <a:alpha val="65000"/>
+              </a:srgbClr>
+            </a:outerShdw>
+          </a:effectLst>
+        </p:spPr>
+      </p:pic>
+      <p:pic>
+        <p:nvPicPr>
+          <p:cNvPr id="13" name="Imagem 12">
+            <a:extLst>
+              <a:ext uri="{FF2B5EF4-FFF2-40B4-BE49-F238E27FC236}">
+                <a16:creationId xmlns:a16="http://schemas.microsoft.com/office/drawing/2014/main" id="{FA194519-A41D-4719-8CA4-0E0A978DDBB3}"/>
+              </a:ext>
+            </a:extLst>
+          </p:cNvPr>
+          <p:cNvPicPr>
+            <a:picLocks noChangeAspect="1"/>
+          </p:cNvPicPr>
+          <p:nvPr/>
+        </p:nvPicPr>
+        <p:blipFill rotWithShape="1">
+          <a:blip r:embed="rId3"/>
+          <a:srcRect t="3766"/>
+          <a:stretch/>
+        </p:blipFill>
+        <p:spPr>
+          <a:xfrm>
+            <a:off x="585703" y="4145871"/>
+            <a:ext cx="5145350" cy="1467654"/>
+          </a:xfrm>
+          <a:prstGeom prst="rect">
+            <a:avLst/>
+          </a:prstGeom>
+          <a:ln>
+            <a:noFill/>
+          </a:ln>
+          <a:effectLst>
+            <a:outerShdw blurRad="292100" dist="139700" dir="2700000" algn="tl" rotWithShape="0">
+              <a:srgbClr val="333333">
+                <a:alpha val="65000"/>
+              </a:srgbClr>
+            </a:outerShdw>
+          </a:effectLst>
+        </p:spPr>
+      </p:pic>
+      <p:pic>
+        <p:nvPicPr>
+          <p:cNvPr id="17" name="Imagem 16">
+            <a:hlinkClick r:id="rId4"/>
+            <a:extLst>
+              <a:ext uri="{FF2B5EF4-FFF2-40B4-BE49-F238E27FC236}">
+                <a16:creationId xmlns:a16="http://schemas.microsoft.com/office/drawing/2014/main" id="{22EDA72F-967B-4A47-8B73-85DA974BDD6E}"/>
+              </a:ext>
+            </a:extLst>
+          </p:cNvPr>
+          <p:cNvPicPr>
+            <a:picLocks noChangeAspect="1"/>
+          </p:cNvPicPr>
+          <p:nvPr/>
+        </p:nvPicPr>
+        <p:blipFill>
+          <a:blip r:embed="rId5"/>
+          <a:stretch>
+            <a:fillRect/>
+          </a:stretch>
+        </p:blipFill>
+        <p:spPr>
+          <a:xfrm>
+            <a:off x="6772654" y="2120885"/>
+            <a:ext cx="1566832" cy="312510"/>
+          </a:xfrm>
+          <a:prstGeom prst="rect">
+            <a:avLst/>
+          </a:prstGeom>
+        </p:spPr>
+      </p:pic>
+      <p:sp>
+        <p:nvSpPr>
+          <p:cNvPr id="21" name="CaixaDeTexto 20">
+            <a:extLst>
+              <a:ext uri="{FF2B5EF4-FFF2-40B4-BE49-F238E27FC236}">
+                <a16:creationId xmlns:a16="http://schemas.microsoft.com/office/drawing/2014/main" id="{9D9EC7AD-44E0-43FE-BC8C-DE65ABF2B9F8}"/>
+              </a:ext>
+            </a:extLst>
+          </p:cNvPr>
+          <p:cNvSpPr txBox="1"/>
+          <p:nvPr/>
+        </p:nvSpPr>
+        <p:spPr>
+          <a:xfrm>
+            <a:off x="1985839" y="3471762"/>
+            <a:ext cx="2345077" cy="369332"/>
+          </a:xfrm>
+          <a:prstGeom prst="rect">
+            <a:avLst/>
+          </a:prstGeom>
+          <a:noFill/>
+        </p:spPr>
+        <p:txBody>
+          <a:bodyPr wrap="square" rtlCol="0">
+            <a:spAutoFit/>
+          </a:bodyPr>
+          <a:lstStyle/>
+          <a:p>
+            <a:pPr algn="ctr"/>
+            <a:r>
+              <a:rPr lang="pt-PT" dirty="0">
+                <a:solidFill>
+                  <a:schemeClr val="tx1">
+                    <a:lumMod val="75000"/>
+                    <a:lumOff val="25000"/>
+                  </a:schemeClr>
+                </a:solidFill>
+              </a:rPr>
+              <a:t>Nem 2 meses depois….</a:t>
+            </a:r>
+          </a:p>
+        </p:txBody>
+      </p:sp>
+      <p:sp>
+        <p:nvSpPr>
+          <p:cNvPr id="3" name="CaixaDeTexto 2">
+            <a:extLst>
+              <a:ext uri="{FF2B5EF4-FFF2-40B4-BE49-F238E27FC236}">
+                <a16:creationId xmlns:a16="http://schemas.microsoft.com/office/drawing/2014/main" id="{4AC07EAE-5AA8-44E8-8095-48E86F751F49}"/>
+              </a:ext>
+            </a:extLst>
+          </p:cNvPr>
+          <p:cNvSpPr txBox="1"/>
+          <p:nvPr/>
+        </p:nvSpPr>
+        <p:spPr>
+          <a:xfrm>
+            <a:off x="6772654" y="2433395"/>
+            <a:ext cx="1562266" cy="276999"/>
+          </a:xfrm>
+          <a:prstGeom prst="rect">
+            <a:avLst/>
+          </a:prstGeom>
+          <a:noFill/>
+        </p:spPr>
+        <p:txBody>
+          <a:bodyPr wrap="square" rtlCol="0">
+            <a:spAutoFit/>
+          </a:bodyPr>
+          <a:lstStyle/>
+          <a:p>
+            <a:pPr algn="ctr"/>
+            <a:r>
+              <a:rPr lang="pt-PT" sz="1200" dirty="0">
+                <a:solidFill>
+                  <a:schemeClr val="tx1">
+                    <a:lumMod val="75000"/>
+                    <a:lumOff val="25000"/>
+                  </a:schemeClr>
+                </a:solidFill>
+              </a:rPr>
+              <a:t>23 de Setembro 2018</a:t>
+            </a:r>
+          </a:p>
+        </p:txBody>
+      </p:sp>
+      <p:sp>
+        <p:nvSpPr>
+          <p:cNvPr id="22" name="CaixaDeTexto 21">
+            <a:extLst>
+              <a:ext uri="{FF2B5EF4-FFF2-40B4-BE49-F238E27FC236}">
+                <a16:creationId xmlns:a16="http://schemas.microsoft.com/office/drawing/2014/main" id="{9C062406-97A5-45A1-8AF7-000DFD79C247}"/>
+              </a:ext>
+            </a:extLst>
+          </p:cNvPr>
+          <p:cNvSpPr txBox="1"/>
+          <p:nvPr/>
+        </p:nvSpPr>
+        <p:spPr>
+          <a:xfrm>
+            <a:off x="6768090" y="4939762"/>
+            <a:ext cx="1571396" cy="276999"/>
+          </a:xfrm>
+          <a:prstGeom prst="rect">
+            <a:avLst/>
+          </a:prstGeom>
+          <a:noFill/>
+        </p:spPr>
+        <p:txBody>
+          <a:bodyPr wrap="square" rtlCol="0">
+            <a:spAutoFit/>
+          </a:bodyPr>
+          <a:lstStyle/>
+          <a:p>
+            <a:pPr algn="ctr"/>
+            <a:r>
+              <a:rPr lang="pt-PT" sz="1200" dirty="0">
+                <a:solidFill>
+                  <a:schemeClr val="tx1">
+                    <a:lumMod val="75000"/>
+                    <a:lumOff val="25000"/>
+                  </a:schemeClr>
+                </a:solidFill>
+              </a:rPr>
+              <a:t>07 de Novembro 2018</a:t>
+            </a:r>
+          </a:p>
+        </p:txBody>
+      </p:sp>
+      <p:sp>
+        <p:nvSpPr>
+          <p:cNvPr id="6" name="Marcador de Posição do Número do Diapositivo 5">
+            <a:extLst>
+              <a:ext uri="{FF2B5EF4-FFF2-40B4-BE49-F238E27FC236}">
+                <a16:creationId xmlns:a16="http://schemas.microsoft.com/office/drawing/2014/main" id="{0DD8C088-F379-4159-9966-93A3D74075F3}"/>
+              </a:ext>
+            </a:extLst>
+          </p:cNvPr>
+          <p:cNvSpPr>
+            <a:spLocks noGrp="1"/>
+          </p:cNvSpPr>
+          <p:nvPr>
+            <p:ph type="sldNum" sz="quarter" idx="12"/>
+          </p:nvPr>
+        </p:nvSpPr>
+        <p:spPr>
+          <a:xfrm>
+            <a:off x="8536132" y="6314788"/>
+            <a:ext cx="360000" cy="360000"/>
+          </a:xfrm>
+        </p:spPr>
+        <p:txBody>
+          <a:bodyPr/>
+          <a:lstStyle/>
+          <a:p>
+            <a:pPr algn="ctr"/>
+            <a:fld id="{A207AFEE-14BA-463E-8F7F-68058916CB0C}" type="slidenum">
+              <a:rPr lang="pt-PT" smtClean="0"/>
+              <a:pPr algn="ctr"/>
+              <a:t>3</a:t>
+            </a:fld>
+            <a:endParaRPr lang="pt-PT"/>
+          </a:p>
+        </p:txBody>
+      </p:sp>
+      <p:cxnSp>
+        <p:nvCxnSpPr>
+          <p:cNvPr id="23" name="Conexão reta 22">
+            <a:extLst>
+              <a:ext uri="{FF2B5EF4-FFF2-40B4-BE49-F238E27FC236}">
+                <a16:creationId xmlns:a16="http://schemas.microsoft.com/office/drawing/2014/main" id="{1A708520-6F3C-4F46-8A86-B35927FE4D91}"/>
+              </a:ext>
+            </a:extLst>
+          </p:cNvPr>
+          <p:cNvCxnSpPr>
+            <a:cxnSpLocks/>
+          </p:cNvCxnSpPr>
+          <p:nvPr/>
+        </p:nvCxnSpPr>
+        <p:spPr>
+          <a:xfrm flipH="1">
+            <a:off x="3" y="1076593"/>
+            <a:ext cx="4572000" cy="27481"/>
+          </a:xfrm>
+          <a:prstGeom prst="line">
+            <a:avLst/>
+          </a:prstGeom>
+          <a:ln>
+            <a:headEnd type="none" w="med" len="med"/>
+            <a:tailEnd type="none" w="med" len="med"/>
+          </a:ln>
+        </p:spPr>
+        <p:style>
+          <a:lnRef idx="2">
+            <a:schemeClr val="accent2"/>
+          </a:lnRef>
+          <a:fillRef idx="0">
+            <a:schemeClr val="accent2"/>
+          </a:fillRef>
+          <a:effectRef idx="1">
+            <a:schemeClr val="accent2"/>
+          </a:effectRef>
+          <a:fontRef idx="minor">
+            <a:schemeClr val="tx1"/>
+          </a:fontRef>
+        </p:style>
+      </p:cxnSp>
+      <p:sp>
+        <p:nvSpPr>
+          <p:cNvPr id="24" name="Título 1">
+            <a:extLst>
+              <a:ext uri="{FF2B5EF4-FFF2-40B4-BE49-F238E27FC236}">
+                <a16:creationId xmlns:a16="http://schemas.microsoft.com/office/drawing/2014/main" id="{FEFB8741-BE36-4718-A57D-A74E39094883}"/>
+              </a:ext>
+            </a:extLst>
+          </p:cNvPr>
+          <p:cNvSpPr txBox="1">
+            <a:spLocks/>
+          </p:cNvSpPr>
+          <p:nvPr/>
+        </p:nvSpPr>
+        <p:spPr>
+          <a:xfrm>
+            <a:off x="256506" y="547346"/>
+            <a:ext cx="5761909" cy="529247"/>
+          </a:xfrm>
+          <a:prstGeom prst="rect">
+            <a:avLst/>
+          </a:prstGeom>
+        </p:spPr>
+        <p:txBody>
+          <a:bodyPr vert="horz" lIns="91440" tIns="45720" rIns="91440" bIns="45720" rtlCol="0" anchor="ctr">
+            <a:normAutofit fontScale="90000" lnSpcReduction="20000"/>
+          </a:bodyPr>
+          <a:lstStyle>
+            <a:lvl1pPr algn="l" defTabSz="914400" rtl="0" eaLnBrk="1" latinLnBrk="0" hangingPunct="1">
+              <a:lnSpc>
+                <a:spcPct val="90000"/>
+              </a:lnSpc>
+              <a:spcBef>
+                <a:spcPct val="0"/>
+              </a:spcBef>
+              <a:buNone/>
+              <a:defRPr sz="4400" kern="1200">
+                <a:solidFill>
+                  <a:schemeClr val="tx1"/>
+                </a:solidFill>
+                <a:latin typeface="+mj-lt"/>
+                <a:ea typeface="+mj-ea"/>
+                <a:cs typeface="+mj-cs"/>
+              </a:defRPr>
+            </a:lvl1pPr>
+          </a:lstStyle>
+          <a:p>
+            <a:r>
+              <a:rPr lang="pt-PT" sz="4000" b="1" dirty="0">
+                <a:solidFill>
+                  <a:schemeClr val="tx1">
+                    <a:lumMod val="75000"/>
+                    <a:lumOff val="25000"/>
+                  </a:schemeClr>
+                </a:solidFill>
+              </a:rPr>
+              <a:t>Porquê Deste Projeto</a:t>
+            </a:r>
+          </a:p>
+        </p:txBody>
+      </p:sp>
+      <p:pic>
+        <p:nvPicPr>
+          <p:cNvPr id="25" name="Imagem 24">
+            <a:extLst>
+              <a:ext uri="{FF2B5EF4-FFF2-40B4-BE49-F238E27FC236}">
+                <a16:creationId xmlns:a16="http://schemas.microsoft.com/office/drawing/2014/main" id="{E4662D7C-45BC-4DD6-9EC6-85A86E351DF9}"/>
+              </a:ext>
+            </a:extLst>
+          </p:cNvPr>
+          <p:cNvPicPr>
+            <a:picLocks noChangeAspect="1"/>
+          </p:cNvPicPr>
+          <p:nvPr/>
+        </p:nvPicPr>
+        <p:blipFill>
+          <a:blip r:embed="rId6">
+            <a:extLst>
+              <a:ext uri="{28A0092B-C50C-407E-A947-70E740481C1C}">
+                <a14:useLocalDpi xmlns:a14="http://schemas.microsoft.com/office/drawing/2010/main" val="0"/>
+              </a:ext>
+            </a:extLst>
+          </a:blip>
+          <a:stretch>
+            <a:fillRect/>
+          </a:stretch>
+        </p:blipFill>
+        <p:spPr>
+          <a:xfrm>
+            <a:off x="7156843" y="4145871"/>
+            <a:ext cx="793891" cy="793891"/>
+          </a:xfrm>
+          <a:prstGeom prst="rect">
+            <a:avLst/>
+          </a:prstGeom>
+        </p:spPr>
+      </p:pic>
+    </p:spTree>
+    <p:extLst>
+      <p:ext uri="{BB962C8B-B14F-4D97-AF65-F5344CB8AC3E}">
+        <p14:creationId xmlns:p14="http://schemas.microsoft.com/office/powerpoint/2010/main" val="422608521"/>
+      </p:ext>
+    </p:extLst>
+  </p:cSld>
+  <p:clrMapOvr>
+    <a:masterClrMapping/>
+  </p:clrMapOvr>
+  <p:timing>
+    <p:tnLst>
+      <p:par>
+        <p:cTn id="1" dur="indefinite" restart="never" nodeType="tmRoot">
+          <p:childTnLst>
+            <p:seq concurrent="1" nextAc="seek">
+              <p:cTn id="2" dur="indefinite" nodeType="mainSeq">
+                <p:childTnLst>
+                  <p:par>
+                    <p:cTn id="3" fill="hold">
+                      <p:stCondLst>
+                        <p:cond delay="indefinite"/>
+                        <p:cond evt="onBegin" delay="0">
+                          <p:tn val="2"/>
+                        </p:cond>
+                      </p:stCondLst>
+                      <p:childTnLst>
+                        <p:par>
+                          <p:cTn id="4" fill="hold">
+                            <p:stCondLst>
+                              <p:cond delay="0"/>
+                            </p:stCondLst>
+                            <p:childTnLst>
                               <p:par>
-                                <p:cTn id="38" presetID="2" presetClass="entr" presetSubtype="8" fill="hold" grpId="0" nodeType="withEffect">
+                                <p:cTn id="5" presetID="2" presetClass="entr" presetSubtype="4" fill="hold" nodeType="withEffect">
                                   <p:stCondLst>
                                     <p:cond delay="0"/>
                                   </p:stCondLst>
                                   <p:childTnLst>
                                     <p:set>
                                       <p:cBhvr>
-                                        <p:cTn id="39" dur="1" fill="hold">
+                                        <p:cTn id="6" dur="1" fill="hold">
                                           <p:stCondLst>
                                             <p:cond delay="0"/>
                                           </p:stCondLst>
@@ -6114,7 +6066,7 @@
                                     </p:set>
                                     <p:anim calcmode="lin" valueType="num">
                                       <p:cBhvr additive="base">
-                                        <p:cTn id="40" dur="500" fill="hold"/>
+                                        <p:cTn id="7" dur="500" fill="hold"/>
                                         <p:tgtEl>
                                           <p:spTgt spid="14"/>
                                         </p:tgtEl>
@@ -6125,7 +6077,7 @@
                                       <p:tavLst>
                                         <p:tav tm="0">
                                           <p:val>
-                                            <p:strVal val="0-#ppt_w/2"/>
+                                            <p:strVal val="#ppt_x"/>
                                           </p:val>
                                         </p:tav>
                                         <p:tav tm="100000">
@@ -6137,7 +6089,7 @@
                                     </p:anim>
                                     <p:anim calcmode="lin" valueType="num">
                                       <p:cBhvr additive="base">
-                                        <p:cTn id="41" dur="500" fill="hold"/>
+                                        <p:cTn id="8" dur="500" fill="hold"/>
                                         <p:tgtEl>
                                           <p:spTgt spid="14"/>
                                         </p:tgtEl>
@@ -6148,7 +6100,7 @@
                                       <p:tavLst>
                                         <p:tav tm="0">
                                           <p:val>
-                                            <p:strVal val="#ppt_y"/>
+                                            <p:strVal val="1+#ppt_h/2"/>
                                           </p:val>
                                         </p:tav>
                                         <p:tav tm="100000">
@@ -6162,20 +6114,20 @@
                                 </p:cTn>
                               </p:par>
                               <p:par>
-                                <p:cTn id="42" presetID="2" presetClass="entr" presetSubtype="8" fill="hold" grpId="0" nodeType="withEffect">
+                                <p:cTn id="9" presetID="2" presetClass="entr" presetSubtype="4" fill="hold" nodeType="withEffect">
                                   <p:stCondLst>
                                     <p:cond delay="0"/>
                                   </p:stCondLst>
                                   <p:childTnLst>
                                     <p:set>
                                       <p:cBhvr>
-                                        <p:cTn id="43" dur="1" fill="hold">
+                                        <p:cTn id="10" dur="1" fill="hold">
                                           <p:stCondLst>
                                             <p:cond delay="0"/>
                                           </p:stCondLst>
                                         </p:cTn>
                                         <p:tgtEl>
-                                          <p:spTgt spid="15"/>
+                                          <p:spTgt spid="17"/>
                                         </p:tgtEl>
                                         <p:attrNameLst>
                                           <p:attrName>style.visibility</p:attrName>
@@ -6187,9 +6139,9 @@
                                     </p:set>
                                     <p:anim calcmode="lin" valueType="num">
                                       <p:cBhvr additive="base">
-                                        <p:cTn id="44" dur="500" fill="hold"/>
+                                        <p:cTn id="11" dur="500" fill="hold"/>
                                         <p:tgtEl>
-                                          <p:spTgt spid="15"/>
+                                          <p:spTgt spid="17"/>
                                         </p:tgtEl>
                                         <p:attrNameLst>
                                           <p:attrName>ppt_x</p:attrName>
@@ -6198,7 +6150,7 @@
                                       <p:tavLst>
                                         <p:tav tm="0">
                                           <p:val>
-                                            <p:strVal val="0-#ppt_w/2"/>
+                                            <p:strVal val="#ppt_x"/>
                                           </p:val>
                                         </p:tav>
                                         <p:tav tm="100000">
@@ -6210,9 +6162,9 @@
                                     </p:anim>
                                     <p:anim calcmode="lin" valueType="num">
                                       <p:cBhvr additive="base">
-                                        <p:cTn id="45" dur="500" fill="hold"/>
+                                        <p:cTn id="12" dur="500" fill="hold"/>
                                         <p:tgtEl>
-                                          <p:spTgt spid="15"/>
+                                          <p:spTgt spid="17"/>
                                         </p:tgtEl>
                                         <p:attrNameLst>
                                           <p:attrName>ppt_y</p:attrName>
@@ -6221,7 +6173,2238 @@
                                       <p:tavLst>
                                         <p:tav tm="0">
                                           <p:val>
+                                            <p:strVal val="1+#ppt_h/2"/>
+                                          </p:val>
+                                        </p:tav>
+                                        <p:tav tm="100000">
+                                          <p:val>
                                             <p:strVal val="#ppt_y"/>
+                                          </p:val>
+                                        </p:tav>
+                                      </p:tavLst>
+                                    </p:anim>
+                                  </p:childTnLst>
+                                </p:cTn>
+                              </p:par>
+                            </p:childTnLst>
+                          </p:cTn>
+                        </p:par>
+                        <p:par>
+                          <p:cTn id="13" fill="hold">
+                            <p:stCondLst>
+                              <p:cond delay="500"/>
+                            </p:stCondLst>
+                            <p:childTnLst>
+                              <p:par>
+                                <p:cTn id="14" presetID="10" presetClass="entr" presetSubtype="0" fill="hold" grpId="0" nodeType="afterEffect">
+                                  <p:stCondLst>
+                                    <p:cond delay="0"/>
+                                  </p:stCondLst>
+                                  <p:childTnLst>
+                                    <p:set>
+                                      <p:cBhvr>
+                                        <p:cTn id="15" dur="1" fill="hold">
+                                          <p:stCondLst>
+                                            <p:cond delay="0"/>
+                                          </p:stCondLst>
+                                        </p:cTn>
+                                        <p:tgtEl>
+                                          <p:spTgt spid="3"/>
+                                        </p:tgtEl>
+                                        <p:attrNameLst>
+                                          <p:attrName>style.visibility</p:attrName>
+                                        </p:attrNameLst>
+                                      </p:cBhvr>
+                                      <p:to>
+                                        <p:strVal val="visible"/>
+                                      </p:to>
+                                    </p:set>
+                                    <p:animEffect transition="in" filter="fade">
+                                      <p:cBhvr>
+                                        <p:cTn id="16" dur="500"/>
+                                        <p:tgtEl>
+                                          <p:spTgt spid="3"/>
+                                        </p:tgtEl>
+                                      </p:cBhvr>
+                                    </p:animEffect>
+                                  </p:childTnLst>
+                                </p:cTn>
+                              </p:par>
+                            </p:childTnLst>
+                          </p:cTn>
+                        </p:par>
+                      </p:childTnLst>
+                    </p:cTn>
+                  </p:par>
+                  <p:par>
+                    <p:cTn id="17" fill="hold">
+                      <p:stCondLst>
+                        <p:cond delay="indefinite"/>
+                      </p:stCondLst>
+                      <p:childTnLst>
+                        <p:par>
+                          <p:cTn id="18" fill="hold">
+                            <p:stCondLst>
+                              <p:cond delay="0"/>
+                            </p:stCondLst>
+                            <p:childTnLst>
+                              <p:par>
+                                <p:cTn id="19" presetID="16" presetClass="entr" presetSubtype="21" fill="hold" grpId="0" nodeType="clickEffect">
+                                  <p:stCondLst>
+                                    <p:cond delay="0"/>
+                                  </p:stCondLst>
+                                  <p:childTnLst>
+                                    <p:set>
+                                      <p:cBhvr>
+                                        <p:cTn id="20" dur="1" fill="hold">
+                                          <p:stCondLst>
+                                            <p:cond delay="0"/>
+                                          </p:stCondLst>
+                                        </p:cTn>
+                                        <p:tgtEl>
+                                          <p:spTgt spid="21"/>
+                                        </p:tgtEl>
+                                        <p:attrNameLst>
+                                          <p:attrName>style.visibility</p:attrName>
+                                        </p:attrNameLst>
+                                      </p:cBhvr>
+                                      <p:to>
+                                        <p:strVal val="visible"/>
+                                      </p:to>
+                                    </p:set>
+                                    <p:animEffect transition="in" filter="barn(inVertical)">
+                                      <p:cBhvr>
+                                        <p:cTn id="21" dur="500"/>
+                                        <p:tgtEl>
+                                          <p:spTgt spid="21"/>
+                                        </p:tgtEl>
+                                      </p:cBhvr>
+                                    </p:animEffect>
+                                  </p:childTnLst>
+                                </p:cTn>
+                              </p:par>
+                            </p:childTnLst>
+                          </p:cTn>
+                        </p:par>
+                        <p:par>
+                          <p:cTn id="22" fill="hold">
+                            <p:stCondLst>
+                              <p:cond delay="500"/>
+                            </p:stCondLst>
+                            <p:childTnLst>
+                              <p:par>
+                                <p:cTn id="23" presetID="10" presetClass="entr" presetSubtype="0" fill="hold" grpId="0" nodeType="afterEffect">
+                                  <p:stCondLst>
+                                    <p:cond delay="0"/>
+                                  </p:stCondLst>
+                                  <p:childTnLst>
+                                    <p:set>
+                                      <p:cBhvr>
+                                        <p:cTn id="24" dur="1" fill="hold">
+                                          <p:stCondLst>
+                                            <p:cond delay="0"/>
+                                          </p:stCondLst>
+                                        </p:cTn>
+                                        <p:tgtEl>
+                                          <p:spTgt spid="22"/>
+                                        </p:tgtEl>
+                                        <p:attrNameLst>
+                                          <p:attrName>style.visibility</p:attrName>
+                                        </p:attrNameLst>
+                                      </p:cBhvr>
+                                      <p:to>
+                                        <p:strVal val="visible"/>
+                                      </p:to>
+                                    </p:set>
+                                    <p:animEffect transition="in" filter="fade">
+                                      <p:cBhvr>
+                                        <p:cTn id="25" dur="500"/>
+                                        <p:tgtEl>
+                                          <p:spTgt spid="22"/>
+                                        </p:tgtEl>
+                                      </p:cBhvr>
+                                    </p:animEffect>
+                                  </p:childTnLst>
+                                </p:cTn>
+                              </p:par>
+                              <p:par>
+                                <p:cTn id="26" presetID="16" presetClass="entr" presetSubtype="37" fill="hold" nodeType="withEffect">
+                                  <p:stCondLst>
+                                    <p:cond delay="0"/>
+                                  </p:stCondLst>
+                                  <p:childTnLst>
+                                    <p:set>
+                                      <p:cBhvr>
+                                        <p:cTn id="27" dur="1" fill="hold">
+                                          <p:stCondLst>
+                                            <p:cond delay="0"/>
+                                          </p:stCondLst>
+                                        </p:cTn>
+                                        <p:tgtEl>
+                                          <p:spTgt spid="23"/>
+                                        </p:tgtEl>
+                                        <p:attrNameLst>
+                                          <p:attrName>style.visibility</p:attrName>
+                                        </p:attrNameLst>
+                                      </p:cBhvr>
+                                      <p:to>
+                                        <p:strVal val="visible"/>
+                                      </p:to>
+                                    </p:set>
+                                    <p:animEffect transition="in" filter="barn(outVertical)">
+                                      <p:cBhvr>
+                                        <p:cTn id="28" dur="500"/>
+                                        <p:tgtEl>
+                                          <p:spTgt spid="23"/>
+                                        </p:tgtEl>
+                                      </p:cBhvr>
+                                    </p:animEffect>
+                                  </p:childTnLst>
+                                </p:cTn>
+                              </p:par>
+                            </p:childTnLst>
+                          </p:cTn>
+                        </p:par>
+                        <p:par>
+                          <p:cTn id="29" fill="hold">
+                            <p:stCondLst>
+                              <p:cond delay="1000"/>
+                            </p:stCondLst>
+                            <p:childTnLst>
+                              <p:par>
+                                <p:cTn id="30" presetID="2" presetClass="entr" presetSubtype="1" fill="hold" grpId="0" nodeType="afterEffect">
+                                  <p:stCondLst>
+                                    <p:cond delay="0"/>
+                                  </p:stCondLst>
+                                  <p:childTnLst>
+                                    <p:set>
+                                      <p:cBhvr>
+                                        <p:cTn id="31" dur="1" fill="hold">
+                                          <p:stCondLst>
+                                            <p:cond delay="0"/>
+                                          </p:stCondLst>
+                                        </p:cTn>
+                                        <p:tgtEl>
+                                          <p:spTgt spid="24"/>
+                                        </p:tgtEl>
+                                        <p:attrNameLst>
+                                          <p:attrName>style.visibility</p:attrName>
+                                        </p:attrNameLst>
+                                      </p:cBhvr>
+                                      <p:to>
+                                        <p:strVal val="visible"/>
+                                      </p:to>
+                                    </p:set>
+                                    <p:anim calcmode="lin" valueType="num">
+                                      <p:cBhvr additive="base">
+                                        <p:cTn id="32" dur="500" fill="hold"/>
+                                        <p:tgtEl>
+                                          <p:spTgt spid="24"/>
+                                        </p:tgtEl>
+                                        <p:attrNameLst>
+                                          <p:attrName>ppt_x</p:attrName>
+                                        </p:attrNameLst>
+                                      </p:cBhvr>
+                                      <p:tavLst>
+                                        <p:tav tm="0">
+                                          <p:val>
+                                            <p:strVal val="#ppt_x"/>
+                                          </p:val>
+                                        </p:tav>
+                                        <p:tav tm="100000">
+                                          <p:val>
+                                            <p:strVal val="#ppt_x"/>
+                                          </p:val>
+                                        </p:tav>
+                                      </p:tavLst>
+                                    </p:anim>
+                                    <p:anim calcmode="lin" valueType="num">
+                                      <p:cBhvr additive="base">
+                                        <p:cTn id="33" dur="500" fill="hold"/>
+                                        <p:tgtEl>
+                                          <p:spTgt spid="24"/>
+                                        </p:tgtEl>
+                                        <p:attrNameLst>
+                                          <p:attrName>ppt_y</p:attrName>
+                                        </p:attrNameLst>
+                                      </p:cBhvr>
+                                      <p:tavLst>
+                                        <p:tav tm="0">
+                                          <p:val>
+                                            <p:strVal val="0-#ppt_h/2"/>
+                                          </p:val>
+                                        </p:tav>
+                                        <p:tav tm="100000">
+                                          <p:val>
+                                            <p:strVal val="#ppt_y"/>
+                                          </p:val>
+                                        </p:tav>
+                                      </p:tavLst>
+                                    </p:anim>
+                                  </p:childTnLst>
+                                </p:cTn>
+                              </p:par>
+                            </p:childTnLst>
+                          </p:cTn>
+                        </p:par>
+                      </p:childTnLst>
+                    </p:cTn>
+                  </p:par>
+                </p:childTnLst>
+              </p:cTn>
+              <p:prevCondLst>
+                <p:cond evt="onPrev" delay="0">
+                  <p:tgtEl>
+                    <p:sldTgt/>
+                  </p:tgtEl>
+                </p:cond>
+              </p:prevCondLst>
+              <p:nextCondLst>
+                <p:cond evt="onNext" delay="0">
+                  <p:tgtEl>
+                    <p:sldTgt/>
+                  </p:tgtEl>
+                </p:cond>
+              </p:nextCondLst>
+            </p:seq>
+          </p:childTnLst>
+        </p:cTn>
+      </p:par>
+    </p:tnLst>
+    <p:bldLst>
+      <p:bldP spid="21" grpId="0"/>
+      <p:bldP spid="3" grpId="0"/>
+      <p:bldP spid="22" grpId="0"/>
+      <p:bldP spid="24" grpId="0"/>
+    </p:bldLst>
+  </p:timing>
+</p:sld>
+</file>
+
+<file path=ppt/slides/slide4.xml><?xml version="1.0" encoding="utf-8"?>
+<p:sld xmlns:a="http://schemas.openxmlformats.org/drawingml/2006/main" xmlns:r="http://schemas.openxmlformats.org/officeDocument/2006/relationships" xmlns:p="http://schemas.openxmlformats.org/presentationml/2006/main">
+  <p:cSld>
+    <p:spTree>
+      <p:nvGrpSpPr>
+        <p:cNvPr id="1" name=""/>
+        <p:cNvGrpSpPr/>
+        <p:nvPr/>
+      </p:nvGrpSpPr>
+      <p:grpSpPr>
+        <a:xfrm>
+          <a:off x="0" y="0"/>
+          <a:ext cx="0" cy="0"/>
+          <a:chOff x="0" y="0"/>
+          <a:chExt cx="0" cy="0"/>
+        </a:xfrm>
+      </p:grpSpPr>
+      <p:sp>
+        <p:nvSpPr>
+          <p:cNvPr id="2" name="Título 1">
+            <a:extLst>
+              <a:ext uri="{FF2B5EF4-FFF2-40B4-BE49-F238E27FC236}">
+                <a16:creationId xmlns:a16="http://schemas.microsoft.com/office/drawing/2014/main" id="{3D457BEE-110E-4BF4-978F-FEE0133C78EB}"/>
+              </a:ext>
+            </a:extLst>
+          </p:cNvPr>
+          <p:cNvSpPr>
+            <a:spLocks noGrp="1"/>
+          </p:cNvSpPr>
+          <p:nvPr>
+            <p:ph type="title"/>
+          </p:nvPr>
+        </p:nvSpPr>
+        <p:spPr>
+          <a:xfrm>
+            <a:off x="256506" y="547346"/>
+            <a:ext cx="5270561" cy="529247"/>
+          </a:xfrm>
+        </p:spPr>
+        <p:txBody>
+          <a:bodyPr>
+            <a:normAutofit fontScale="90000"/>
+          </a:bodyPr>
+          <a:lstStyle/>
+          <a:p>
+            <a:r>
+              <a:rPr lang="pt-PT" sz="4000" b="1" dirty="0">
+                <a:solidFill>
+                  <a:schemeClr val="tx1">
+                    <a:lumMod val="75000"/>
+                    <a:lumOff val="25000"/>
+                  </a:schemeClr>
+                </a:solidFill>
+              </a:rPr>
+              <a:t>Estrutura</a:t>
+            </a:r>
+          </a:p>
+        </p:txBody>
+      </p:sp>
+      <p:sp>
+        <p:nvSpPr>
+          <p:cNvPr id="16" name="Marcador de Posição do Número do Diapositivo 15">
+            <a:extLst>
+              <a:ext uri="{FF2B5EF4-FFF2-40B4-BE49-F238E27FC236}">
+                <a16:creationId xmlns:a16="http://schemas.microsoft.com/office/drawing/2014/main" id="{71B61C14-BDD6-451B-B071-A9C87A0644FC}"/>
+              </a:ext>
+            </a:extLst>
+          </p:cNvPr>
+          <p:cNvSpPr>
+            <a:spLocks noGrp="1"/>
+          </p:cNvSpPr>
+          <p:nvPr>
+            <p:ph type="sldNum" sz="quarter" idx="12"/>
+          </p:nvPr>
+        </p:nvSpPr>
+        <p:spPr>
+          <a:xfrm>
+            <a:off x="8537726" y="6314786"/>
+            <a:ext cx="360000" cy="360000"/>
+          </a:xfrm>
+        </p:spPr>
+        <p:txBody>
+          <a:bodyPr/>
+          <a:lstStyle/>
+          <a:p>
+            <a:pPr algn="ctr"/>
+            <a:fld id="{A207AFEE-14BA-463E-8F7F-68058916CB0C}" type="slidenum">
+              <a:rPr lang="pt-PT" smtClean="0"/>
+              <a:pPr algn="ctr"/>
+              <a:t>4</a:t>
+            </a:fld>
+            <a:endParaRPr lang="pt-PT" dirty="0"/>
+          </a:p>
+        </p:txBody>
+      </p:sp>
+      <p:cxnSp>
+        <p:nvCxnSpPr>
+          <p:cNvPr id="17" name="Conexão reta 16">
+            <a:extLst>
+              <a:ext uri="{FF2B5EF4-FFF2-40B4-BE49-F238E27FC236}">
+                <a16:creationId xmlns:a16="http://schemas.microsoft.com/office/drawing/2014/main" id="{26B73CA5-7497-4832-9D47-4D8C13427B1D}"/>
+              </a:ext>
+            </a:extLst>
+          </p:cNvPr>
+          <p:cNvCxnSpPr>
+            <a:cxnSpLocks/>
+          </p:cNvCxnSpPr>
+          <p:nvPr/>
+        </p:nvCxnSpPr>
+        <p:spPr>
+          <a:xfrm flipH="1">
+            <a:off x="2" y="1076593"/>
+            <a:ext cx="4571998" cy="27481"/>
+          </a:xfrm>
+          <a:prstGeom prst="line">
+            <a:avLst/>
+          </a:prstGeom>
+          <a:ln>
+            <a:headEnd type="none" w="med" len="med"/>
+            <a:tailEnd type="none" w="med" len="med"/>
+          </a:ln>
+        </p:spPr>
+        <p:style>
+          <a:lnRef idx="2">
+            <a:schemeClr val="accent2"/>
+          </a:lnRef>
+          <a:fillRef idx="0">
+            <a:schemeClr val="accent2"/>
+          </a:fillRef>
+          <a:effectRef idx="1">
+            <a:schemeClr val="accent2"/>
+          </a:effectRef>
+          <a:fontRef idx="minor">
+            <a:schemeClr val="tx1"/>
+          </a:fontRef>
+        </p:style>
+      </p:cxnSp>
+      <p:sp>
+        <p:nvSpPr>
+          <p:cNvPr id="19" name="CaixaDeTexto 18">
+            <a:extLst>
+              <a:ext uri="{FF2B5EF4-FFF2-40B4-BE49-F238E27FC236}">
+                <a16:creationId xmlns:a16="http://schemas.microsoft.com/office/drawing/2014/main" id="{736FD49E-BDC4-4962-92DB-3639170442A8}"/>
+              </a:ext>
+            </a:extLst>
+          </p:cNvPr>
+          <p:cNvSpPr txBox="1"/>
+          <p:nvPr/>
+        </p:nvSpPr>
+        <p:spPr>
+          <a:xfrm>
+            <a:off x="259491" y="1695118"/>
+            <a:ext cx="8643440" cy="1815882"/>
+          </a:xfrm>
+          <a:prstGeom prst="rect">
+            <a:avLst/>
+          </a:prstGeom>
+          <a:noFill/>
+        </p:spPr>
+        <p:txBody>
+          <a:bodyPr wrap="square" rtlCol="0">
+            <a:spAutoFit/>
+          </a:bodyPr>
+          <a:lstStyle/>
+          <a:p>
+            <a:r>
+              <a:rPr lang="pt-PT" sz="1600" dirty="0">
+                <a:solidFill>
+                  <a:schemeClr val="tx1">
+                    <a:lumMod val="75000"/>
+                    <a:lumOff val="25000"/>
+                  </a:schemeClr>
+                </a:solidFill>
+              </a:rPr>
+              <a:t>Backend:</a:t>
+            </a:r>
+          </a:p>
+          <a:p>
+            <a:pPr marL="285750" indent="-285750">
+              <a:buFont typeface="Arial" panose="020B0604020202020204" pitchFamily="34" charset="0"/>
+              <a:buChar char="•"/>
+            </a:pPr>
+            <a:r>
+              <a:rPr lang="pt-PT" sz="1600" dirty="0">
+                <a:solidFill>
+                  <a:schemeClr val="tx1">
+                    <a:lumMod val="75000"/>
+                    <a:lumOff val="25000"/>
+                  </a:schemeClr>
+                </a:solidFill>
+              </a:rPr>
+              <a:t>Nesta secção o canil pode inserir um novo animal, bem como gerir a informação dos seus animais, informação básica (nome, idade, peso, chip, etc…), tratamentos e vacinas do animal.</a:t>
+            </a:r>
+          </a:p>
+          <a:p>
+            <a:pPr marL="285750" indent="-285750">
+              <a:buFont typeface="Arial" panose="020B0604020202020204" pitchFamily="34" charset="0"/>
+              <a:buChar char="•"/>
+            </a:pPr>
+            <a:r>
+              <a:rPr lang="pt-PT" sz="1600" dirty="0">
+                <a:solidFill>
+                  <a:schemeClr val="tx1">
+                    <a:lumMod val="75000"/>
+                    <a:lumOff val="25000"/>
+                  </a:schemeClr>
+                </a:solidFill>
+              </a:rPr>
+              <a:t>Permite também a inserção de informação sobre o canil, horário de funcionamento, localização etc...</a:t>
+            </a:r>
+          </a:p>
+          <a:p>
+            <a:pPr marL="285750" indent="-285750">
+              <a:buFont typeface="Arial" panose="020B0604020202020204" pitchFamily="34" charset="0"/>
+              <a:buChar char="•"/>
+            </a:pPr>
+            <a:r>
+              <a:rPr lang="pt-PT" sz="1600" dirty="0">
+                <a:solidFill>
+                  <a:schemeClr val="tx1">
+                    <a:lumMod val="75000"/>
+                    <a:lumOff val="25000"/>
+                  </a:schemeClr>
+                </a:solidFill>
+              </a:rPr>
+              <a:t>O Canil também pode responder aos utilizadores que usem o sistema de mensagens da plataforma.</a:t>
+            </a:r>
+          </a:p>
+        </p:txBody>
+      </p:sp>
+      <p:sp>
+        <p:nvSpPr>
+          <p:cNvPr id="8" name="CaixaDeTexto 7">
+            <a:extLst>
+              <a:ext uri="{FF2B5EF4-FFF2-40B4-BE49-F238E27FC236}">
+                <a16:creationId xmlns:a16="http://schemas.microsoft.com/office/drawing/2014/main" id="{F72FBB42-3F40-4BE5-A1C0-D674B4BA8E6C}"/>
+              </a:ext>
+            </a:extLst>
+          </p:cNvPr>
+          <p:cNvSpPr txBox="1"/>
+          <p:nvPr/>
+        </p:nvSpPr>
+        <p:spPr>
+          <a:xfrm>
+            <a:off x="258593" y="3727135"/>
+            <a:ext cx="8643440" cy="1323439"/>
+          </a:xfrm>
+          <a:prstGeom prst="rect">
+            <a:avLst/>
+          </a:prstGeom>
+          <a:noFill/>
+        </p:spPr>
+        <p:txBody>
+          <a:bodyPr wrap="square" rtlCol="0">
+            <a:spAutoFit/>
+          </a:bodyPr>
+          <a:lstStyle/>
+          <a:p>
+            <a:r>
+              <a:rPr lang="pt-PT" sz="1600" dirty="0">
+                <a:solidFill>
+                  <a:schemeClr val="tx1">
+                    <a:lumMod val="75000"/>
+                    <a:lumOff val="25000"/>
+                  </a:schemeClr>
+                </a:solidFill>
+              </a:rPr>
+              <a:t>Frontend e Android:</a:t>
+            </a:r>
+          </a:p>
+          <a:p>
+            <a:pPr marL="285750" indent="-285750">
+              <a:buFont typeface="Arial" panose="020B0604020202020204" pitchFamily="34" charset="0"/>
+              <a:buChar char="•"/>
+            </a:pPr>
+            <a:r>
+              <a:rPr lang="pt-PT" sz="1600" dirty="0">
+                <a:solidFill>
+                  <a:schemeClr val="tx1">
+                    <a:lumMod val="75000"/>
+                    <a:lumOff val="25000"/>
+                  </a:schemeClr>
+                </a:solidFill>
+              </a:rPr>
+              <a:t>Permite aos utilizadores ver uma listagem dos animais disponíveis para adoção, e se autenticado o utilizador poderá ver a informação dos animais mais detalhada e comunicar com um canil a partir das formas de contacto disponibilizadas ou usar o sistema de mensagens disponibilizado pela plataforma</a:t>
+            </a:r>
+          </a:p>
+        </p:txBody>
+      </p:sp>
+      <p:pic>
+        <p:nvPicPr>
+          <p:cNvPr id="9" name="Imagem 8">
+            <a:extLst>
+              <a:ext uri="{FF2B5EF4-FFF2-40B4-BE49-F238E27FC236}">
+                <a16:creationId xmlns:a16="http://schemas.microsoft.com/office/drawing/2014/main" id="{5E671B76-3B91-437E-B461-4EA4DCE4121D}"/>
+              </a:ext>
+            </a:extLst>
+          </p:cNvPr>
+          <p:cNvPicPr>
+            <a:picLocks noChangeAspect="1"/>
+          </p:cNvPicPr>
+          <p:nvPr/>
+        </p:nvPicPr>
+        <p:blipFill rotWithShape="1">
+          <a:blip r:embed="rId2">
+            <a:extLst>
+              <a:ext uri="{28A0092B-C50C-407E-A947-70E740481C1C}">
+                <a14:useLocalDpi xmlns:a14="http://schemas.microsoft.com/office/drawing/2010/main" val="0"/>
+              </a:ext>
+            </a:extLst>
+          </a:blip>
+          <a:srcRect b="9473"/>
+          <a:stretch/>
+        </p:blipFill>
+        <p:spPr>
+          <a:xfrm>
+            <a:off x="5472005" y="5233788"/>
+            <a:ext cx="2702101" cy="1624212"/>
+          </a:xfrm>
+          <a:prstGeom prst="rect">
+            <a:avLst/>
+          </a:prstGeom>
+        </p:spPr>
+      </p:pic>
+    </p:spTree>
+    <p:extLst>
+      <p:ext uri="{BB962C8B-B14F-4D97-AF65-F5344CB8AC3E}">
+        <p14:creationId xmlns:p14="http://schemas.microsoft.com/office/powerpoint/2010/main" val="1715135289"/>
+      </p:ext>
+    </p:extLst>
+  </p:cSld>
+  <p:clrMapOvr>
+    <a:masterClrMapping/>
+  </p:clrMapOvr>
+  <p:timing>
+    <p:tnLst>
+      <p:par>
+        <p:cTn id="1" dur="indefinite" restart="never" nodeType="tmRoot">
+          <p:childTnLst>
+            <p:seq concurrent="1" nextAc="seek">
+              <p:cTn id="2" dur="indefinite" nodeType="mainSeq">
+                <p:childTnLst>
+                  <p:par>
+                    <p:cTn id="3" fill="hold">
+                      <p:stCondLst>
+                        <p:cond delay="indefinite"/>
+                        <p:cond evt="onBegin" delay="0">
+                          <p:tn val="2"/>
+                        </p:cond>
+                      </p:stCondLst>
+                      <p:childTnLst>
+                        <p:par>
+                          <p:cTn id="4" fill="hold">
+                            <p:stCondLst>
+                              <p:cond delay="0"/>
+                            </p:stCondLst>
+                            <p:childTnLst>
+                              <p:par>
+                                <p:cTn id="5" presetID="2" presetClass="entr" presetSubtype="1" fill="hold" grpId="0" nodeType="afterEffect">
+                                  <p:stCondLst>
+                                    <p:cond delay="0"/>
+                                  </p:stCondLst>
+                                  <p:childTnLst>
+                                    <p:set>
+                                      <p:cBhvr>
+                                        <p:cTn id="6" dur="1" fill="hold">
+                                          <p:stCondLst>
+                                            <p:cond delay="0"/>
+                                          </p:stCondLst>
+                                        </p:cTn>
+                                        <p:tgtEl>
+                                          <p:spTgt spid="2"/>
+                                        </p:tgtEl>
+                                        <p:attrNameLst>
+                                          <p:attrName>style.visibility</p:attrName>
+                                        </p:attrNameLst>
+                                      </p:cBhvr>
+                                      <p:to>
+                                        <p:strVal val="visible"/>
+                                      </p:to>
+                                    </p:set>
+                                    <p:anim calcmode="lin" valueType="num">
+                                      <p:cBhvr additive="base">
+                                        <p:cTn id="7" dur="500" fill="hold"/>
+                                        <p:tgtEl>
+                                          <p:spTgt spid="2"/>
+                                        </p:tgtEl>
+                                        <p:attrNameLst>
+                                          <p:attrName>ppt_x</p:attrName>
+                                        </p:attrNameLst>
+                                      </p:cBhvr>
+                                      <p:tavLst>
+                                        <p:tav tm="0">
+                                          <p:val>
+                                            <p:strVal val="#ppt_x"/>
+                                          </p:val>
+                                        </p:tav>
+                                        <p:tav tm="100000">
+                                          <p:val>
+                                            <p:strVal val="#ppt_x"/>
+                                          </p:val>
+                                        </p:tav>
+                                      </p:tavLst>
+                                    </p:anim>
+                                    <p:anim calcmode="lin" valueType="num">
+                                      <p:cBhvr additive="base">
+                                        <p:cTn id="8" dur="500" fill="hold"/>
+                                        <p:tgtEl>
+                                          <p:spTgt spid="2"/>
+                                        </p:tgtEl>
+                                        <p:attrNameLst>
+                                          <p:attrName>ppt_y</p:attrName>
+                                        </p:attrNameLst>
+                                      </p:cBhvr>
+                                      <p:tavLst>
+                                        <p:tav tm="0">
+                                          <p:val>
+                                            <p:strVal val="0-#ppt_h/2"/>
+                                          </p:val>
+                                        </p:tav>
+                                        <p:tav tm="100000">
+                                          <p:val>
+                                            <p:strVal val="#ppt_y"/>
+                                          </p:val>
+                                        </p:tav>
+                                      </p:tavLst>
+                                    </p:anim>
+                                  </p:childTnLst>
+                                </p:cTn>
+                              </p:par>
+                              <p:par>
+                                <p:cTn id="9" presetID="16" presetClass="entr" presetSubtype="37" fill="hold" nodeType="withEffect">
+                                  <p:stCondLst>
+                                    <p:cond delay="0"/>
+                                  </p:stCondLst>
+                                  <p:childTnLst>
+                                    <p:set>
+                                      <p:cBhvr>
+                                        <p:cTn id="10" dur="1" fill="hold">
+                                          <p:stCondLst>
+                                            <p:cond delay="0"/>
+                                          </p:stCondLst>
+                                        </p:cTn>
+                                        <p:tgtEl>
+                                          <p:spTgt spid="17"/>
+                                        </p:tgtEl>
+                                        <p:attrNameLst>
+                                          <p:attrName>style.visibility</p:attrName>
+                                        </p:attrNameLst>
+                                      </p:cBhvr>
+                                      <p:to>
+                                        <p:strVal val="visible"/>
+                                      </p:to>
+                                    </p:set>
+                                    <p:animEffect transition="in" filter="barn(outVertical)">
+                                      <p:cBhvr>
+                                        <p:cTn id="11" dur="500"/>
+                                        <p:tgtEl>
+                                          <p:spTgt spid="17"/>
+                                        </p:tgtEl>
+                                      </p:cBhvr>
+                                    </p:animEffect>
+                                  </p:childTnLst>
+                                </p:cTn>
+                              </p:par>
+                            </p:childTnLst>
+                          </p:cTn>
+                        </p:par>
+                      </p:childTnLst>
+                    </p:cTn>
+                  </p:par>
+                </p:childTnLst>
+              </p:cTn>
+              <p:prevCondLst>
+                <p:cond evt="onPrev" delay="0">
+                  <p:tgtEl>
+                    <p:sldTgt/>
+                  </p:tgtEl>
+                </p:cond>
+              </p:prevCondLst>
+              <p:nextCondLst>
+                <p:cond evt="onNext" delay="0">
+                  <p:tgtEl>
+                    <p:sldTgt/>
+                  </p:tgtEl>
+                </p:cond>
+              </p:nextCondLst>
+            </p:seq>
+          </p:childTnLst>
+        </p:cTn>
+      </p:par>
+    </p:tnLst>
+    <p:bldLst>
+      <p:bldP spid="2" grpId="0"/>
+    </p:bldLst>
+  </p:timing>
+</p:sld>
+</file>
+
+<file path=ppt/slides/slide5.xml><?xml version="1.0" encoding="utf-8"?>
+<p:sld xmlns:a="http://schemas.openxmlformats.org/drawingml/2006/main" xmlns:r="http://schemas.openxmlformats.org/officeDocument/2006/relationships" xmlns:p="http://schemas.openxmlformats.org/presentationml/2006/main">
+  <p:cSld>
+    <p:spTree>
+      <p:nvGrpSpPr>
+        <p:cNvPr id="1" name=""/>
+        <p:cNvGrpSpPr/>
+        <p:nvPr/>
+      </p:nvGrpSpPr>
+      <p:grpSpPr>
+        <a:xfrm>
+          <a:off x="0" y="0"/>
+          <a:ext cx="0" cy="0"/>
+          <a:chOff x="0" y="0"/>
+          <a:chExt cx="0" cy="0"/>
+        </a:xfrm>
+      </p:grpSpPr>
+      <p:sp>
+        <p:nvSpPr>
+          <p:cNvPr id="2" name="Título 1">
+            <a:extLst>
+              <a:ext uri="{FF2B5EF4-FFF2-40B4-BE49-F238E27FC236}">
+                <a16:creationId xmlns:a16="http://schemas.microsoft.com/office/drawing/2014/main" id="{3D457BEE-110E-4BF4-978F-FEE0133C78EB}"/>
+              </a:ext>
+            </a:extLst>
+          </p:cNvPr>
+          <p:cNvSpPr>
+            <a:spLocks noGrp="1"/>
+          </p:cNvSpPr>
+          <p:nvPr>
+            <p:ph type="title"/>
+          </p:nvPr>
+        </p:nvSpPr>
+        <p:spPr>
+          <a:xfrm>
+            <a:off x="256506" y="547346"/>
+            <a:ext cx="5270561" cy="529247"/>
+          </a:xfrm>
+        </p:spPr>
+        <p:txBody>
+          <a:bodyPr>
+            <a:normAutofit fontScale="90000"/>
+          </a:bodyPr>
+          <a:lstStyle/>
+          <a:p>
+            <a:r>
+              <a:rPr lang="pt-PT" sz="4000" b="1" dirty="0">
+                <a:solidFill>
+                  <a:schemeClr val="tx1">
+                    <a:lumMod val="75000"/>
+                    <a:lumOff val="25000"/>
+                  </a:schemeClr>
+                </a:solidFill>
+              </a:rPr>
+              <a:t>Estrutura (Backend)</a:t>
+            </a:r>
+          </a:p>
+        </p:txBody>
+      </p:sp>
+      <p:sp>
+        <p:nvSpPr>
+          <p:cNvPr id="16" name="Marcador de Posição do Número do Diapositivo 15">
+            <a:extLst>
+              <a:ext uri="{FF2B5EF4-FFF2-40B4-BE49-F238E27FC236}">
+                <a16:creationId xmlns:a16="http://schemas.microsoft.com/office/drawing/2014/main" id="{71B61C14-BDD6-451B-B071-A9C87A0644FC}"/>
+              </a:ext>
+            </a:extLst>
+          </p:cNvPr>
+          <p:cNvSpPr>
+            <a:spLocks noGrp="1"/>
+          </p:cNvSpPr>
+          <p:nvPr>
+            <p:ph type="sldNum" sz="quarter" idx="12"/>
+          </p:nvPr>
+        </p:nvSpPr>
+        <p:spPr>
+          <a:xfrm>
+            <a:off x="8537726" y="6314786"/>
+            <a:ext cx="360000" cy="360000"/>
+          </a:xfrm>
+        </p:spPr>
+        <p:txBody>
+          <a:bodyPr/>
+          <a:lstStyle/>
+          <a:p>
+            <a:pPr algn="ctr"/>
+            <a:fld id="{A207AFEE-14BA-463E-8F7F-68058916CB0C}" type="slidenum">
+              <a:rPr lang="pt-PT" smtClean="0"/>
+              <a:pPr algn="ctr"/>
+              <a:t>5</a:t>
+            </a:fld>
+            <a:endParaRPr lang="pt-PT" dirty="0"/>
+          </a:p>
+        </p:txBody>
+      </p:sp>
+      <p:cxnSp>
+        <p:nvCxnSpPr>
+          <p:cNvPr id="17" name="Conexão reta 16">
+            <a:extLst>
+              <a:ext uri="{FF2B5EF4-FFF2-40B4-BE49-F238E27FC236}">
+                <a16:creationId xmlns:a16="http://schemas.microsoft.com/office/drawing/2014/main" id="{26B73CA5-7497-4832-9D47-4D8C13427B1D}"/>
+              </a:ext>
+            </a:extLst>
+          </p:cNvPr>
+          <p:cNvCxnSpPr>
+            <a:cxnSpLocks/>
+          </p:cNvCxnSpPr>
+          <p:nvPr/>
+        </p:nvCxnSpPr>
+        <p:spPr>
+          <a:xfrm flipH="1">
+            <a:off x="2" y="1076593"/>
+            <a:ext cx="4571998" cy="27481"/>
+          </a:xfrm>
+          <a:prstGeom prst="line">
+            <a:avLst/>
+          </a:prstGeom>
+          <a:ln>
+            <a:headEnd type="none" w="med" len="med"/>
+            <a:tailEnd type="none" w="med" len="med"/>
+          </a:ln>
+        </p:spPr>
+        <p:style>
+          <a:lnRef idx="2">
+            <a:schemeClr val="accent2"/>
+          </a:lnRef>
+          <a:fillRef idx="0">
+            <a:schemeClr val="accent2"/>
+          </a:fillRef>
+          <a:effectRef idx="1">
+            <a:schemeClr val="accent2"/>
+          </a:effectRef>
+          <a:fontRef idx="minor">
+            <a:schemeClr val="tx1"/>
+          </a:fontRef>
+        </p:style>
+      </p:cxnSp>
+    </p:spTree>
+    <p:extLst>
+      <p:ext uri="{BB962C8B-B14F-4D97-AF65-F5344CB8AC3E}">
+        <p14:creationId xmlns:p14="http://schemas.microsoft.com/office/powerpoint/2010/main" val="1238221162"/>
+      </p:ext>
+    </p:extLst>
+  </p:cSld>
+  <p:clrMapOvr>
+    <a:masterClrMapping/>
+  </p:clrMapOvr>
+  <p:timing>
+    <p:tnLst>
+      <p:par>
+        <p:cTn id="1" dur="indefinite" restart="never" nodeType="tmRoot">
+          <p:childTnLst>
+            <p:seq concurrent="1" nextAc="seek">
+              <p:cTn id="2" dur="indefinite" nodeType="mainSeq">
+                <p:childTnLst>
+                  <p:par>
+                    <p:cTn id="3" fill="hold">
+                      <p:stCondLst>
+                        <p:cond delay="indefinite"/>
+                        <p:cond evt="onBegin" delay="0">
+                          <p:tn val="2"/>
+                        </p:cond>
+                      </p:stCondLst>
+                      <p:childTnLst>
+                        <p:par>
+                          <p:cTn id="4" fill="hold">
+                            <p:stCondLst>
+                              <p:cond delay="0"/>
+                            </p:stCondLst>
+                            <p:childTnLst>
+                              <p:par>
+                                <p:cTn id="5" presetID="2" presetClass="entr" presetSubtype="1" fill="hold" grpId="0" nodeType="afterEffect">
+                                  <p:stCondLst>
+                                    <p:cond delay="0"/>
+                                  </p:stCondLst>
+                                  <p:childTnLst>
+                                    <p:set>
+                                      <p:cBhvr>
+                                        <p:cTn id="6" dur="1" fill="hold">
+                                          <p:stCondLst>
+                                            <p:cond delay="0"/>
+                                          </p:stCondLst>
+                                        </p:cTn>
+                                        <p:tgtEl>
+                                          <p:spTgt spid="2"/>
+                                        </p:tgtEl>
+                                        <p:attrNameLst>
+                                          <p:attrName>style.visibility</p:attrName>
+                                        </p:attrNameLst>
+                                      </p:cBhvr>
+                                      <p:to>
+                                        <p:strVal val="visible"/>
+                                      </p:to>
+                                    </p:set>
+                                    <p:anim calcmode="lin" valueType="num">
+                                      <p:cBhvr additive="base">
+                                        <p:cTn id="7" dur="500" fill="hold"/>
+                                        <p:tgtEl>
+                                          <p:spTgt spid="2"/>
+                                        </p:tgtEl>
+                                        <p:attrNameLst>
+                                          <p:attrName>ppt_x</p:attrName>
+                                        </p:attrNameLst>
+                                      </p:cBhvr>
+                                      <p:tavLst>
+                                        <p:tav tm="0">
+                                          <p:val>
+                                            <p:strVal val="#ppt_x"/>
+                                          </p:val>
+                                        </p:tav>
+                                        <p:tav tm="100000">
+                                          <p:val>
+                                            <p:strVal val="#ppt_x"/>
+                                          </p:val>
+                                        </p:tav>
+                                      </p:tavLst>
+                                    </p:anim>
+                                    <p:anim calcmode="lin" valueType="num">
+                                      <p:cBhvr additive="base">
+                                        <p:cTn id="8" dur="500" fill="hold"/>
+                                        <p:tgtEl>
+                                          <p:spTgt spid="2"/>
+                                        </p:tgtEl>
+                                        <p:attrNameLst>
+                                          <p:attrName>ppt_y</p:attrName>
+                                        </p:attrNameLst>
+                                      </p:cBhvr>
+                                      <p:tavLst>
+                                        <p:tav tm="0">
+                                          <p:val>
+                                            <p:strVal val="0-#ppt_h/2"/>
+                                          </p:val>
+                                        </p:tav>
+                                        <p:tav tm="100000">
+                                          <p:val>
+                                            <p:strVal val="#ppt_y"/>
+                                          </p:val>
+                                        </p:tav>
+                                      </p:tavLst>
+                                    </p:anim>
+                                  </p:childTnLst>
+                                </p:cTn>
+                              </p:par>
+                              <p:par>
+                                <p:cTn id="9" presetID="16" presetClass="entr" presetSubtype="37" fill="hold" nodeType="withEffect">
+                                  <p:stCondLst>
+                                    <p:cond delay="0"/>
+                                  </p:stCondLst>
+                                  <p:childTnLst>
+                                    <p:set>
+                                      <p:cBhvr>
+                                        <p:cTn id="10" dur="1" fill="hold">
+                                          <p:stCondLst>
+                                            <p:cond delay="0"/>
+                                          </p:stCondLst>
+                                        </p:cTn>
+                                        <p:tgtEl>
+                                          <p:spTgt spid="17"/>
+                                        </p:tgtEl>
+                                        <p:attrNameLst>
+                                          <p:attrName>style.visibility</p:attrName>
+                                        </p:attrNameLst>
+                                      </p:cBhvr>
+                                      <p:to>
+                                        <p:strVal val="visible"/>
+                                      </p:to>
+                                    </p:set>
+                                    <p:animEffect transition="in" filter="barn(outVertical)">
+                                      <p:cBhvr>
+                                        <p:cTn id="11" dur="500"/>
+                                        <p:tgtEl>
+                                          <p:spTgt spid="17"/>
+                                        </p:tgtEl>
+                                      </p:cBhvr>
+                                    </p:animEffect>
+                                  </p:childTnLst>
+                                </p:cTn>
+                              </p:par>
+                            </p:childTnLst>
+                          </p:cTn>
+                        </p:par>
+                      </p:childTnLst>
+                    </p:cTn>
+                  </p:par>
+                </p:childTnLst>
+              </p:cTn>
+              <p:prevCondLst>
+                <p:cond evt="onPrev" delay="0">
+                  <p:tgtEl>
+                    <p:sldTgt/>
+                  </p:tgtEl>
+                </p:cond>
+              </p:prevCondLst>
+              <p:nextCondLst>
+                <p:cond evt="onNext" delay="0">
+                  <p:tgtEl>
+                    <p:sldTgt/>
+                  </p:tgtEl>
+                </p:cond>
+              </p:nextCondLst>
+            </p:seq>
+          </p:childTnLst>
+        </p:cTn>
+      </p:par>
+    </p:tnLst>
+    <p:bldLst>
+      <p:bldP spid="2" grpId="0"/>
+    </p:bldLst>
+  </p:timing>
+</p:sld>
+</file>
+
+<file path=ppt/slides/slide6.xml><?xml version="1.0" encoding="utf-8"?>
+<p:sld xmlns:a="http://schemas.openxmlformats.org/drawingml/2006/main" xmlns:r="http://schemas.openxmlformats.org/officeDocument/2006/relationships" xmlns:p="http://schemas.openxmlformats.org/presentationml/2006/main">
+  <p:cSld>
+    <p:spTree>
+      <p:nvGrpSpPr>
+        <p:cNvPr id="1" name=""/>
+        <p:cNvGrpSpPr/>
+        <p:nvPr/>
+      </p:nvGrpSpPr>
+      <p:grpSpPr>
+        <a:xfrm>
+          <a:off x="0" y="0"/>
+          <a:ext cx="0" cy="0"/>
+          <a:chOff x="0" y="0"/>
+          <a:chExt cx="0" cy="0"/>
+        </a:xfrm>
+      </p:grpSpPr>
+      <p:sp>
+        <p:nvSpPr>
+          <p:cNvPr id="2" name="Título 1">
+            <a:extLst>
+              <a:ext uri="{FF2B5EF4-FFF2-40B4-BE49-F238E27FC236}">
+                <a16:creationId xmlns:a16="http://schemas.microsoft.com/office/drawing/2014/main" id="{3D457BEE-110E-4BF4-978F-FEE0133C78EB}"/>
+              </a:ext>
+            </a:extLst>
+          </p:cNvPr>
+          <p:cNvSpPr>
+            <a:spLocks noGrp="1"/>
+          </p:cNvSpPr>
+          <p:nvPr>
+            <p:ph type="title"/>
+          </p:nvPr>
+        </p:nvSpPr>
+        <p:spPr>
+          <a:xfrm>
+            <a:off x="256506" y="547346"/>
+            <a:ext cx="5270561" cy="529247"/>
+          </a:xfrm>
+        </p:spPr>
+        <p:txBody>
+          <a:bodyPr>
+            <a:normAutofit fontScale="90000"/>
+          </a:bodyPr>
+          <a:lstStyle/>
+          <a:p>
+            <a:r>
+              <a:rPr lang="pt-PT" sz="4000" b="1" dirty="0">
+                <a:solidFill>
+                  <a:schemeClr val="tx1">
+                    <a:lumMod val="75000"/>
+                    <a:lumOff val="25000"/>
+                  </a:schemeClr>
+                </a:solidFill>
+              </a:rPr>
+              <a:t>Estrutura (Frontend)</a:t>
+            </a:r>
+          </a:p>
+        </p:txBody>
+      </p:sp>
+      <p:sp>
+        <p:nvSpPr>
+          <p:cNvPr id="16" name="Marcador de Posição do Número do Diapositivo 15">
+            <a:extLst>
+              <a:ext uri="{FF2B5EF4-FFF2-40B4-BE49-F238E27FC236}">
+                <a16:creationId xmlns:a16="http://schemas.microsoft.com/office/drawing/2014/main" id="{71B61C14-BDD6-451B-B071-A9C87A0644FC}"/>
+              </a:ext>
+            </a:extLst>
+          </p:cNvPr>
+          <p:cNvSpPr>
+            <a:spLocks noGrp="1"/>
+          </p:cNvSpPr>
+          <p:nvPr>
+            <p:ph type="sldNum" sz="quarter" idx="12"/>
+          </p:nvPr>
+        </p:nvSpPr>
+        <p:spPr>
+          <a:xfrm>
+            <a:off x="8537726" y="6314786"/>
+            <a:ext cx="360000" cy="360000"/>
+          </a:xfrm>
+        </p:spPr>
+        <p:txBody>
+          <a:bodyPr/>
+          <a:lstStyle/>
+          <a:p>
+            <a:pPr algn="ctr"/>
+            <a:fld id="{A207AFEE-14BA-463E-8F7F-68058916CB0C}" type="slidenum">
+              <a:rPr lang="pt-PT" smtClean="0"/>
+              <a:pPr algn="ctr"/>
+              <a:t>6</a:t>
+            </a:fld>
+            <a:endParaRPr lang="pt-PT" dirty="0"/>
+          </a:p>
+        </p:txBody>
+      </p:sp>
+      <p:cxnSp>
+        <p:nvCxnSpPr>
+          <p:cNvPr id="17" name="Conexão reta 16">
+            <a:extLst>
+              <a:ext uri="{FF2B5EF4-FFF2-40B4-BE49-F238E27FC236}">
+                <a16:creationId xmlns:a16="http://schemas.microsoft.com/office/drawing/2014/main" id="{26B73CA5-7497-4832-9D47-4D8C13427B1D}"/>
+              </a:ext>
+            </a:extLst>
+          </p:cNvPr>
+          <p:cNvCxnSpPr>
+            <a:cxnSpLocks/>
+          </p:cNvCxnSpPr>
+          <p:nvPr/>
+        </p:nvCxnSpPr>
+        <p:spPr>
+          <a:xfrm flipH="1">
+            <a:off x="2" y="1076593"/>
+            <a:ext cx="4571998" cy="27481"/>
+          </a:xfrm>
+          <a:prstGeom prst="line">
+            <a:avLst/>
+          </a:prstGeom>
+          <a:ln>
+            <a:headEnd type="none" w="med" len="med"/>
+            <a:tailEnd type="none" w="med" len="med"/>
+          </a:ln>
+        </p:spPr>
+        <p:style>
+          <a:lnRef idx="2">
+            <a:schemeClr val="accent2"/>
+          </a:lnRef>
+          <a:fillRef idx="0">
+            <a:schemeClr val="accent2"/>
+          </a:fillRef>
+          <a:effectRef idx="1">
+            <a:schemeClr val="accent2"/>
+          </a:effectRef>
+          <a:fontRef idx="minor">
+            <a:schemeClr val="tx1"/>
+          </a:fontRef>
+        </p:style>
+      </p:cxnSp>
+    </p:spTree>
+    <p:extLst>
+      <p:ext uri="{BB962C8B-B14F-4D97-AF65-F5344CB8AC3E}">
+        <p14:creationId xmlns:p14="http://schemas.microsoft.com/office/powerpoint/2010/main" val="3508204404"/>
+      </p:ext>
+    </p:extLst>
+  </p:cSld>
+  <p:clrMapOvr>
+    <a:masterClrMapping/>
+  </p:clrMapOvr>
+  <p:timing>
+    <p:tnLst>
+      <p:par>
+        <p:cTn id="1" dur="indefinite" restart="never" nodeType="tmRoot">
+          <p:childTnLst>
+            <p:seq concurrent="1" nextAc="seek">
+              <p:cTn id="2" dur="indefinite" nodeType="mainSeq">
+                <p:childTnLst>
+                  <p:par>
+                    <p:cTn id="3" fill="hold">
+                      <p:stCondLst>
+                        <p:cond delay="indefinite"/>
+                        <p:cond evt="onBegin" delay="0">
+                          <p:tn val="2"/>
+                        </p:cond>
+                      </p:stCondLst>
+                      <p:childTnLst>
+                        <p:par>
+                          <p:cTn id="4" fill="hold">
+                            <p:stCondLst>
+                              <p:cond delay="0"/>
+                            </p:stCondLst>
+                            <p:childTnLst>
+                              <p:par>
+                                <p:cTn id="5" presetID="2" presetClass="entr" presetSubtype="1" fill="hold" grpId="0" nodeType="afterEffect">
+                                  <p:stCondLst>
+                                    <p:cond delay="0"/>
+                                  </p:stCondLst>
+                                  <p:childTnLst>
+                                    <p:set>
+                                      <p:cBhvr>
+                                        <p:cTn id="6" dur="1" fill="hold">
+                                          <p:stCondLst>
+                                            <p:cond delay="0"/>
+                                          </p:stCondLst>
+                                        </p:cTn>
+                                        <p:tgtEl>
+                                          <p:spTgt spid="2"/>
+                                        </p:tgtEl>
+                                        <p:attrNameLst>
+                                          <p:attrName>style.visibility</p:attrName>
+                                        </p:attrNameLst>
+                                      </p:cBhvr>
+                                      <p:to>
+                                        <p:strVal val="visible"/>
+                                      </p:to>
+                                    </p:set>
+                                    <p:anim calcmode="lin" valueType="num">
+                                      <p:cBhvr additive="base">
+                                        <p:cTn id="7" dur="500" fill="hold"/>
+                                        <p:tgtEl>
+                                          <p:spTgt spid="2"/>
+                                        </p:tgtEl>
+                                        <p:attrNameLst>
+                                          <p:attrName>ppt_x</p:attrName>
+                                        </p:attrNameLst>
+                                      </p:cBhvr>
+                                      <p:tavLst>
+                                        <p:tav tm="0">
+                                          <p:val>
+                                            <p:strVal val="#ppt_x"/>
+                                          </p:val>
+                                        </p:tav>
+                                        <p:tav tm="100000">
+                                          <p:val>
+                                            <p:strVal val="#ppt_x"/>
+                                          </p:val>
+                                        </p:tav>
+                                      </p:tavLst>
+                                    </p:anim>
+                                    <p:anim calcmode="lin" valueType="num">
+                                      <p:cBhvr additive="base">
+                                        <p:cTn id="8" dur="500" fill="hold"/>
+                                        <p:tgtEl>
+                                          <p:spTgt spid="2"/>
+                                        </p:tgtEl>
+                                        <p:attrNameLst>
+                                          <p:attrName>ppt_y</p:attrName>
+                                        </p:attrNameLst>
+                                      </p:cBhvr>
+                                      <p:tavLst>
+                                        <p:tav tm="0">
+                                          <p:val>
+                                            <p:strVal val="0-#ppt_h/2"/>
+                                          </p:val>
+                                        </p:tav>
+                                        <p:tav tm="100000">
+                                          <p:val>
+                                            <p:strVal val="#ppt_y"/>
+                                          </p:val>
+                                        </p:tav>
+                                      </p:tavLst>
+                                    </p:anim>
+                                  </p:childTnLst>
+                                </p:cTn>
+                              </p:par>
+                              <p:par>
+                                <p:cTn id="9" presetID="16" presetClass="entr" presetSubtype="37" fill="hold" nodeType="withEffect">
+                                  <p:stCondLst>
+                                    <p:cond delay="0"/>
+                                  </p:stCondLst>
+                                  <p:childTnLst>
+                                    <p:set>
+                                      <p:cBhvr>
+                                        <p:cTn id="10" dur="1" fill="hold">
+                                          <p:stCondLst>
+                                            <p:cond delay="0"/>
+                                          </p:stCondLst>
+                                        </p:cTn>
+                                        <p:tgtEl>
+                                          <p:spTgt spid="17"/>
+                                        </p:tgtEl>
+                                        <p:attrNameLst>
+                                          <p:attrName>style.visibility</p:attrName>
+                                        </p:attrNameLst>
+                                      </p:cBhvr>
+                                      <p:to>
+                                        <p:strVal val="visible"/>
+                                      </p:to>
+                                    </p:set>
+                                    <p:animEffect transition="in" filter="barn(outVertical)">
+                                      <p:cBhvr>
+                                        <p:cTn id="11" dur="500"/>
+                                        <p:tgtEl>
+                                          <p:spTgt spid="17"/>
+                                        </p:tgtEl>
+                                      </p:cBhvr>
+                                    </p:animEffect>
+                                  </p:childTnLst>
+                                </p:cTn>
+                              </p:par>
+                            </p:childTnLst>
+                          </p:cTn>
+                        </p:par>
+                      </p:childTnLst>
+                    </p:cTn>
+                  </p:par>
+                </p:childTnLst>
+              </p:cTn>
+              <p:prevCondLst>
+                <p:cond evt="onPrev" delay="0">
+                  <p:tgtEl>
+                    <p:sldTgt/>
+                  </p:tgtEl>
+                </p:cond>
+              </p:prevCondLst>
+              <p:nextCondLst>
+                <p:cond evt="onNext" delay="0">
+                  <p:tgtEl>
+                    <p:sldTgt/>
+                  </p:tgtEl>
+                </p:cond>
+              </p:nextCondLst>
+            </p:seq>
+          </p:childTnLst>
+        </p:cTn>
+      </p:par>
+    </p:tnLst>
+    <p:bldLst>
+      <p:bldP spid="2" grpId="0"/>
+    </p:bldLst>
+  </p:timing>
+</p:sld>
+</file>
+
+<file path=ppt/slides/slide7.xml><?xml version="1.0" encoding="utf-8"?>
+<p:sld xmlns:a="http://schemas.openxmlformats.org/drawingml/2006/main" xmlns:r="http://schemas.openxmlformats.org/officeDocument/2006/relationships" xmlns:p="http://schemas.openxmlformats.org/presentationml/2006/main">
+  <p:cSld>
+    <p:spTree>
+      <p:nvGrpSpPr>
+        <p:cNvPr id="1" name=""/>
+        <p:cNvGrpSpPr/>
+        <p:nvPr/>
+      </p:nvGrpSpPr>
+      <p:grpSpPr>
+        <a:xfrm>
+          <a:off x="0" y="0"/>
+          <a:ext cx="0" cy="0"/>
+          <a:chOff x="0" y="0"/>
+          <a:chExt cx="0" cy="0"/>
+        </a:xfrm>
+      </p:grpSpPr>
+      <p:sp>
+        <p:nvSpPr>
+          <p:cNvPr id="2" name="Título 1">
+            <a:extLst>
+              <a:ext uri="{FF2B5EF4-FFF2-40B4-BE49-F238E27FC236}">
+                <a16:creationId xmlns:a16="http://schemas.microsoft.com/office/drawing/2014/main" id="{3D457BEE-110E-4BF4-978F-FEE0133C78EB}"/>
+              </a:ext>
+            </a:extLst>
+          </p:cNvPr>
+          <p:cNvSpPr>
+            <a:spLocks noGrp="1"/>
+          </p:cNvSpPr>
+          <p:nvPr>
+            <p:ph type="title"/>
+          </p:nvPr>
+        </p:nvSpPr>
+        <p:spPr>
+          <a:xfrm>
+            <a:off x="256506" y="547346"/>
+            <a:ext cx="5270561" cy="529247"/>
+          </a:xfrm>
+        </p:spPr>
+        <p:txBody>
+          <a:bodyPr>
+            <a:normAutofit fontScale="90000"/>
+          </a:bodyPr>
+          <a:lstStyle/>
+          <a:p>
+            <a:r>
+              <a:rPr lang="pt-PT" sz="4000" b="1" dirty="0">
+                <a:solidFill>
+                  <a:schemeClr val="tx1">
+                    <a:lumMod val="75000"/>
+                    <a:lumOff val="25000"/>
+                  </a:schemeClr>
+                </a:solidFill>
+              </a:rPr>
+              <a:t>Estrutura (Android)</a:t>
+            </a:r>
+          </a:p>
+        </p:txBody>
+      </p:sp>
+      <p:sp>
+        <p:nvSpPr>
+          <p:cNvPr id="16" name="Marcador de Posição do Número do Diapositivo 15">
+            <a:extLst>
+              <a:ext uri="{FF2B5EF4-FFF2-40B4-BE49-F238E27FC236}">
+                <a16:creationId xmlns:a16="http://schemas.microsoft.com/office/drawing/2014/main" id="{71B61C14-BDD6-451B-B071-A9C87A0644FC}"/>
+              </a:ext>
+            </a:extLst>
+          </p:cNvPr>
+          <p:cNvSpPr>
+            <a:spLocks noGrp="1"/>
+          </p:cNvSpPr>
+          <p:nvPr>
+            <p:ph type="sldNum" sz="quarter" idx="12"/>
+          </p:nvPr>
+        </p:nvSpPr>
+        <p:spPr>
+          <a:xfrm>
+            <a:off x="8537726" y="6314786"/>
+            <a:ext cx="360000" cy="360000"/>
+          </a:xfrm>
+        </p:spPr>
+        <p:txBody>
+          <a:bodyPr/>
+          <a:lstStyle/>
+          <a:p>
+            <a:pPr algn="ctr"/>
+            <a:fld id="{A207AFEE-14BA-463E-8F7F-68058916CB0C}" type="slidenum">
+              <a:rPr lang="pt-PT" smtClean="0"/>
+              <a:pPr algn="ctr"/>
+              <a:t>7</a:t>
+            </a:fld>
+            <a:endParaRPr lang="pt-PT" dirty="0"/>
+          </a:p>
+        </p:txBody>
+      </p:sp>
+      <p:cxnSp>
+        <p:nvCxnSpPr>
+          <p:cNvPr id="17" name="Conexão reta 16">
+            <a:extLst>
+              <a:ext uri="{FF2B5EF4-FFF2-40B4-BE49-F238E27FC236}">
+                <a16:creationId xmlns:a16="http://schemas.microsoft.com/office/drawing/2014/main" id="{26B73CA5-7497-4832-9D47-4D8C13427B1D}"/>
+              </a:ext>
+            </a:extLst>
+          </p:cNvPr>
+          <p:cNvCxnSpPr>
+            <a:cxnSpLocks/>
+          </p:cNvCxnSpPr>
+          <p:nvPr/>
+        </p:nvCxnSpPr>
+        <p:spPr>
+          <a:xfrm flipH="1">
+            <a:off x="2" y="1076593"/>
+            <a:ext cx="4571998" cy="27481"/>
+          </a:xfrm>
+          <a:prstGeom prst="line">
+            <a:avLst/>
+          </a:prstGeom>
+          <a:ln>
+            <a:headEnd type="none" w="med" len="med"/>
+            <a:tailEnd type="none" w="med" len="med"/>
+          </a:ln>
+        </p:spPr>
+        <p:style>
+          <a:lnRef idx="2">
+            <a:schemeClr val="accent2"/>
+          </a:lnRef>
+          <a:fillRef idx="0">
+            <a:schemeClr val="accent2"/>
+          </a:fillRef>
+          <a:effectRef idx="1">
+            <a:schemeClr val="accent2"/>
+          </a:effectRef>
+          <a:fontRef idx="minor">
+            <a:schemeClr val="tx1"/>
+          </a:fontRef>
+        </p:style>
+      </p:cxnSp>
+    </p:spTree>
+    <p:extLst>
+      <p:ext uri="{BB962C8B-B14F-4D97-AF65-F5344CB8AC3E}">
+        <p14:creationId xmlns:p14="http://schemas.microsoft.com/office/powerpoint/2010/main" val="1125376939"/>
+      </p:ext>
+    </p:extLst>
+  </p:cSld>
+  <p:clrMapOvr>
+    <a:masterClrMapping/>
+  </p:clrMapOvr>
+  <p:timing>
+    <p:tnLst>
+      <p:par>
+        <p:cTn id="1" dur="indefinite" restart="never" nodeType="tmRoot">
+          <p:childTnLst>
+            <p:seq concurrent="1" nextAc="seek">
+              <p:cTn id="2" dur="indefinite" nodeType="mainSeq">
+                <p:childTnLst>
+                  <p:par>
+                    <p:cTn id="3" fill="hold">
+                      <p:stCondLst>
+                        <p:cond delay="indefinite"/>
+                        <p:cond evt="onBegin" delay="0">
+                          <p:tn val="2"/>
+                        </p:cond>
+                      </p:stCondLst>
+                      <p:childTnLst>
+                        <p:par>
+                          <p:cTn id="4" fill="hold">
+                            <p:stCondLst>
+                              <p:cond delay="0"/>
+                            </p:stCondLst>
+                            <p:childTnLst>
+                              <p:par>
+                                <p:cTn id="5" presetID="2" presetClass="entr" presetSubtype="1" fill="hold" grpId="0" nodeType="afterEffect">
+                                  <p:stCondLst>
+                                    <p:cond delay="0"/>
+                                  </p:stCondLst>
+                                  <p:childTnLst>
+                                    <p:set>
+                                      <p:cBhvr>
+                                        <p:cTn id="6" dur="1" fill="hold">
+                                          <p:stCondLst>
+                                            <p:cond delay="0"/>
+                                          </p:stCondLst>
+                                        </p:cTn>
+                                        <p:tgtEl>
+                                          <p:spTgt spid="2"/>
+                                        </p:tgtEl>
+                                        <p:attrNameLst>
+                                          <p:attrName>style.visibility</p:attrName>
+                                        </p:attrNameLst>
+                                      </p:cBhvr>
+                                      <p:to>
+                                        <p:strVal val="visible"/>
+                                      </p:to>
+                                    </p:set>
+                                    <p:anim calcmode="lin" valueType="num">
+                                      <p:cBhvr additive="base">
+                                        <p:cTn id="7" dur="500" fill="hold"/>
+                                        <p:tgtEl>
+                                          <p:spTgt spid="2"/>
+                                        </p:tgtEl>
+                                        <p:attrNameLst>
+                                          <p:attrName>ppt_x</p:attrName>
+                                        </p:attrNameLst>
+                                      </p:cBhvr>
+                                      <p:tavLst>
+                                        <p:tav tm="0">
+                                          <p:val>
+                                            <p:strVal val="#ppt_x"/>
+                                          </p:val>
+                                        </p:tav>
+                                        <p:tav tm="100000">
+                                          <p:val>
+                                            <p:strVal val="#ppt_x"/>
+                                          </p:val>
+                                        </p:tav>
+                                      </p:tavLst>
+                                    </p:anim>
+                                    <p:anim calcmode="lin" valueType="num">
+                                      <p:cBhvr additive="base">
+                                        <p:cTn id="8" dur="500" fill="hold"/>
+                                        <p:tgtEl>
+                                          <p:spTgt spid="2"/>
+                                        </p:tgtEl>
+                                        <p:attrNameLst>
+                                          <p:attrName>ppt_y</p:attrName>
+                                        </p:attrNameLst>
+                                      </p:cBhvr>
+                                      <p:tavLst>
+                                        <p:tav tm="0">
+                                          <p:val>
+                                            <p:strVal val="0-#ppt_h/2"/>
+                                          </p:val>
+                                        </p:tav>
+                                        <p:tav tm="100000">
+                                          <p:val>
+                                            <p:strVal val="#ppt_y"/>
+                                          </p:val>
+                                        </p:tav>
+                                      </p:tavLst>
+                                    </p:anim>
+                                  </p:childTnLst>
+                                </p:cTn>
+                              </p:par>
+                              <p:par>
+                                <p:cTn id="9" presetID="16" presetClass="entr" presetSubtype="37" fill="hold" nodeType="withEffect">
+                                  <p:stCondLst>
+                                    <p:cond delay="0"/>
+                                  </p:stCondLst>
+                                  <p:childTnLst>
+                                    <p:set>
+                                      <p:cBhvr>
+                                        <p:cTn id="10" dur="1" fill="hold">
+                                          <p:stCondLst>
+                                            <p:cond delay="0"/>
+                                          </p:stCondLst>
+                                        </p:cTn>
+                                        <p:tgtEl>
+                                          <p:spTgt spid="17"/>
+                                        </p:tgtEl>
+                                        <p:attrNameLst>
+                                          <p:attrName>style.visibility</p:attrName>
+                                        </p:attrNameLst>
+                                      </p:cBhvr>
+                                      <p:to>
+                                        <p:strVal val="visible"/>
+                                      </p:to>
+                                    </p:set>
+                                    <p:animEffect transition="in" filter="barn(outVertical)">
+                                      <p:cBhvr>
+                                        <p:cTn id="11" dur="500"/>
+                                        <p:tgtEl>
+                                          <p:spTgt spid="17"/>
+                                        </p:tgtEl>
+                                      </p:cBhvr>
+                                    </p:animEffect>
+                                  </p:childTnLst>
+                                </p:cTn>
+                              </p:par>
+                            </p:childTnLst>
+                          </p:cTn>
+                        </p:par>
+                      </p:childTnLst>
+                    </p:cTn>
+                  </p:par>
+                </p:childTnLst>
+              </p:cTn>
+              <p:prevCondLst>
+                <p:cond evt="onPrev" delay="0">
+                  <p:tgtEl>
+                    <p:sldTgt/>
+                  </p:tgtEl>
+                </p:cond>
+              </p:prevCondLst>
+              <p:nextCondLst>
+                <p:cond evt="onNext" delay="0">
+                  <p:tgtEl>
+                    <p:sldTgt/>
+                  </p:tgtEl>
+                </p:cond>
+              </p:nextCondLst>
+            </p:seq>
+          </p:childTnLst>
+        </p:cTn>
+      </p:par>
+    </p:tnLst>
+    <p:bldLst>
+      <p:bldP spid="2" grpId="0"/>
+    </p:bldLst>
+  </p:timing>
+</p:sld>
+</file>
+
+<file path=ppt/slides/slide8.xml><?xml version="1.0" encoding="utf-8"?>
+<p:sld xmlns:a="http://schemas.openxmlformats.org/drawingml/2006/main" xmlns:r="http://schemas.openxmlformats.org/officeDocument/2006/relationships" xmlns:p="http://schemas.openxmlformats.org/presentationml/2006/main">
+  <p:cSld>
+    <p:spTree>
+      <p:nvGrpSpPr>
+        <p:cNvPr id="1" name=""/>
+        <p:cNvGrpSpPr/>
+        <p:nvPr/>
+      </p:nvGrpSpPr>
+      <p:grpSpPr>
+        <a:xfrm>
+          <a:off x="0" y="0"/>
+          <a:ext cx="0" cy="0"/>
+          <a:chOff x="0" y="0"/>
+          <a:chExt cx="0" cy="0"/>
+        </a:xfrm>
+      </p:grpSpPr>
+      <p:sp>
+        <p:nvSpPr>
+          <p:cNvPr id="2" name="Título 1">
+            <a:extLst>
+              <a:ext uri="{FF2B5EF4-FFF2-40B4-BE49-F238E27FC236}">
+                <a16:creationId xmlns:a16="http://schemas.microsoft.com/office/drawing/2014/main" id="{3D457BEE-110E-4BF4-978F-FEE0133C78EB}"/>
+              </a:ext>
+            </a:extLst>
+          </p:cNvPr>
+          <p:cNvSpPr>
+            <a:spLocks noGrp="1"/>
+          </p:cNvSpPr>
+          <p:nvPr>
+            <p:ph type="title"/>
+          </p:nvPr>
+        </p:nvSpPr>
+        <p:spPr>
+          <a:xfrm>
+            <a:off x="256506" y="547346"/>
+            <a:ext cx="5270561" cy="529247"/>
+          </a:xfrm>
+        </p:spPr>
+        <p:txBody>
+          <a:bodyPr>
+            <a:normAutofit fontScale="90000"/>
+          </a:bodyPr>
+          <a:lstStyle/>
+          <a:p>
+            <a:r>
+              <a:rPr lang="pt-PT" sz="4000" b="1" dirty="0">
+                <a:solidFill>
+                  <a:schemeClr val="tx1">
+                    <a:lumMod val="75000"/>
+                    <a:lumOff val="25000"/>
+                  </a:schemeClr>
+                </a:solidFill>
+              </a:rPr>
+              <a:t>Conclusão e Futuro</a:t>
+            </a:r>
+          </a:p>
+        </p:txBody>
+      </p:sp>
+      <p:sp>
+        <p:nvSpPr>
+          <p:cNvPr id="16" name="Marcador de Posição do Número do Diapositivo 15">
+            <a:extLst>
+              <a:ext uri="{FF2B5EF4-FFF2-40B4-BE49-F238E27FC236}">
+                <a16:creationId xmlns:a16="http://schemas.microsoft.com/office/drawing/2014/main" id="{71B61C14-BDD6-451B-B071-A9C87A0644FC}"/>
+              </a:ext>
+            </a:extLst>
+          </p:cNvPr>
+          <p:cNvSpPr>
+            <a:spLocks noGrp="1"/>
+          </p:cNvSpPr>
+          <p:nvPr>
+            <p:ph type="sldNum" sz="quarter" idx="12"/>
+          </p:nvPr>
+        </p:nvSpPr>
+        <p:spPr>
+          <a:xfrm>
+            <a:off x="8537726" y="6314786"/>
+            <a:ext cx="360000" cy="360000"/>
+          </a:xfrm>
+        </p:spPr>
+        <p:txBody>
+          <a:bodyPr/>
+          <a:lstStyle/>
+          <a:p>
+            <a:pPr algn="ctr"/>
+            <a:fld id="{A207AFEE-14BA-463E-8F7F-68058916CB0C}" type="slidenum">
+              <a:rPr lang="pt-PT" smtClean="0"/>
+              <a:pPr algn="ctr"/>
+              <a:t>8</a:t>
+            </a:fld>
+            <a:endParaRPr lang="pt-PT" dirty="0"/>
+          </a:p>
+        </p:txBody>
+      </p:sp>
+      <p:cxnSp>
+        <p:nvCxnSpPr>
+          <p:cNvPr id="17" name="Conexão reta 16">
+            <a:extLst>
+              <a:ext uri="{FF2B5EF4-FFF2-40B4-BE49-F238E27FC236}">
+                <a16:creationId xmlns:a16="http://schemas.microsoft.com/office/drawing/2014/main" id="{26B73CA5-7497-4832-9D47-4D8C13427B1D}"/>
+              </a:ext>
+            </a:extLst>
+          </p:cNvPr>
+          <p:cNvCxnSpPr>
+            <a:cxnSpLocks/>
+          </p:cNvCxnSpPr>
+          <p:nvPr/>
+        </p:nvCxnSpPr>
+        <p:spPr>
+          <a:xfrm flipH="1">
+            <a:off x="2" y="1076593"/>
+            <a:ext cx="4571998" cy="27481"/>
+          </a:xfrm>
+          <a:prstGeom prst="line">
+            <a:avLst/>
+          </a:prstGeom>
+          <a:ln>
+            <a:headEnd type="none" w="med" len="med"/>
+            <a:tailEnd type="none" w="med" len="med"/>
+          </a:ln>
+        </p:spPr>
+        <p:style>
+          <a:lnRef idx="2">
+            <a:schemeClr val="accent2"/>
+          </a:lnRef>
+          <a:fillRef idx="0">
+            <a:schemeClr val="accent2"/>
+          </a:fillRef>
+          <a:effectRef idx="1">
+            <a:schemeClr val="accent2"/>
+          </a:effectRef>
+          <a:fontRef idx="minor">
+            <a:schemeClr val="tx1"/>
+          </a:fontRef>
+        </p:style>
+      </p:cxnSp>
+      <p:sp>
+        <p:nvSpPr>
+          <p:cNvPr id="7" name="CaixaDeTexto 6">
+            <a:extLst>
+              <a:ext uri="{FF2B5EF4-FFF2-40B4-BE49-F238E27FC236}">
+                <a16:creationId xmlns:a16="http://schemas.microsoft.com/office/drawing/2014/main" id="{B18E8D27-162F-4AD7-9106-598F7094CD39}"/>
+              </a:ext>
+            </a:extLst>
+          </p:cNvPr>
+          <p:cNvSpPr txBox="1"/>
+          <p:nvPr/>
+        </p:nvSpPr>
+        <p:spPr>
+          <a:xfrm>
+            <a:off x="259491" y="1695118"/>
+            <a:ext cx="8643440" cy="1569660"/>
+          </a:xfrm>
+          <a:prstGeom prst="rect">
+            <a:avLst/>
+          </a:prstGeom>
+          <a:noFill/>
+        </p:spPr>
+        <p:txBody>
+          <a:bodyPr wrap="square" rtlCol="0">
+            <a:spAutoFit/>
+          </a:bodyPr>
+          <a:lstStyle/>
+          <a:p>
+            <a:r>
+              <a:rPr lang="pt-PT" sz="1600" dirty="0">
+                <a:solidFill>
+                  <a:schemeClr val="tx1">
+                    <a:lumMod val="75000"/>
+                    <a:lumOff val="25000"/>
+                  </a:schemeClr>
+                </a:solidFill>
+              </a:rPr>
+              <a:t>Com  a  realização  deste  projeto  foi  nos  possível  aprofundar  conhecimentos  sobre diferentes matérias lecionadas   em   distintas   unidades curriculares. Desenvolvemos competências relacionadas com android (criação de layouts e pedidos à API) e a nível de linguagem  para  a  web  (PHP,  HTML,  CSS,  JavaScript  e  </a:t>
+            </a:r>
+            <a:r>
+              <a:rPr lang="pt-PT" sz="1600" dirty="0" err="1">
+                <a:solidFill>
+                  <a:schemeClr val="tx1">
+                    <a:lumMod val="75000"/>
+                    <a:lumOff val="25000"/>
+                  </a:schemeClr>
+                </a:solidFill>
+              </a:rPr>
+              <a:t>JQuery</a:t>
+            </a:r>
+            <a:r>
+              <a:rPr lang="pt-PT" sz="1600" dirty="0">
+                <a:solidFill>
+                  <a:schemeClr val="tx1">
+                    <a:lumMod val="75000"/>
+                    <a:lumOff val="25000"/>
+                  </a:schemeClr>
+                </a:solidFill>
+              </a:rPr>
+              <a:t>),  e  detivemos  a oportunidade   de   adquirir   conhecimentos   sobre   outros assuntos não   diretamente relacionados com a área de estudo, como o da adoção de animais de estimação e todos os seus processos, componentes e características.</a:t>
+            </a:r>
+          </a:p>
+        </p:txBody>
+      </p:sp>
+      <p:sp>
+        <p:nvSpPr>
+          <p:cNvPr id="9" name="CaixaDeTexto 8">
+            <a:extLst>
+              <a:ext uri="{FF2B5EF4-FFF2-40B4-BE49-F238E27FC236}">
+                <a16:creationId xmlns:a16="http://schemas.microsoft.com/office/drawing/2014/main" id="{D76DE657-E840-4A8A-AAF0-83AB46501B34}"/>
+              </a:ext>
+            </a:extLst>
+          </p:cNvPr>
+          <p:cNvSpPr txBox="1"/>
+          <p:nvPr/>
+        </p:nvSpPr>
+        <p:spPr>
+          <a:xfrm>
+            <a:off x="259491" y="3444948"/>
+            <a:ext cx="8643440" cy="584775"/>
+          </a:xfrm>
+          <a:prstGeom prst="rect">
+            <a:avLst/>
+          </a:prstGeom>
+          <a:noFill/>
+        </p:spPr>
+        <p:txBody>
+          <a:bodyPr wrap="square" rtlCol="0">
+            <a:spAutoFit/>
+          </a:bodyPr>
+          <a:lstStyle/>
+          <a:p>
+            <a:r>
+              <a:rPr lang="pt-PT" sz="1600" dirty="0">
+                <a:solidFill>
+                  <a:schemeClr val="tx1">
+                    <a:lumMod val="75000"/>
+                    <a:lumOff val="25000"/>
+                  </a:schemeClr>
+                </a:solidFill>
+              </a:rPr>
+              <a:t>Esperamos  que  futuramente  tenhamos  oportunidade  de  desenvolver  melhor  este projeto e leva-lo ao mercado nacional, pois consideramos que este tem alto potencial para tal.</a:t>
+            </a:r>
+          </a:p>
+        </p:txBody>
+      </p:sp>
+      <p:pic>
+        <p:nvPicPr>
+          <p:cNvPr id="10" name="Imagem 9">
+            <a:extLst>
+              <a:ext uri="{FF2B5EF4-FFF2-40B4-BE49-F238E27FC236}">
+                <a16:creationId xmlns:a16="http://schemas.microsoft.com/office/drawing/2014/main" id="{3600B471-0E53-4B54-B42B-13812CEAA8C0}"/>
+              </a:ext>
+            </a:extLst>
+          </p:cNvPr>
+          <p:cNvPicPr>
+            <a:picLocks noChangeAspect="1"/>
+          </p:cNvPicPr>
+          <p:nvPr/>
+        </p:nvPicPr>
+        <p:blipFill rotWithShape="1">
+          <a:blip r:embed="rId2">
+            <a:extLst>
+              <a:ext uri="{28A0092B-C50C-407E-A947-70E740481C1C}">
+                <a14:useLocalDpi xmlns:a14="http://schemas.microsoft.com/office/drawing/2010/main" val="0"/>
+              </a:ext>
+            </a:extLst>
+          </a:blip>
+          <a:srcRect b="3807"/>
+          <a:stretch/>
+        </p:blipFill>
+        <p:spPr>
+          <a:xfrm>
+            <a:off x="1608179" y="4337516"/>
+            <a:ext cx="5927642" cy="2520484"/>
+          </a:xfrm>
+          <a:prstGeom prst="rect">
+            <a:avLst/>
+          </a:prstGeom>
+        </p:spPr>
+      </p:pic>
+    </p:spTree>
+    <p:extLst>
+      <p:ext uri="{BB962C8B-B14F-4D97-AF65-F5344CB8AC3E}">
+        <p14:creationId xmlns:p14="http://schemas.microsoft.com/office/powerpoint/2010/main" val="2781154021"/>
+      </p:ext>
+    </p:extLst>
+  </p:cSld>
+  <p:clrMapOvr>
+    <a:masterClrMapping/>
+  </p:clrMapOvr>
+  <p:timing>
+    <p:tnLst>
+      <p:par>
+        <p:cTn id="1" dur="indefinite" restart="never" nodeType="tmRoot">
+          <p:childTnLst>
+            <p:seq concurrent="1" nextAc="seek">
+              <p:cTn id="2" dur="indefinite" nodeType="mainSeq">
+                <p:childTnLst>
+                  <p:par>
+                    <p:cTn id="3" fill="hold">
+                      <p:stCondLst>
+                        <p:cond delay="indefinite"/>
+                        <p:cond evt="onBegin" delay="0">
+                          <p:tn val="2"/>
+                        </p:cond>
+                      </p:stCondLst>
+                      <p:childTnLst>
+                        <p:par>
+                          <p:cTn id="4" fill="hold">
+                            <p:stCondLst>
+                              <p:cond delay="0"/>
+                            </p:stCondLst>
+                            <p:childTnLst>
+                              <p:par>
+                                <p:cTn id="5" presetID="2" presetClass="entr" presetSubtype="1" fill="hold" grpId="0" nodeType="afterEffect">
+                                  <p:stCondLst>
+                                    <p:cond delay="0"/>
+                                  </p:stCondLst>
+                                  <p:childTnLst>
+                                    <p:set>
+                                      <p:cBhvr>
+                                        <p:cTn id="6" dur="1" fill="hold">
+                                          <p:stCondLst>
+                                            <p:cond delay="0"/>
+                                          </p:stCondLst>
+                                        </p:cTn>
+                                        <p:tgtEl>
+                                          <p:spTgt spid="2"/>
+                                        </p:tgtEl>
+                                        <p:attrNameLst>
+                                          <p:attrName>style.visibility</p:attrName>
+                                        </p:attrNameLst>
+                                      </p:cBhvr>
+                                      <p:to>
+                                        <p:strVal val="visible"/>
+                                      </p:to>
+                                    </p:set>
+                                    <p:anim calcmode="lin" valueType="num">
+                                      <p:cBhvr additive="base">
+                                        <p:cTn id="7" dur="500" fill="hold"/>
+                                        <p:tgtEl>
+                                          <p:spTgt spid="2"/>
+                                        </p:tgtEl>
+                                        <p:attrNameLst>
+                                          <p:attrName>ppt_x</p:attrName>
+                                        </p:attrNameLst>
+                                      </p:cBhvr>
+                                      <p:tavLst>
+                                        <p:tav tm="0">
+                                          <p:val>
+                                            <p:strVal val="#ppt_x"/>
+                                          </p:val>
+                                        </p:tav>
+                                        <p:tav tm="100000">
+                                          <p:val>
+                                            <p:strVal val="#ppt_x"/>
+                                          </p:val>
+                                        </p:tav>
+                                      </p:tavLst>
+                                    </p:anim>
+                                    <p:anim calcmode="lin" valueType="num">
+                                      <p:cBhvr additive="base">
+                                        <p:cTn id="8" dur="500" fill="hold"/>
+                                        <p:tgtEl>
+                                          <p:spTgt spid="2"/>
+                                        </p:tgtEl>
+                                        <p:attrNameLst>
+                                          <p:attrName>ppt_y</p:attrName>
+                                        </p:attrNameLst>
+                                      </p:cBhvr>
+                                      <p:tavLst>
+                                        <p:tav tm="0">
+                                          <p:val>
+                                            <p:strVal val="0-#ppt_h/2"/>
+                                          </p:val>
+                                        </p:tav>
+                                        <p:tav tm="100000">
+                                          <p:val>
+                                            <p:strVal val="#ppt_y"/>
+                                          </p:val>
+                                        </p:tav>
+                                      </p:tavLst>
+                                    </p:anim>
+                                  </p:childTnLst>
+                                </p:cTn>
+                              </p:par>
+                              <p:par>
+                                <p:cTn id="9" presetID="16" presetClass="entr" presetSubtype="37" fill="hold" nodeType="withEffect">
+                                  <p:stCondLst>
+                                    <p:cond delay="0"/>
+                                  </p:stCondLst>
+                                  <p:childTnLst>
+                                    <p:set>
+                                      <p:cBhvr>
+                                        <p:cTn id="10" dur="1" fill="hold">
+                                          <p:stCondLst>
+                                            <p:cond delay="0"/>
+                                          </p:stCondLst>
+                                        </p:cTn>
+                                        <p:tgtEl>
+                                          <p:spTgt spid="17"/>
+                                        </p:tgtEl>
+                                        <p:attrNameLst>
+                                          <p:attrName>style.visibility</p:attrName>
+                                        </p:attrNameLst>
+                                      </p:cBhvr>
+                                      <p:to>
+                                        <p:strVal val="visible"/>
+                                      </p:to>
+                                    </p:set>
+                                    <p:animEffect transition="in" filter="barn(outVertical)">
+                                      <p:cBhvr>
+                                        <p:cTn id="11" dur="500"/>
+                                        <p:tgtEl>
+                                          <p:spTgt spid="17"/>
+                                        </p:tgtEl>
+                                      </p:cBhvr>
+                                    </p:animEffect>
+                                  </p:childTnLst>
+                                </p:cTn>
+                              </p:par>
+                            </p:childTnLst>
+                          </p:cTn>
+                        </p:par>
+                        <p:par>
+                          <p:cTn id="12" fill="hold">
+                            <p:stCondLst>
+                              <p:cond delay="500"/>
+                            </p:stCondLst>
+                            <p:childTnLst>
+                              <p:par>
+                                <p:cTn id="13" presetID="2" presetClass="entr" presetSubtype="4" fill="hold" nodeType="afterEffect">
+                                  <p:stCondLst>
+                                    <p:cond delay="0"/>
+                                  </p:stCondLst>
+                                  <p:childTnLst>
+                                    <p:set>
+                                      <p:cBhvr>
+                                        <p:cTn id="14" dur="1" fill="hold">
+                                          <p:stCondLst>
+                                            <p:cond delay="0"/>
+                                          </p:stCondLst>
+                                        </p:cTn>
+                                        <p:tgtEl>
+                                          <p:spTgt spid="10"/>
+                                        </p:tgtEl>
+                                        <p:attrNameLst>
+                                          <p:attrName>style.visibility</p:attrName>
+                                        </p:attrNameLst>
+                                      </p:cBhvr>
+                                      <p:to>
+                                        <p:strVal val="visible"/>
+                                      </p:to>
+                                    </p:set>
+                                    <p:anim calcmode="lin" valueType="num">
+                                      <p:cBhvr additive="base">
+                                        <p:cTn id="15" dur="500" fill="hold"/>
+                                        <p:tgtEl>
+                                          <p:spTgt spid="10"/>
+                                        </p:tgtEl>
+                                        <p:attrNameLst>
+                                          <p:attrName>ppt_x</p:attrName>
+                                        </p:attrNameLst>
+                                      </p:cBhvr>
+                                      <p:tavLst>
+                                        <p:tav tm="0">
+                                          <p:val>
+                                            <p:strVal val="#ppt_x"/>
+                                          </p:val>
+                                        </p:tav>
+                                        <p:tav tm="100000">
+                                          <p:val>
+                                            <p:strVal val="#ppt_x"/>
+                                          </p:val>
+                                        </p:tav>
+                                      </p:tavLst>
+                                    </p:anim>
+                                    <p:anim calcmode="lin" valueType="num">
+                                      <p:cBhvr additive="base">
+                                        <p:cTn id="16" dur="500" fill="hold"/>
+                                        <p:tgtEl>
+                                          <p:spTgt spid="10"/>
+                                        </p:tgtEl>
+                                        <p:attrNameLst>
+                                          <p:attrName>ppt_y</p:attrName>
+                                        </p:attrNameLst>
+                                      </p:cBhvr>
+                                      <p:tavLst>
+                                        <p:tav tm="0">
+                                          <p:val>
+                                            <p:strVal val="1+#ppt_h/2"/>
                                           </p:val>
                                         </p:tav>
                                         <p:tav tm="100000">
@@ -6263,2752 +8446,6 @@
     </p:tnLst>
     <p:bldLst>
       <p:bldP spid="2" grpId="0"/>
-      <p:bldP spid="8" grpId="0"/>
-      <p:bldP spid="6" grpId="0"/>
-      <p:bldP spid="7" grpId="0"/>
-      <p:bldP spid="9" grpId="0"/>
-      <p:bldP spid="10" grpId="0"/>
-      <p:bldP spid="13" grpId="0"/>
-      <p:bldP spid="14" grpId="0"/>
-      <p:bldP spid="15" grpId="0"/>
-    </p:bldLst>
-  </p:timing>
-</p:sld>
-</file>
-
-<file path=ppt/slides/slide3.xml><?xml version="1.0" encoding="utf-8"?>
-<p:sld xmlns:a="http://schemas.openxmlformats.org/drawingml/2006/main" xmlns:r="http://schemas.openxmlformats.org/officeDocument/2006/relationships" xmlns:p="http://schemas.openxmlformats.org/presentationml/2006/main">
-  <p:cSld>
-    <p:spTree>
-      <p:nvGrpSpPr>
-        <p:cNvPr id="1" name=""/>
-        <p:cNvGrpSpPr/>
-        <p:nvPr/>
-      </p:nvGrpSpPr>
-      <p:grpSpPr>
-        <a:xfrm>
-          <a:off x="0" y="0"/>
-          <a:ext cx="0" cy="0"/>
-          <a:chOff x="0" y="0"/>
-          <a:chExt cx="0" cy="0"/>
-        </a:xfrm>
-      </p:grpSpPr>
-      <p:sp>
-        <p:nvSpPr>
-          <p:cNvPr id="2" name="Título 1">
-            <a:extLst>
-              <a:ext uri="{FF2B5EF4-FFF2-40B4-BE49-F238E27FC236}">
-                <a16:creationId xmlns:a16="http://schemas.microsoft.com/office/drawing/2014/main" id="{29E2A568-82E3-4E2F-BFBC-0F910943F411}"/>
-              </a:ext>
-            </a:extLst>
-          </p:cNvPr>
-          <p:cNvSpPr>
-            <a:spLocks noGrp="1"/>
-          </p:cNvSpPr>
-          <p:nvPr>
-            <p:ph type="title"/>
-          </p:nvPr>
-        </p:nvSpPr>
-        <p:spPr>
-          <a:xfrm>
-            <a:off x="1123950" y="259100"/>
-            <a:ext cx="7886700" cy="1702511"/>
-          </a:xfrm>
-        </p:spPr>
-        <p:txBody>
-          <a:bodyPr/>
-          <a:lstStyle/>
-          <a:p>
-            <a:r>
-              <a:rPr lang="pt-PT" dirty="0"/>
-              <a:t>Justificação de opções/ideias</a:t>
-            </a:r>
-          </a:p>
-        </p:txBody>
-      </p:sp>
-      <p:sp>
-        <p:nvSpPr>
-          <p:cNvPr id="4" name="Triângulo isósceles 3">
-            <a:extLst>
-              <a:ext uri="{FF2B5EF4-FFF2-40B4-BE49-F238E27FC236}">
-                <a16:creationId xmlns:a16="http://schemas.microsoft.com/office/drawing/2014/main" id="{9F1F1627-D063-4CC9-AAB3-F23CA3A7E9B3}"/>
-              </a:ext>
-            </a:extLst>
-          </p:cNvPr>
-          <p:cNvSpPr/>
-          <p:nvPr/>
-        </p:nvSpPr>
-        <p:spPr>
-          <a:xfrm rot="12600000">
-            <a:off x="-609770" y="826691"/>
-            <a:ext cx="1698149" cy="1463922"/>
-          </a:xfrm>
-          <a:prstGeom prst="triangle">
-            <a:avLst/>
-          </a:prstGeom>
-          <a:solidFill>
-            <a:schemeClr val="accent6"/>
-          </a:solidFill>
-          <a:ln>
-            <a:noFill/>
-          </a:ln>
-        </p:spPr>
-        <p:style>
-          <a:lnRef idx="0">
-            <a:scrgbClr r="0" g="0" b="0"/>
-          </a:lnRef>
-          <a:fillRef idx="0">
-            <a:scrgbClr r="0" g="0" b="0"/>
-          </a:fillRef>
-          <a:effectRef idx="0">
-            <a:scrgbClr r="0" g="0" b="0"/>
-          </a:effectRef>
-          <a:fontRef idx="minor">
-            <a:schemeClr val="lt1"/>
-          </a:fontRef>
-        </p:style>
-        <p:txBody>
-          <a:bodyPr rtlCol="0" anchor="ctr"/>
-          <a:lstStyle/>
-          <a:p>
-            <a:pPr algn="ctr"/>
-            <a:endParaRPr lang="pt-PT" sz="1350"/>
-          </a:p>
-        </p:txBody>
-      </p:sp>
-      <p:cxnSp>
-        <p:nvCxnSpPr>
-          <p:cNvPr id="5" name="Conexão reta 4">
-            <a:extLst>
-              <a:ext uri="{FF2B5EF4-FFF2-40B4-BE49-F238E27FC236}">
-                <a16:creationId xmlns:a16="http://schemas.microsoft.com/office/drawing/2014/main" id="{4873B163-6991-4FB8-B672-96F9856EB63B}"/>
-              </a:ext>
-            </a:extLst>
-          </p:cNvPr>
-          <p:cNvCxnSpPr>
-            <a:cxnSpLocks/>
-          </p:cNvCxnSpPr>
-          <p:nvPr/>
-        </p:nvCxnSpPr>
-        <p:spPr>
-          <a:xfrm>
-            <a:off x="-500062" y="1351306"/>
-            <a:ext cx="9979819" cy="0"/>
-          </a:xfrm>
-          <a:prstGeom prst="line">
-            <a:avLst/>
-          </a:prstGeom>
-          <a:ln w="38100">
-            <a:solidFill>
-              <a:schemeClr val="accent6"/>
-            </a:solidFill>
-          </a:ln>
-        </p:spPr>
-        <p:style>
-          <a:lnRef idx="1">
-            <a:schemeClr val="accent1"/>
-          </a:lnRef>
-          <a:fillRef idx="0">
-            <a:schemeClr val="accent1"/>
-          </a:fillRef>
-          <a:effectRef idx="0">
-            <a:schemeClr val="accent1"/>
-          </a:effectRef>
-          <a:fontRef idx="minor">
-            <a:schemeClr val="tx1"/>
-          </a:fontRef>
-        </p:style>
-      </p:cxnSp>
-      <p:pic>
-        <p:nvPicPr>
-          <p:cNvPr id="14" name="Imagem 13">
-            <a:extLst>
-              <a:ext uri="{FF2B5EF4-FFF2-40B4-BE49-F238E27FC236}">
-                <a16:creationId xmlns:a16="http://schemas.microsoft.com/office/drawing/2014/main" id="{9B345C1A-3195-4660-BF00-CABEB2B2CBC8}"/>
-              </a:ext>
-            </a:extLst>
-          </p:cNvPr>
-          <p:cNvPicPr>
-            <a:picLocks noChangeAspect="1"/>
-          </p:cNvPicPr>
-          <p:nvPr/>
-        </p:nvPicPr>
-        <p:blipFill>
-          <a:blip r:embed="rId2"/>
-          <a:stretch>
-            <a:fillRect/>
-          </a:stretch>
-        </p:blipFill>
-        <p:spPr>
-          <a:xfrm>
-            <a:off x="475488" y="2233506"/>
-            <a:ext cx="4666689" cy="1467179"/>
-          </a:xfrm>
-          <a:prstGeom prst="rect">
-            <a:avLst/>
-          </a:prstGeom>
-        </p:spPr>
-      </p:pic>
-      <p:grpSp>
-        <p:nvGrpSpPr>
-          <p:cNvPr id="16" name="Grupo 15">
-            <a:extLst>
-              <a:ext uri="{FF2B5EF4-FFF2-40B4-BE49-F238E27FC236}">
-                <a16:creationId xmlns:a16="http://schemas.microsoft.com/office/drawing/2014/main" id="{AF84EC7B-D3DF-4D30-847C-325A25182ADC}"/>
-              </a:ext>
-            </a:extLst>
-          </p:cNvPr>
-          <p:cNvGrpSpPr/>
-          <p:nvPr/>
-        </p:nvGrpSpPr>
-        <p:grpSpPr>
-          <a:xfrm>
-            <a:off x="352044" y="4113018"/>
-            <a:ext cx="5408859" cy="1693310"/>
-            <a:chOff x="2950703" y="4728270"/>
-            <a:chExt cx="6222252" cy="1947952"/>
-          </a:xfrm>
-        </p:grpSpPr>
-        <p:pic>
-          <p:nvPicPr>
-            <p:cNvPr id="13" name="Imagem 12">
-              <a:extLst>
-                <a:ext uri="{FF2B5EF4-FFF2-40B4-BE49-F238E27FC236}">
-                  <a16:creationId xmlns:a16="http://schemas.microsoft.com/office/drawing/2014/main" id="{FA194519-A41D-4719-8CA4-0E0A978DDBB3}"/>
-                </a:ext>
-              </a:extLst>
-            </p:cNvPr>
-            <p:cNvPicPr>
-              <a:picLocks noChangeAspect="1"/>
-            </p:cNvPicPr>
-            <p:nvPr/>
-          </p:nvPicPr>
-          <p:blipFill>
-            <a:blip r:embed="rId3"/>
-            <a:stretch>
-              <a:fillRect/>
-            </a:stretch>
-          </p:blipFill>
-          <p:spPr>
-            <a:xfrm>
-              <a:off x="2950703" y="4728270"/>
-              <a:ext cx="5919117" cy="1754435"/>
-            </a:xfrm>
-            <a:prstGeom prst="rect">
-              <a:avLst/>
-            </a:prstGeom>
-          </p:spPr>
-        </p:pic>
-        <p:sp>
-          <p:nvSpPr>
-            <p:cNvPr id="15" name="Retângulo 14">
-              <a:extLst>
-                <a:ext uri="{FF2B5EF4-FFF2-40B4-BE49-F238E27FC236}">
-                  <a16:creationId xmlns:a16="http://schemas.microsoft.com/office/drawing/2014/main" id="{15B02B0E-CAE2-4948-AA1E-25A88A0A0D37}"/>
-                </a:ext>
-              </a:extLst>
-            </p:cNvPr>
-            <p:cNvSpPr/>
-            <p:nvPr/>
-          </p:nvSpPr>
-          <p:spPr>
-            <a:xfrm>
-              <a:off x="7083846" y="5605487"/>
-              <a:ext cx="2089109" cy="1070735"/>
-            </a:xfrm>
-            <a:prstGeom prst="rect">
-              <a:avLst/>
-            </a:prstGeom>
-            <a:ln>
-              <a:solidFill>
-                <a:schemeClr val="bg1"/>
-              </a:solidFill>
-            </a:ln>
-          </p:spPr>
-          <p:style>
-            <a:lnRef idx="2">
-              <a:schemeClr val="dk1"/>
-            </a:lnRef>
-            <a:fillRef idx="1">
-              <a:schemeClr val="lt1"/>
-            </a:fillRef>
-            <a:effectRef idx="0">
-              <a:schemeClr val="dk1"/>
-            </a:effectRef>
-            <a:fontRef idx="minor">
-              <a:schemeClr val="dk1"/>
-            </a:fontRef>
-          </p:style>
-          <p:txBody>
-            <a:bodyPr rtlCol="0" anchor="ctr"/>
-            <a:lstStyle/>
-            <a:p>
-              <a:pPr algn="ctr"/>
-              <a:endParaRPr lang="pt-PT" sz="1350"/>
-            </a:p>
-          </p:txBody>
-        </p:sp>
-      </p:grpSp>
-      <p:pic>
-        <p:nvPicPr>
-          <p:cNvPr id="17" name="Imagem 16">
-            <a:hlinkClick r:id="rId4"/>
-            <a:extLst>
-              <a:ext uri="{FF2B5EF4-FFF2-40B4-BE49-F238E27FC236}">
-                <a16:creationId xmlns:a16="http://schemas.microsoft.com/office/drawing/2014/main" id="{22EDA72F-967B-4A47-8B73-85DA974BDD6E}"/>
-              </a:ext>
-            </a:extLst>
-          </p:cNvPr>
-          <p:cNvPicPr>
-            <a:picLocks noChangeAspect="1"/>
-          </p:cNvPicPr>
-          <p:nvPr/>
-        </p:nvPicPr>
-        <p:blipFill>
-          <a:blip r:embed="rId5"/>
-          <a:stretch>
-            <a:fillRect/>
-          </a:stretch>
-        </p:blipFill>
-        <p:spPr>
-          <a:xfrm>
-            <a:off x="5272614" y="2724156"/>
-            <a:ext cx="1566832" cy="312510"/>
-          </a:xfrm>
-          <a:prstGeom prst="rect">
-            <a:avLst/>
-          </a:prstGeom>
-        </p:spPr>
-      </p:pic>
-      <p:grpSp>
-        <p:nvGrpSpPr>
-          <p:cNvPr id="20" name="Grupo 19">
-            <a:extLst>
-              <a:ext uri="{FF2B5EF4-FFF2-40B4-BE49-F238E27FC236}">
-                <a16:creationId xmlns:a16="http://schemas.microsoft.com/office/drawing/2014/main" id="{6F6FF2F3-4CFE-49CA-BEB9-4E7DF3294EDA}"/>
-              </a:ext>
-            </a:extLst>
-          </p:cNvPr>
-          <p:cNvGrpSpPr/>
-          <p:nvPr/>
-        </p:nvGrpSpPr>
-        <p:grpSpPr>
-          <a:xfrm>
-            <a:off x="5453581" y="4045074"/>
-            <a:ext cx="1273400" cy="942739"/>
-            <a:chOff x="9860149" y="4892983"/>
-            <a:chExt cx="1697867" cy="1256985"/>
-          </a:xfrm>
-        </p:grpSpPr>
-        <p:pic>
-          <p:nvPicPr>
-            <p:cNvPr id="18" name="Imagem 17">
-              <a:hlinkClick r:id="rId6"/>
-              <a:extLst>
-                <a:ext uri="{FF2B5EF4-FFF2-40B4-BE49-F238E27FC236}">
-                  <a16:creationId xmlns:a16="http://schemas.microsoft.com/office/drawing/2014/main" id="{DD1EDFAA-1AD0-402E-914C-3CAB62F7DD57}"/>
-                </a:ext>
-              </a:extLst>
-            </p:cNvPr>
-            <p:cNvPicPr>
-              <a:picLocks noChangeAspect="1"/>
-            </p:cNvPicPr>
-            <p:nvPr/>
-          </p:nvPicPr>
-          <p:blipFill>
-            <a:blip r:embed="rId7"/>
-            <a:stretch>
-              <a:fillRect/>
-            </a:stretch>
-          </p:blipFill>
-          <p:spPr>
-            <a:xfrm>
-              <a:off x="9860149" y="4892983"/>
-              <a:ext cx="1606530" cy="966641"/>
-            </a:xfrm>
-            <a:prstGeom prst="rect">
-              <a:avLst/>
-            </a:prstGeom>
-          </p:spPr>
-        </p:pic>
-        <p:sp>
-          <p:nvSpPr>
-            <p:cNvPr id="19" name="Retângulo 18">
-              <a:extLst>
-                <a:ext uri="{FF2B5EF4-FFF2-40B4-BE49-F238E27FC236}">
-                  <a16:creationId xmlns:a16="http://schemas.microsoft.com/office/drawing/2014/main" id="{D1F7E0F7-3D66-4F08-9B6D-1D1EEFB9BC51}"/>
-                </a:ext>
-              </a:extLst>
-            </p:cNvPr>
-            <p:cNvSpPr/>
-            <p:nvPr/>
-          </p:nvSpPr>
-          <p:spPr>
-            <a:xfrm>
-              <a:off x="9860149" y="5733288"/>
-              <a:ext cx="1697867" cy="416680"/>
-            </a:xfrm>
-            <a:prstGeom prst="rect">
-              <a:avLst/>
-            </a:prstGeom>
-            <a:solidFill>
-              <a:schemeClr val="bg1"/>
-            </a:solidFill>
-            <a:ln>
-              <a:solidFill>
-                <a:schemeClr val="bg1"/>
-              </a:solidFill>
-            </a:ln>
-          </p:spPr>
-          <p:style>
-            <a:lnRef idx="2">
-              <a:schemeClr val="accent1">
-                <a:shade val="50000"/>
-              </a:schemeClr>
-            </a:lnRef>
-            <a:fillRef idx="1">
-              <a:schemeClr val="accent1"/>
-            </a:fillRef>
-            <a:effectRef idx="0">
-              <a:schemeClr val="accent1"/>
-            </a:effectRef>
-            <a:fontRef idx="minor">
-              <a:schemeClr val="lt1"/>
-            </a:fontRef>
-          </p:style>
-          <p:txBody>
-            <a:bodyPr rtlCol="0" anchor="ctr"/>
-            <a:lstStyle/>
-            <a:p>
-              <a:pPr algn="ctr"/>
-              <a:endParaRPr lang="pt-PT" sz="1350"/>
-            </a:p>
-          </p:txBody>
-        </p:sp>
-      </p:grpSp>
-      <p:sp>
-        <p:nvSpPr>
-          <p:cNvPr id="21" name="CaixaDeTexto 20">
-            <a:extLst>
-              <a:ext uri="{FF2B5EF4-FFF2-40B4-BE49-F238E27FC236}">
-                <a16:creationId xmlns:a16="http://schemas.microsoft.com/office/drawing/2014/main" id="{9D9EC7AD-44E0-43FE-BC8C-DE65ABF2B9F8}"/>
-              </a:ext>
-            </a:extLst>
-          </p:cNvPr>
-          <p:cNvSpPr txBox="1"/>
-          <p:nvPr/>
-        </p:nvSpPr>
-        <p:spPr>
-          <a:xfrm>
-            <a:off x="475488" y="3700684"/>
-            <a:ext cx="4258818" cy="369332"/>
-          </a:xfrm>
-          <a:prstGeom prst="rect">
-            <a:avLst/>
-          </a:prstGeom>
-          <a:noFill/>
-        </p:spPr>
-        <p:txBody>
-          <a:bodyPr wrap="square" rtlCol="0">
-            <a:spAutoFit/>
-          </a:bodyPr>
-          <a:lstStyle/>
-          <a:p>
-            <a:r>
-              <a:rPr lang="pt-PT" dirty="0"/>
-              <a:t>Nem 2 meses depois….</a:t>
-            </a:r>
-          </a:p>
-        </p:txBody>
-      </p:sp>
-      <p:sp>
-        <p:nvSpPr>
-          <p:cNvPr id="3" name="CaixaDeTexto 2">
-            <a:extLst>
-              <a:ext uri="{FF2B5EF4-FFF2-40B4-BE49-F238E27FC236}">
-                <a16:creationId xmlns:a16="http://schemas.microsoft.com/office/drawing/2014/main" id="{4AC07EAE-5AA8-44E8-8095-48E86F751F49}"/>
-              </a:ext>
-            </a:extLst>
-          </p:cNvPr>
-          <p:cNvSpPr txBox="1"/>
-          <p:nvPr/>
-        </p:nvSpPr>
-        <p:spPr>
-          <a:xfrm>
-            <a:off x="5380512" y="3036667"/>
-            <a:ext cx="1273400" cy="715581"/>
-          </a:xfrm>
-          <a:prstGeom prst="rect">
-            <a:avLst/>
-          </a:prstGeom>
-          <a:noFill/>
-        </p:spPr>
-        <p:txBody>
-          <a:bodyPr wrap="square" rtlCol="0">
-            <a:spAutoFit/>
-          </a:bodyPr>
-          <a:lstStyle/>
-          <a:p>
-            <a:pPr algn="ctr"/>
-            <a:r>
-              <a:rPr lang="pt-PT" sz="1350" dirty="0"/>
-              <a:t>23 de Setembro</a:t>
-            </a:r>
-          </a:p>
-          <a:p>
-            <a:pPr algn="ctr"/>
-            <a:r>
-              <a:rPr lang="pt-PT" sz="1350" dirty="0"/>
-              <a:t>2018</a:t>
-            </a:r>
-          </a:p>
-        </p:txBody>
-      </p:sp>
-      <p:sp>
-        <p:nvSpPr>
-          <p:cNvPr id="22" name="CaixaDeTexto 21">
-            <a:extLst>
-              <a:ext uri="{FF2B5EF4-FFF2-40B4-BE49-F238E27FC236}">
-                <a16:creationId xmlns:a16="http://schemas.microsoft.com/office/drawing/2014/main" id="{9C062406-97A5-45A1-8AF7-000DFD79C247}"/>
-              </a:ext>
-            </a:extLst>
-          </p:cNvPr>
-          <p:cNvSpPr txBox="1"/>
-          <p:nvPr/>
-        </p:nvSpPr>
-        <p:spPr>
-          <a:xfrm>
-            <a:off x="5380512" y="4664491"/>
-            <a:ext cx="1454368" cy="507831"/>
-          </a:xfrm>
-          <a:prstGeom prst="rect">
-            <a:avLst/>
-          </a:prstGeom>
-          <a:noFill/>
-        </p:spPr>
-        <p:txBody>
-          <a:bodyPr wrap="square" rtlCol="0">
-            <a:spAutoFit/>
-          </a:bodyPr>
-          <a:lstStyle/>
-          <a:p>
-            <a:pPr algn="ctr"/>
-            <a:r>
-              <a:rPr lang="pt-PT" sz="1350" dirty="0"/>
-              <a:t>07 de Novembro</a:t>
-            </a:r>
-          </a:p>
-          <a:p>
-            <a:pPr algn="ctr"/>
-            <a:r>
-              <a:rPr lang="pt-PT" sz="1350" dirty="0"/>
-              <a:t>2018</a:t>
-            </a:r>
-          </a:p>
-        </p:txBody>
-      </p:sp>
-      <p:pic>
-        <p:nvPicPr>
-          <p:cNvPr id="9" name="Marcador de Posição de Conteúdo 8">
-            <a:extLst>
-              <a:ext uri="{FF2B5EF4-FFF2-40B4-BE49-F238E27FC236}">
-                <a16:creationId xmlns:a16="http://schemas.microsoft.com/office/drawing/2014/main" id="{22FD231C-FD7C-4BB1-8F4D-9D4DABCAF917}"/>
-              </a:ext>
-            </a:extLst>
-          </p:cNvPr>
-          <p:cNvPicPr>
-            <a:picLocks noGrp="1" noChangeAspect="1"/>
-          </p:cNvPicPr>
-          <p:nvPr>
-            <p:ph idx="1"/>
-          </p:nvPr>
-        </p:nvPicPr>
-        <p:blipFill>
-          <a:blip r:embed="rId8">
-            <a:extLst>
-              <a:ext uri="{28A0092B-C50C-407E-A947-70E740481C1C}">
-                <a14:useLocalDpi xmlns:a14="http://schemas.microsoft.com/office/drawing/2010/main" val="0"/>
-              </a:ext>
-            </a:extLst>
-          </a:blip>
-          <a:stretch>
-            <a:fillRect/>
-          </a:stretch>
-        </p:blipFill>
-        <p:spPr>
-          <a:xfrm flipH="1">
-            <a:off x="7517492" y="138097"/>
-            <a:ext cx="5751929" cy="1845193"/>
-          </a:xfrm>
-        </p:spPr>
-      </p:pic>
-      <p:sp>
-        <p:nvSpPr>
-          <p:cNvPr id="6" name="Marcador de Posição do Número do Diapositivo 5">
-            <a:extLst>
-              <a:ext uri="{FF2B5EF4-FFF2-40B4-BE49-F238E27FC236}">
-                <a16:creationId xmlns:a16="http://schemas.microsoft.com/office/drawing/2014/main" id="{0DD8C088-F379-4159-9966-93A3D74075F3}"/>
-              </a:ext>
-            </a:extLst>
-          </p:cNvPr>
-          <p:cNvSpPr>
-            <a:spLocks noGrp="1"/>
-          </p:cNvSpPr>
-          <p:nvPr>
-            <p:ph type="sldNum" sz="quarter" idx="12"/>
-          </p:nvPr>
-        </p:nvSpPr>
-        <p:spPr/>
-        <p:txBody>
-          <a:bodyPr/>
-          <a:lstStyle/>
-          <a:p>
-            <a:fld id="{A207AFEE-14BA-463E-8F7F-68058916CB0C}" type="slidenum">
-              <a:rPr lang="pt-PT" smtClean="0"/>
-              <a:t>3</a:t>
-            </a:fld>
-            <a:endParaRPr lang="pt-PT"/>
-          </a:p>
-        </p:txBody>
-      </p:sp>
-    </p:spTree>
-    <p:extLst>
-      <p:ext uri="{BB962C8B-B14F-4D97-AF65-F5344CB8AC3E}">
-        <p14:creationId xmlns:p14="http://schemas.microsoft.com/office/powerpoint/2010/main" val="422608521"/>
-      </p:ext>
-    </p:extLst>
-  </p:cSld>
-  <p:clrMapOvr>
-    <a:masterClrMapping/>
-  </p:clrMapOvr>
-  <p:timing>
-    <p:tnLst>
-      <p:par>
-        <p:cTn id="1" dur="indefinite" restart="never" nodeType="tmRoot">
-          <p:childTnLst>
-            <p:seq concurrent="1" nextAc="seek">
-              <p:cTn id="2" dur="indefinite" nodeType="mainSeq">
-                <p:childTnLst>
-                  <p:par>
-                    <p:cTn id="3" fill="hold">
-                      <p:stCondLst>
-                        <p:cond delay="indefinite"/>
-                        <p:cond evt="onBegin" delay="0">
-                          <p:tn val="2"/>
-                        </p:cond>
-                      </p:stCondLst>
-                      <p:childTnLst>
-                        <p:par>
-                          <p:cTn id="4" fill="hold">
-                            <p:stCondLst>
-                              <p:cond delay="0"/>
-                            </p:stCondLst>
-                            <p:childTnLst>
-                              <p:par>
-                                <p:cTn id="5" presetID="2" presetClass="entr" presetSubtype="2" fill="hold" nodeType="withEffect">
-                                  <p:stCondLst>
-                                    <p:cond delay="0"/>
-                                  </p:stCondLst>
-                                  <p:childTnLst>
-                                    <p:set>
-                                      <p:cBhvr>
-                                        <p:cTn id="6" dur="1" fill="hold">
-                                          <p:stCondLst>
-                                            <p:cond delay="0"/>
-                                          </p:stCondLst>
-                                        </p:cTn>
-                                        <p:tgtEl>
-                                          <p:spTgt spid="9"/>
-                                        </p:tgtEl>
-                                        <p:attrNameLst>
-                                          <p:attrName>style.visibility</p:attrName>
-                                        </p:attrNameLst>
-                                      </p:cBhvr>
-                                      <p:to>
-                                        <p:strVal val="visible"/>
-                                      </p:to>
-                                    </p:set>
-                                    <p:anim calcmode="lin" valueType="num">
-                                      <p:cBhvr additive="base">
-                                        <p:cTn id="7" dur="250" fill="hold"/>
-                                        <p:tgtEl>
-                                          <p:spTgt spid="9"/>
-                                        </p:tgtEl>
-                                        <p:attrNameLst>
-                                          <p:attrName>ppt_x</p:attrName>
-                                        </p:attrNameLst>
-                                      </p:cBhvr>
-                                      <p:tavLst>
-                                        <p:tav tm="0">
-                                          <p:val>
-                                            <p:strVal val="1+#ppt_w/2"/>
-                                          </p:val>
-                                        </p:tav>
-                                        <p:tav tm="100000">
-                                          <p:val>
-                                            <p:strVal val="#ppt_x"/>
-                                          </p:val>
-                                        </p:tav>
-                                      </p:tavLst>
-                                    </p:anim>
-                                    <p:anim calcmode="lin" valueType="num">
-                                      <p:cBhvr additive="base">
-                                        <p:cTn id="8" dur="250" fill="hold"/>
-                                        <p:tgtEl>
-                                          <p:spTgt spid="9"/>
-                                        </p:tgtEl>
-                                        <p:attrNameLst>
-                                          <p:attrName>ppt_y</p:attrName>
-                                        </p:attrNameLst>
-                                      </p:cBhvr>
-                                      <p:tavLst>
-                                        <p:tav tm="0">
-                                          <p:val>
-                                            <p:strVal val="#ppt_y"/>
-                                          </p:val>
-                                        </p:tav>
-                                        <p:tav tm="100000">
-                                          <p:val>
-                                            <p:strVal val="#ppt_y"/>
-                                          </p:val>
-                                        </p:tav>
-                                      </p:tavLst>
-                                    </p:anim>
-                                  </p:childTnLst>
-                                </p:cTn>
-                              </p:par>
-                              <p:par>
-                                <p:cTn id="9" presetID="2" presetClass="entr" presetSubtype="2" fill="hold" grpId="0" nodeType="withEffect">
-                                  <p:stCondLst>
-                                    <p:cond delay="0"/>
-                                  </p:stCondLst>
-                                  <p:childTnLst>
-                                    <p:set>
-                                      <p:cBhvr>
-                                        <p:cTn id="10" dur="1" fill="hold">
-                                          <p:stCondLst>
-                                            <p:cond delay="0"/>
-                                          </p:stCondLst>
-                                        </p:cTn>
-                                        <p:tgtEl>
-                                          <p:spTgt spid="2"/>
-                                        </p:tgtEl>
-                                        <p:attrNameLst>
-                                          <p:attrName>style.visibility</p:attrName>
-                                        </p:attrNameLst>
-                                      </p:cBhvr>
-                                      <p:to>
-                                        <p:strVal val="visible"/>
-                                      </p:to>
-                                    </p:set>
-                                    <p:anim calcmode="lin" valueType="num">
-                                      <p:cBhvr additive="base">
-                                        <p:cTn id="11" dur="250" fill="hold"/>
-                                        <p:tgtEl>
-                                          <p:spTgt spid="2"/>
-                                        </p:tgtEl>
-                                        <p:attrNameLst>
-                                          <p:attrName>ppt_x</p:attrName>
-                                        </p:attrNameLst>
-                                      </p:cBhvr>
-                                      <p:tavLst>
-                                        <p:tav tm="0">
-                                          <p:val>
-                                            <p:strVal val="1+#ppt_w/2"/>
-                                          </p:val>
-                                        </p:tav>
-                                        <p:tav tm="100000">
-                                          <p:val>
-                                            <p:strVal val="#ppt_x"/>
-                                          </p:val>
-                                        </p:tav>
-                                      </p:tavLst>
-                                    </p:anim>
-                                    <p:anim calcmode="lin" valueType="num">
-                                      <p:cBhvr additive="base">
-                                        <p:cTn id="12" dur="250" fill="hold"/>
-                                        <p:tgtEl>
-                                          <p:spTgt spid="2"/>
-                                        </p:tgtEl>
-                                        <p:attrNameLst>
-                                          <p:attrName>ppt_y</p:attrName>
-                                        </p:attrNameLst>
-                                      </p:cBhvr>
-                                      <p:tavLst>
-                                        <p:tav tm="0">
-                                          <p:val>
-                                            <p:strVal val="#ppt_y"/>
-                                          </p:val>
-                                        </p:tav>
-                                        <p:tav tm="100000">
-                                          <p:val>
-                                            <p:strVal val="#ppt_y"/>
-                                          </p:val>
-                                        </p:tav>
-                                      </p:tavLst>
-                                    </p:anim>
-                                  </p:childTnLst>
-                                </p:cTn>
-                              </p:par>
-                              <p:par>
-                                <p:cTn id="13" presetID="2" presetClass="entr" presetSubtype="8" fill="hold" grpId="0" nodeType="withEffect">
-                                  <p:stCondLst>
-                                    <p:cond delay="0"/>
-                                  </p:stCondLst>
-                                  <p:childTnLst>
-                                    <p:set>
-                                      <p:cBhvr>
-                                        <p:cTn id="14" dur="1" fill="hold">
-                                          <p:stCondLst>
-                                            <p:cond delay="0"/>
-                                          </p:stCondLst>
-                                        </p:cTn>
-                                        <p:tgtEl>
-                                          <p:spTgt spid="4"/>
-                                        </p:tgtEl>
-                                        <p:attrNameLst>
-                                          <p:attrName>style.visibility</p:attrName>
-                                        </p:attrNameLst>
-                                      </p:cBhvr>
-                                      <p:to>
-                                        <p:strVal val="visible"/>
-                                      </p:to>
-                                    </p:set>
-                                    <p:anim calcmode="lin" valueType="num">
-                                      <p:cBhvr additive="base">
-                                        <p:cTn id="15" dur="500" fill="hold"/>
-                                        <p:tgtEl>
-                                          <p:spTgt spid="4"/>
-                                        </p:tgtEl>
-                                        <p:attrNameLst>
-                                          <p:attrName>ppt_x</p:attrName>
-                                        </p:attrNameLst>
-                                      </p:cBhvr>
-                                      <p:tavLst>
-                                        <p:tav tm="0">
-                                          <p:val>
-                                            <p:strVal val="0-#ppt_w/2"/>
-                                          </p:val>
-                                        </p:tav>
-                                        <p:tav tm="100000">
-                                          <p:val>
-                                            <p:strVal val="#ppt_x"/>
-                                          </p:val>
-                                        </p:tav>
-                                      </p:tavLst>
-                                    </p:anim>
-                                    <p:anim calcmode="lin" valueType="num">
-                                      <p:cBhvr additive="base">
-                                        <p:cTn id="16" dur="500" fill="hold"/>
-                                        <p:tgtEl>
-                                          <p:spTgt spid="4"/>
-                                        </p:tgtEl>
-                                        <p:attrNameLst>
-                                          <p:attrName>ppt_y</p:attrName>
-                                        </p:attrNameLst>
-                                      </p:cBhvr>
-                                      <p:tavLst>
-                                        <p:tav tm="0">
-                                          <p:val>
-                                            <p:strVal val="#ppt_y"/>
-                                          </p:val>
-                                        </p:tav>
-                                        <p:tav tm="100000">
-                                          <p:val>
-                                            <p:strVal val="#ppt_y"/>
-                                          </p:val>
-                                        </p:tav>
-                                      </p:tavLst>
-                                    </p:anim>
-                                  </p:childTnLst>
-                                </p:cTn>
-                              </p:par>
-                              <p:par>
-                                <p:cTn id="17" presetID="2" presetClass="entr" presetSubtype="4" fill="hold" nodeType="withEffect">
-                                  <p:stCondLst>
-                                    <p:cond delay="0"/>
-                                  </p:stCondLst>
-                                  <p:childTnLst>
-                                    <p:set>
-                                      <p:cBhvr>
-                                        <p:cTn id="18" dur="1" fill="hold">
-                                          <p:stCondLst>
-                                            <p:cond delay="0"/>
-                                          </p:stCondLst>
-                                        </p:cTn>
-                                        <p:tgtEl>
-                                          <p:spTgt spid="14"/>
-                                        </p:tgtEl>
-                                        <p:attrNameLst>
-                                          <p:attrName>style.visibility</p:attrName>
-                                        </p:attrNameLst>
-                                      </p:cBhvr>
-                                      <p:to>
-                                        <p:strVal val="visible"/>
-                                      </p:to>
-                                    </p:set>
-                                    <p:anim calcmode="lin" valueType="num">
-                                      <p:cBhvr additive="base">
-                                        <p:cTn id="19" dur="500" fill="hold"/>
-                                        <p:tgtEl>
-                                          <p:spTgt spid="14"/>
-                                        </p:tgtEl>
-                                        <p:attrNameLst>
-                                          <p:attrName>ppt_x</p:attrName>
-                                        </p:attrNameLst>
-                                      </p:cBhvr>
-                                      <p:tavLst>
-                                        <p:tav tm="0">
-                                          <p:val>
-                                            <p:strVal val="#ppt_x"/>
-                                          </p:val>
-                                        </p:tav>
-                                        <p:tav tm="100000">
-                                          <p:val>
-                                            <p:strVal val="#ppt_x"/>
-                                          </p:val>
-                                        </p:tav>
-                                      </p:tavLst>
-                                    </p:anim>
-                                    <p:anim calcmode="lin" valueType="num">
-                                      <p:cBhvr additive="base">
-                                        <p:cTn id="20" dur="500" fill="hold"/>
-                                        <p:tgtEl>
-                                          <p:spTgt spid="14"/>
-                                        </p:tgtEl>
-                                        <p:attrNameLst>
-                                          <p:attrName>ppt_y</p:attrName>
-                                        </p:attrNameLst>
-                                      </p:cBhvr>
-                                      <p:tavLst>
-                                        <p:tav tm="0">
-                                          <p:val>
-                                            <p:strVal val="1+#ppt_h/2"/>
-                                          </p:val>
-                                        </p:tav>
-                                        <p:tav tm="100000">
-                                          <p:val>
-                                            <p:strVal val="#ppt_y"/>
-                                          </p:val>
-                                        </p:tav>
-                                      </p:tavLst>
-                                    </p:anim>
-                                  </p:childTnLst>
-                                </p:cTn>
-                              </p:par>
-                              <p:par>
-                                <p:cTn id="21" presetID="2" presetClass="entr" presetSubtype="4" fill="hold" nodeType="withEffect">
-                                  <p:stCondLst>
-                                    <p:cond delay="0"/>
-                                  </p:stCondLst>
-                                  <p:childTnLst>
-                                    <p:set>
-                                      <p:cBhvr>
-                                        <p:cTn id="22" dur="1" fill="hold">
-                                          <p:stCondLst>
-                                            <p:cond delay="0"/>
-                                          </p:stCondLst>
-                                        </p:cTn>
-                                        <p:tgtEl>
-                                          <p:spTgt spid="17"/>
-                                        </p:tgtEl>
-                                        <p:attrNameLst>
-                                          <p:attrName>style.visibility</p:attrName>
-                                        </p:attrNameLst>
-                                      </p:cBhvr>
-                                      <p:to>
-                                        <p:strVal val="visible"/>
-                                      </p:to>
-                                    </p:set>
-                                    <p:anim calcmode="lin" valueType="num">
-                                      <p:cBhvr additive="base">
-                                        <p:cTn id="23" dur="500" fill="hold"/>
-                                        <p:tgtEl>
-                                          <p:spTgt spid="17"/>
-                                        </p:tgtEl>
-                                        <p:attrNameLst>
-                                          <p:attrName>ppt_x</p:attrName>
-                                        </p:attrNameLst>
-                                      </p:cBhvr>
-                                      <p:tavLst>
-                                        <p:tav tm="0">
-                                          <p:val>
-                                            <p:strVal val="#ppt_x"/>
-                                          </p:val>
-                                        </p:tav>
-                                        <p:tav tm="100000">
-                                          <p:val>
-                                            <p:strVal val="#ppt_x"/>
-                                          </p:val>
-                                        </p:tav>
-                                      </p:tavLst>
-                                    </p:anim>
-                                    <p:anim calcmode="lin" valueType="num">
-                                      <p:cBhvr additive="base">
-                                        <p:cTn id="24" dur="500" fill="hold"/>
-                                        <p:tgtEl>
-                                          <p:spTgt spid="17"/>
-                                        </p:tgtEl>
-                                        <p:attrNameLst>
-                                          <p:attrName>ppt_y</p:attrName>
-                                        </p:attrNameLst>
-                                      </p:cBhvr>
-                                      <p:tavLst>
-                                        <p:tav tm="0">
-                                          <p:val>
-                                            <p:strVal val="1+#ppt_h/2"/>
-                                          </p:val>
-                                        </p:tav>
-                                        <p:tav tm="100000">
-                                          <p:val>
-                                            <p:strVal val="#ppt_y"/>
-                                          </p:val>
-                                        </p:tav>
-                                      </p:tavLst>
-                                    </p:anim>
-                                  </p:childTnLst>
-                                </p:cTn>
-                              </p:par>
-                            </p:childTnLst>
-                          </p:cTn>
-                        </p:par>
-                        <p:par>
-                          <p:cTn id="25" fill="hold">
-                            <p:stCondLst>
-                              <p:cond delay="500"/>
-                            </p:stCondLst>
-                            <p:childTnLst>
-                              <p:par>
-                                <p:cTn id="26" presetID="10" presetClass="entr" presetSubtype="0" fill="hold" grpId="0" nodeType="afterEffect">
-                                  <p:stCondLst>
-                                    <p:cond delay="0"/>
-                                  </p:stCondLst>
-                                  <p:childTnLst>
-                                    <p:set>
-                                      <p:cBhvr>
-                                        <p:cTn id="27" dur="1" fill="hold">
-                                          <p:stCondLst>
-                                            <p:cond delay="0"/>
-                                          </p:stCondLst>
-                                        </p:cTn>
-                                        <p:tgtEl>
-                                          <p:spTgt spid="3"/>
-                                        </p:tgtEl>
-                                        <p:attrNameLst>
-                                          <p:attrName>style.visibility</p:attrName>
-                                        </p:attrNameLst>
-                                      </p:cBhvr>
-                                      <p:to>
-                                        <p:strVal val="visible"/>
-                                      </p:to>
-                                    </p:set>
-                                    <p:animEffect transition="in" filter="fade">
-                                      <p:cBhvr>
-                                        <p:cTn id="28" dur="500"/>
-                                        <p:tgtEl>
-                                          <p:spTgt spid="3"/>
-                                        </p:tgtEl>
-                                      </p:cBhvr>
-                                    </p:animEffect>
-                                  </p:childTnLst>
-                                </p:cTn>
-                              </p:par>
-                            </p:childTnLst>
-                          </p:cTn>
-                        </p:par>
-                      </p:childTnLst>
-                    </p:cTn>
-                  </p:par>
-                  <p:par>
-                    <p:cTn id="29" fill="hold">
-                      <p:stCondLst>
-                        <p:cond delay="indefinite"/>
-                      </p:stCondLst>
-                      <p:childTnLst>
-                        <p:par>
-                          <p:cTn id="30" fill="hold">
-                            <p:stCondLst>
-                              <p:cond delay="0"/>
-                            </p:stCondLst>
-                            <p:childTnLst>
-                              <p:par>
-                                <p:cTn id="31" presetID="16" presetClass="entr" presetSubtype="21" fill="hold" grpId="0" nodeType="clickEffect">
-                                  <p:stCondLst>
-                                    <p:cond delay="0"/>
-                                  </p:stCondLst>
-                                  <p:childTnLst>
-                                    <p:set>
-                                      <p:cBhvr>
-                                        <p:cTn id="32" dur="1" fill="hold">
-                                          <p:stCondLst>
-                                            <p:cond delay="0"/>
-                                          </p:stCondLst>
-                                        </p:cTn>
-                                        <p:tgtEl>
-                                          <p:spTgt spid="21"/>
-                                        </p:tgtEl>
-                                        <p:attrNameLst>
-                                          <p:attrName>style.visibility</p:attrName>
-                                        </p:attrNameLst>
-                                      </p:cBhvr>
-                                      <p:to>
-                                        <p:strVal val="visible"/>
-                                      </p:to>
-                                    </p:set>
-                                    <p:animEffect transition="in" filter="barn(inVertical)">
-                                      <p:cBhvr>
-                                        <p:cTn id="33" dur="500"/>
-                                        <p:tgtEl>
-                                          <p:spTgt spid="21"/>
-                                        </p:tgtEl>
-                                      </p:cBhvr>
-                                    </p:animEffect>
-                                  </p:childTnLst>
-                                </p:cTn>
-                              </p:par>
-                            </p:childTnLst>
-                          </p:cTn>
-                        </p:par>
-                        <p:par>
-                          <p:cTn id="34" fill="hold">
-                            <p:stCondLst>
-                              <p:cond delay="500"/>
-                            </p:stCondLst>
-                            <p:childTnLst>
-                              <p:par>
-                                <p:cTn id="35" presetID="2" presetClass="entr" presetSubtype="4" fill="hold" nodeType="afterEffect">
-                                  <p:stCondLst>
-                                    <p:cond delay="0"/>
-                                  </p:stCondLst>
-                                  <p:childTnLst>
-                                    <p:set>
-                                      <p:cBhvr>
-                                        <p:cTn id="36" dur="1" fill="hold">
-                                          <p:stCondLst>
-                                            <p:cond delay="0"/>
-                                          </p:stCondLst>
-                                        </p:cTn>
-                                        <p:tgtEl>
-                                          <p:spTgt spid="16"/>
-                                        </p:tgtEl>
-                                        <p:attrNameLst>
-                                          <p:attrName>style.visibility</p:attrName>
-                                        </p:attrNameLst>
-                                      </p:cBhvr>
-                                      <p:to>
-                                        <p:strVal val="visible"/>
-                                      </p:to>
-                                    </p:set>
-                                    <p:anim calcmode="lin" valueType="num">
-                                      <p:cBhvr additive="base">
-                                        <p:cTn id="37" dur="500" fill="hold"/>
-                                        <p:tgtEl>
-                                          <p:spTgt spid="16"/>
-                                        </p:tgtEl>
-                                        <p:attrNameLst>
-                                          <p:attrName>ppt_x</p:attrName>
-                                        </p:attrNameLst>
-                                      </p:cBhvr>
-                                      <p:tavLst>
-                                        <p:tav tm="0">
-                                          <p:val>
-                                            <p:strVal val="#ppt_x"/>
-                                          </p:val>
-                                        </p:tav>
-                                        <p:tav tm="100000">
-                                          <p:val>
-                                            <p:strVal val="#ppt_x"/>
-                                          </p:val>
-                                        </p:tav>
-                                      </p:tavLst>
-                                    </p:anim>
-                                    <p:anim calcmode="lin" valueType="num">
-                                      <p:cBhvr additive="base">
-                                        <p:cTn id="38" dur="500" fill="hold"/>
-                                        <p:tgtEl>
-                                          <p:spTgt spid="16"/>
-                                        </p:tgtEl>
-                                        <p:attrNameLst>
-                                          <p:attrName>ppt_y</p:attrName>
-                                        </p:attrNameLst>
-                                      </p:cBhvr>
-                                      <p:tavLst>
-                                        <p:tav tm="0">
-                                          <p:val>
-                                            <p:strVal val="1+#ppt_h/2"/>
-                                          </p:val>
-                                        </p:tav>
-                                        <p:tav tm="100000">
-                                          <p:val>
-                                            <p:strVal val="#ppt_y"/>
-                                          </p:val>
-                                        </p:tav>
-                                      </p:tavLst>
-                                    </p:anim>
-                                  </p:childTnLst>
-                                </p:cTn>
-                              </p:par>
-                              <p:par>
-                                <p:cTn id="39" presetID="2" presetClass="entr" presetSubtype="4" fill="hold" nodeType="withEffect">
-                                  <p:stCondLst>
-                                    <p:cond delay="0"/>
-                                  </p:stCondLst>
-                                  <p:childTnLst>
-                                    <p:set>
-                                      <p:cBhvr>
-                                        <p:cTn id="40" dur="1" fill="hold">
-                                          <p:stCondLst>
-                                            <p:cond delay="0"/>
-                                          </p:stCondLst>
-                                        </p:cTn>
-                                        <p:tgtEl>
-                                          <p:spTgt spid="20"/>
-                                        </p:tgtEl>
-                                        <p:attrNameLst>
-                                          <p:attrName>style.visibility</p:attrName>
-                                        </p:attrNameLst>
-                                      </p:cBhvr>
-                                      <p:to>
-                                        <p:strVal val="visible"/>
-                                      </p:to>
-                                    </p:set>
-                                    <p:anim calcmode="lin" valueType="num">
-                                      <p:cBhvr additive="base">
-                                        <p:cTn id="41" dur="500" fill="hold"/>
-                                        <p:tgtEl>
-                                          <p:spTgt spid="20"/>
-                                        </p:tgtEl>
-                                        <p:attrNameLst>
-                                          <p:attrName>ppt_x</p:attrName>
-                                        </p:attrNameLst>
-                                      </p:cBhvr>
-                                      <p:tavLst>
-                                        <p:tav tm="0">
-                                          <p:val>
-                                            <p:strVal val="#ppt_x"/>
-                                          </p:val>
-                                        </p:tav>
-                                        <p:tav tm="100000">
-                                          <p:val>
-                                            <p:strVal val="#ppt_x"/>
-                                          </p:val>
-                                        </p:tav>
-                                      </p:tavLst>
-                                    </p:anim>
-                                    <p:anim calcmode="lin" valueType="num">
-                                      <p:cBhvr additive="base">
-                                        <p:cTn id="42" dur="500" fill="hold"/>
-                                        <p:tgtEl>
-                                          <p:spTgt spid="20"/>
-                                        </p:tgtEl>
-                                        <p:attrNameLst>
-                                          <p:attrName>ppt_y</p:attrName>
-                                        </p:attrNameLst>
-                                      </p:cBhvr>
-                                      <p:tavLst>
-                                        <p:tav tm="0">
-                                          <p:val>
-                                            <p:strVal val="1+#ppt_h/2"/>
-                                          </p:val>
-                                        </p:tav>
-                                        <p:tav tm="100000">
-                                          <p:val>
-                                            <p:strVal val="#ppt_y"/>
-                                          </p:val>
-                                        </p:tav>
-                                      </p:tavLst>
-                                    </p:anim>
-                                  </p:childTnLst>
-                                </p:cTn>
-                              </p:par>
-                            </p:childTnLst>
-                          </p:cTn>
-                        </p:par>
-                        <p:par>
-                          <p:cTn id="43" fill="hold">
-                            <p:stCondLst>
-                              <p:cond delay="1000"/>
-                            </p:stCondLst>
-                            <p:childTnLst>
-                              <p:par>
-                                <p:cTn id="44" presetID="10" presetClass="entr" presetSubtype="0" fill="hold" grpId="0" nodeType="afterEffect">
-                                  <p:stCondLst>
-                                    <p:cond delay="0"/>
-                                  </p:stCondLst>
-                                  <p:childTnLst>
-                                    <p:set>
-                                      <p:cBhvr>
-                                        <p:cTn id="45" dur="1" fill="hold">
-                                          <p:stCondLst>
-                                            <p:cond delay="0"/>
-                                          </p:stCondLst>
-                                        </p:cTn>
-                                        <p:tgtEl>
-                                          <p:spTgt spid="22"/>
-                                        </p:tgtEl>
-                                        <p:attrNameLst>
-                                          <p:attrName>style.visibility</p:attrName>
-                                        </p:attrNameLst>
-                                      </p:cBhvr>
-                                      <p:to>
-                                        <p:strVal val="visible"/>
-                                      </p:to>
-                                    </p:set>
-                                    <p:animEffect transition="in" filter="fade">
-                                      <p:cBhvr>
-                                        <p:cTn id="46" dur="500"/>
-                                        <p:tgtEl>
-                                          <p:spTgt spid="22"/>
-                                        </p:tgtEl>
-                                      </p:cBhvr>
-                                    </p:animEffect>
-                                  </p:childTnLst>
-                                </p:cTn>
-                              </p:par>
-                            </p:childTnLst>
-                          </p:cTn>
-                        </p:par>
-                      </p:childTnLst>
-                    </p:cTn>
-                  </p:par>
-                </p:childTnLst>
-              </p:cTn>
-              <p:prevCondLst>
-                <p:cond evt="onPrev" delay="0">
-                  <p:tgtEl>
-                    <p:sldTgt/>
-                  </p:tgtEl>
-                </p:cond>
-              </p:prevCondLst>
-              <p:nextCondLst>
-                <p:cond evt="onNext" delay="0">
-                  <p:tgtEl>
-                    <p:sldTgt/>
-                  </p:tgtEl>
-                </p:cond>
-              </p:nextCondLst>
-            </p:seq>
-          </p:childTnLst>
-        </p:cTn>
-      </p:par>
-    </p:tnLst>
-    <p:bldLst>
-      <p:bldP spid="2" grpId="0"/>
-      <p:bldP spid="4" grpId="0" animBg="1"/>
-      <p:bldP spid="21" grpId="0"/>
-      <p:bldP spid="3" grpId="0"/>
-      <p:bldP spid="22" grpId="0"/>
-    </p:bldLst>
-  </p:timing>
-</p:sld>
-</file>
-
-<file path=ppt/slides/slide4.xml><?xml version="1.0" encoding="utf-8"?>
-<p:sld xmlns:a="http://schemas.openxmlformats.org/drawingml/2006/main" xmlns:r="http://schemas.openxmlformats.org/officeDocument/2006/relationships" xmlns:p="http://schemas.openxmlformats.org/presentationml/2006/main">
-  <p:cSld>
-    <p:spTree>
-      <p:nvGrpSpPr>
-        <p:cNvPr id="1" name=""/>
-        <p:cNvGrpSpPr/>
-        <p:nvPr/>
-      </p:nvGrpSpPr>
-      <p:grpSpPr>
-        <a:xfrm>
-          <a:off x="0" y="0"/>
-          <a:ext cx="0" cy="0"/>
-          <a:chOff x="0" y="0"/>
-          <a:chExt cx="0" cy="0"/>
-        </a:xfrm>
-      </p:grpSpPr>
-      <p:sp>
-        <p:nvSpPr>
-          <p:cNvPr id="2" name="Título 1">
-            <a:extLst>
-              <a:ext uri="{FF2B5EF4-FFF2-40B4-BE49-F238E27FC236}">
-                <a16:creationId xmlns:a16="http://schemas.microsoft.com/office/drawing/2014/main" id="{43D12663-0411-485F-AF6D-AB677B1E3ABD}"/>
-              </a:ext>
-            </a:extLst>
-          </p:cNvPr>
-          <p:cNvSpPr>
-            <a:spLocks noGrp="1"/>
-          </p:cNvSpPr>
-          <p:nvPr>
-            <p:ph type="title"/>
-          </p:nvPr>
-        </p:nvSpPr>
-        <p:spPr>
-          <a:xfrm>
-            <a:off x="863984" y="369821"/>
-            <a:ext cx="7886700" cy="1325563"/>
-          </a:xfrm>
-        </p:spPr>
-        <p:txBody>
-          <a:bodyPr/>
-          <a:lstStyle/>
-          <a:p>
-            <a:r>
-              <a:rPr lang="pt-PT" dirty="0"/>
-              <a:t>Planeamento</a:t>
-            </a:r>
-          </a:p>
-        </p:txBody>
-      </p:sp>
-      <p:pic>
-        <p:nvPicPr>
-          <p:cNvPr id="7" name="Marcador de Posição de Conteúdo 6">
-            <a:extLst>
-              <a:ext uri="{FF2B5EF4-FFF2-40B4-BE49-F238E27FC236}">
-                <a16:creationId xmlns:a16="http://schemas.microsoft.com/office/drawing/2014/main" id="{741CB60F-B7A7-4779-98B6-BC901606844B}"/>
-              </a:ext>
-            </a:extLst>
-          </p:cNvPr>
-          <p:cNvPicPr>
-            <a:picLocks noGrp="1" noChangeAspect="1"/>
-          </p:cNvPicPr>
-          <p:nvPr>
-            <p:ph idx="1"/>
-          </p:nvPr>
-        </p:nvPicPr>
-        <p:blipFill>
-          <a:blip r:embed="rId2">
-            <a:clrChange>
-              <a:clrFrom>
-                <a:srgbClr val="FFFFFF"/>
-              </a:clrFrom>
-              <a:clrTo>
-                <a:srgbClr val="FFFFFF">
-                  <a:alpha val="0"/>
-                </a:srgbClr>
-              </a:clrTo>
-            </a:clrChange>
-            <a:extLst>
-              <a:ext uri="{28A0092B-C50C-407E-A947-70E740481C1C}">
-                <a14:useLocalDpi xmlns:a14="http://schemas.microsoft.com/office/drawing/2010/main" val="0"/>
-              </a:ext>
-            </a:extLst>
-          </a:blip>
-          <a:stretch>
-            <a:fillRect/>
-          </a:stretch>
-        </p:blipFill>
-        <p:spPr>
-          <a:xfrm>
-            <a:off x="5829104" y="3968882"/>
-            <a:ext cx="2921580" cy="2889118"/>
-          </a:xfrm>
-        </p:spPr>
-      </p:pic>
-      <p:sp>
-        <p:nvSpPr>
-          <p:cNvPr id="15" name="Retângulo 14">
-            <a:extLst>
-              <a:ext uri="{FF2B5EF4-FFF2-40B4-BE49-F238E27FC236}">
-                <a16:creationId xmlns:a16="http://schemas.microsoft.com/office/drawing/2014/main" id="{2E4509D6-D9EF-48E5-9026-80A69B09A3C0}"/>
-              </a:ext>
-            </a:extLst>
-          </p:cNvPr>
-          <p:cNvSpPr/>
-          <p:nvPr/>
-        </p:nvSpPr>
-        <p:spPr>
-          <a:xfrm>
-            <a:off x="628650" y="1968522"/>
-            <a:ext cx="2416302" cy="4032228"/>
-          </a:xfrm>
-          <a:prstGeom prst="rect">
-            <a:avLst/>
-          </a:prstGeom>
-          <a:solidFill>
-            <a:schemeClr val="bg1"/>
-          </a:solidFill>
-          <a:ln>
-            <a:solidFill>
-              <a:schemeClr val="bg1"/>
-            </a:solidFill>
-          </a:ln>
-        </p:spPr>
-        <p:style>
-          <a:lnRef idx="2">
-            <a:schemeClr val="accent1">
-              <a:shade val="50000"/>
-            </a:schemeClr>
-          </a:lnRef>
-          <a:fillRef idx="1">
-            <a:schemeClr val="accent1"/>
-          </a:fillRef>
-          <a:effectRef idx="0">
-            <a:schemeClr val="accent1"/>
-          </a:effectRef>
-          <a:fontRef idx="minor">
-            <a:schemeClr val="lt1"/>
-          </a:fontRef>
-        </p:style>
-        <p:txBody>
-          <a:bodyPr rtlCol="0" anchor="ctr"/>
-          <a:lstStyle/>
-          <a:p>
-            <a:pPr algn="ctr"/>
-            <a:endParaRPr lang="pt-PT" sz="1350"/>
-          </a:p>
-        </p:txBody>
-      </p:sp>
-      <p:sp>
-        <p:nvSpPr>
-          <p:cNvPr id="4" name="Triângulo isósceles 3">
-            <a:extLst>
-              <a:ext uri="{FF2B5EF4-FFF2-40B4-BE49-F238E27FC236}">
-                <a16:creationId xmlns:a16="http://schemas.microsoft.com/office/drawing/2014/main" id="{6C934BC6-B58E-4B98-9A3C-BF54CA88D597}"/>
-              </a:ext>
-            </a:extLst>
-          </p:cNvPr>
-          <p:cNvSpPr/>
-          <p:nvPr/>
-        </p:nvSpPr>
-        <p:spPr>
-          <a:xfrm rot="12600000">
-            <a:off x="-1082829" y="706855"/>
-            <a:ext cx="1698149" cy="1463922"/>
-          </a:xfrm>
-          <a:prstGeom prst="triangle">
-            <a:avLst/>
-          </a:prstGeom>
-          <a:solidFill>
-            <a:schemeClr val="accent6"/>
-          </a:solidFill>
-          <a:ln>
-            <a:noFill/>
-          </a:ln>
-        </p:spPr>
-        <p:style>
-          <a:lnRef idx="0">
-            <a:scrgbClr r="0" g="0" b="0"/>
-          </a:lnRef>
-          <a:fillRef idx="0">
-            <a:scrgbClr r="0" g="0" b="0"/>
-          </a:fillRef>
-          <a:effectRef idx="0">
-            <a:scrgbClr r="0" g="0" b="0"/>
-          </a:effectRef>
-          <a:fontRef idx="minor">
-            <a:schemeClr val="lt1"/>
-          </a:fontRef>
-        </p:style>
-        <p:txBody>
-          <a:bodyPr rtlCol="0" anchor="ctr"/>
-          <a:lstStyle/>
-          <a:p>
-            <a:pPr algn="ctr"/>
-            <a:endParaRPr lang="pt-PT" sz="1350"/>
-          </a:p>
-        </p:txBody>
-      </p:sp>
-      <p:cxnSp>
-        <p:nvCxnSpPr>
-          <p:cNvPr id="5" name="Conexão reta 4">
-            <a:extLst>
-              <a:ext uri="{FF2B5EF4-FFF2-40B4-BE49-F238E27FC236}">
-                <a16:creationId xmlns:a16="http://schemas.microsoft.com/office/drawing/2014/main" id="{5AFC9461-7593-4FE5-8732-411872144BDE}"/>
-              </a:ext>
-            </a:extLst>
-          </p:cNvPr>
-          <p:cNvCxnSpPr>
-            <a:cxnSpLocks/>
-          </p:cNvCxnSpPr>
-          <p:nvPr/>
-        </p:nvCxnSpPr>
-        <p:spPr>
-          <a:xfrm>
-            <a:off x="-348472" y="1231470"/>
-            <a:ext cx="9840944" cy="0"/>
-          </a:xfrm>
-          <a:prstGeom prst="line">
-            <a:avLst/>
-          </a:prstGeom>
-          <a:ln w="38100">
-            <a:solidFill>
-              <a:schemeClr val="accent6"/>
-            </a:solidFill>
-          </a:ln>
-        </p:spPr>
-        <p:style>
-          <a:lnRef idx="1">
-            <a:schemeClr val="accent1"/>
-          </a:lnRef>
-          <a:fillRef idx="0">
-            <a:schemeClr val="accent1"/>
-          </a:fillRef>
-          <a:effectRef idx="0">
-            <a:schemeClr val="accent1"/>
-          </a:effectRef>
-          <a:fontRef idx="minor">
-            <a:schemeClr val="tx1"/>
-          </a:fontRef>
-        </p:style>
-      </p:cxnSp>
-      <p:pic>
-        <p:nvPicPr>
-          <p:cNvPr id="9" name="Imagem 8">
-            <a:extLst>
-              <a:ext uri="{FF2B5EF4-FFF2-40B4-BE49-F238E27FC236}">
-                <a16:creationId xmlns:a16="http://schemas.microsoft.com/office/drawing/2014/main" id="{3D87F94E-B83F-492E-996D-97B9728C7D96}"/>
-              </a:ext>
-            </a:extLst>
-          </p:cNvPr>
-          <p:cNvPicPr>
-            <a:picLocks noChangeAspect="1"/>
-          </p:cNvPicPr>
-          <p:nvPr/>
-        </p:nvPicPr>
-        <p:blipFill>
-          <a:blip r:embed="rId3">
-            <a:clrChange>
-              <a:clrFrom>
-                <a:srgbClr val="FFFFFF"/>
-              </a:clrFrom>
-              <a:clrTo>
-                <a:srgbClr val="FFFFFF">
-                  <a:alpha val="0"/>
-                </a:srgbClr>
-              </a:clrTo>
-            </a:clrChange>
-            <a:extLst>
-              <a:ext uri="{28A0092B-C50C-407E-A947-70E740481C1C}">
-                <a14:useLocalDpi xmlns:a14="http://schemas.microsoft.com/office/drawing/2010/main" val="0"/>
-              </a:ext>
-            </a:extLst>
-          </a:blip>
-          <a:stretch>
-            <a:fillRect/>
-          </a:stretch>
-        </p:blipFill>
-        <p:spPr>
-          <a:xfrm>
-            <a:off x="-233755" y="4360750"/>
-            <a:ext cx="2202602" cy="3204164"/>
-          </a:xfrm>
-          <a:prstGeom prst="rect">
-            <a:avLst/>
-          </a:prstGeom>
-        </p:spPr>
-      </p:pic>
-      <p:pic>
-        <p:nvPicPr>
-          <p:cNvPr id="10" name="Imagem 9">
-            <a:hlinkClick r:id="rId4"/>
-            <a:extLst>
-              <a:ext uri="{FF2B5EF4-FFF2-40B4-BE49-F238E27FC236}">
-                <a16:creationId xmlns:a16="http://schemas.microsoft.com/office/drawing/2014/main" id="{1EAF8316-7747-4867-A463-D9AB2FAF4E4D}"/>
-              </a:ext>
-            </a:extLst>
-          </p:cNvPr>
-          <p:cNvPicPr>
-            <a:picLocks noChangeAspect="1"/>
-          </p:cNvPicPr>
-          <p:nvPr/>
-        </p:nvPicPr>
-        <p:blipFill>
-          <a:blip r:embed="rId5">
-            <a:extLst>
-              <a:ext uri="{28A0092B-C50C-407E-A947-70E740481C1C}">
-                <a14:useLocalDpi xmlns:a14="http://schemas.microsoft.com/office/drawing/2010/main" val="0"/>
-              </a:ext>
-            </a:extLst>
-          </a:blip>
-          <a:stretch>
-            <a:fillRect/>
-          </a:stretch>
-        </p:blipFill>
-        <p:spPr>
-          <a:xfrm>
-            <a:off x="1251023" y="1826811"/>
-            <a:ext cx="1842796" cy="1079763"/>
-          </a:xfrm>
-          <a:prstGeom prst="rect">
-            <a:avLst/>
-          </a:prstGeom>
-        </p:spPr>
-      </p:pic>
-      <p:pic>
-        <p:nvPicPr>
-          <p:cNvPr id="12" name="Imagem 11">
-            <a:hlinkClick r:id="rId6"/>
-            <a:extLst>
-              <a:ext uri="{FF2B5EF4-FFF2-40B4-BE49-F238E27FC236}">
-                <a16:creationId xmlns:a16="http://schemas.microsoft.com/office/drawing/2014/main" id="{C686F027-9159-4E1D-BAA8-D22FACCB66CC}"/>
-              </a:ext>
-            </a:extLst>
-          </p:cNvPr>
-          <p:cNvPicPr>
-            <a:picLocks noChangeAspect="1"/>
-          </p:cNvPicPr>
-          <p:nvPr/>
-        </p:nvPicPr>
-        <p:blipFill>
-          <a:blip r:embed="rId7">
-            <a:extLst>
-              <a:ext uri="{28A0092B-C50C-407E-A947-70E740481C1C}">
-                <a14:useLocalDpi xmlns:a14="http://schemas.microsoft.com/office/drawing/2010/main" val="0"/>
-              </a:ext>
-            </a:extLst>
-          </a:blip>
-          <a:stretch>
-            <a:fillRect/>
-          </a:stretch>
-        </p:blipFill>
-        <p:spPr>
-          <a:xfrm>
-            <a:off x="3492237" y="3740676"/>
-            <a:ext cx="1079763" cy="1079763"/>
-          </a:xfrm>
-          <a:prstGeom prst="rect">
-            <a:avLst/>
-          </a:prstGeom>
-        </p:spPr>
-      </p:pic>
-      <p:pic>
-        <p:nvPicPr>
-          <p:cNvPr id="14" name="Imagem 13">
-            <a:hlinkClick r:id="rId8"/>
-            <a:extLst>
-              <a:ext uri="{FF2B5EF4-FFF2-40B4-BE49-F238E27FC236}">
-                <a16:creationId xmlns:a16="http://schemas.microsoft.com/office/drawing/2014/main" id="{463A71A0-23A2-45F2-804A-C62E2C5F6411}"/>
-              </a:ext>
-            </a:extLst>
-          </p:cNvPr>
-          <p:cNvPicPr>
-            <a:picLocks noChangeAspect="1"/>
-          </p:cNvPicPr>
-          <p:nvPr/>
-        </p:nvPicPr>
-        <p:blipFill>
-          <a:blip r:embed="rId9">
-            <a:extLst>
-              <a:ext uri="{28A0092B-C50C-407E-A947-70E740481C1C}">
-                <a14:useLocalDpi xmlns:a14="http://schemas.microsoft.com/office/drawing/2010/main" val="0"/>
-              </a:ext>
-            </a:extLst>
-          </a:blip>
-          <a:stretch>
-            <a:fillRect/>
-          </a:stretch>
-        </p:blipFill>
-        <p:spPr>
-          <a:xfrm>
-            <a:off x="5324340" y="1883301"/>
-            <a:ext cx="2267220" cy="1079763"/>
-          </a:xfrm>
-          <a:prstGeom prst="rect">
-            <a:avLst/>
-          </a:prstGeom>
-        </p:spPr>
-      </p:pic>
-      <p:sp>
-        <p:nvSpPr>
-          <p:cNvPr id="3" name="Marcador de Posição do Número do Diapositivo 2">
-            <a:extLst>
-              <a:ext uri="{FF2B5EF4-FFF2-40B4-BE49-F238E27FC236}">
-                <a16:creationId xmlns:a16="http://schemas.microsoft.com/office/drawing/2014/main" id="{547FD60C-BB16-40C3-9F3D-89C63293BEC5}"/>
-              </a:ext>
-            </a:extLst>
-          </p:cNvPr>
-          <p:cNvSpPr>
-            <a:spLocks noGrp="1"/>
-          </p:cNvSpPr>
-          <p:nvPr>
-            <p:ph type="sldNum" sz="quarter" idx="12"/>
-          </p:nvPr>
-        </p:nvSpPr>
-        <p:spPr/>
-        <p:txBody>
-          <a:bodyPr/>
-          <a:lstStyle/>
-          <a:p>
-            <a:fld id="{A207AFEE-14BA-463E-8F7F-68058916CB0C}" type="slidenum">
-              <a:rPr lang="pt-PT" smtClean="0"/>
-              <a:t>4</a:t>
-            </a:fld>
-            <a:endParaRPr lang="pt-PT"/>
-          </a:p>
-        </p:txBody>
-      </p:sp>
-      <p:sp>
-        <p:nvSpPr>
-          <p:cNvPr id="8" name="CaixaDeTexto 7">
-            <a:extLst>
-              <a:ext uri="{FF2B5EF4-FFF2-40B4-BE49-F238E27FC236}">
-                <a16:creationId xmlns:a16="http://schemas.microsoft.com/office/drawing/2014/main" id="{F4196783-1B03-4B4E-815F-4BFFCE72617B}"/>
-              </a:ext>
-            </a:extLst>
-          </p:cNvPr>
-          <p:cNvSpPr txBox="1"/>
-          <p:nvPr/>
-        </p:nvSpPr>
-        <p:spPr>
-          <a:xfrm>
-            <a:off x="5762760" y="3127419"/>
-            <a:ext cx="1652631" cy="338554"/>
-          </a:xfrm>
-          <a:prstGeom prst="rect">
-            <a:avLst/>
-          </a:prstGeom>
-          <a:noFill/>
-        </p:spPr>
-        <p:txBody>
-          <a:bodyPr wrap="square" rtlCol="0">
-            <a:spAutoFit/>
-          </a:bodyPr>
-          <a:lstStyle/>
-          <a:p>
-            <a:r>
-              <a:rPr lang="pt-PT" sz="1600" dirty="0"/>
-              <a:t>Banco de Horas</a:t>
-            </a:r>
-          </a:p>
-        </p:txBody>
-      </p:sp>
-      <p:sp>
-        <p:nvSpPr>
-          <p:cNvPr id="16" name="CaixaDeTexto 15">
-            <a:extLst>
-              <a:ext uri="{FF2B5EF4-FFF2-40B4-BE49-F238E27FC236}">
-                <a16:creationId xmlns:a16="http://schemas.microsoft.com/office/drawing/2014/main" id="{242B2732-E9A5-47DC-B52B-0EC20343D5BB}"/>
-              </a:ext>
-            </a:extLst>
-          </p:cNvPr>
-          <p:cNvSpPr txBox="1"/>
-          <p:nvPr/>
-        </p:nvSpPr>
-        <p:spPr>
-          <a:xfrm>
-            <a:off x="702763" y="2786217"/>
-            <a:ext cx="3204594" cy="338554"/>
-          </a:xfrm>
-          <a:prstGeom prst="rect">
-            <a:avLst/>
-          </a:prstGeom>
-          <a:noFill/>
-        </p:spPr>
-        <p:txBody>
-          <a:bodyPr wrap="square" rtlCol="0">
-            <a:spAutoFit/>
-          </a:bodyPr>
-          <a:lstStyle/>
-          <a:p>
-            <a:pPr algn="ctr"/>
-            <a:r>
-              <a:rPr lang="pt-PT" sz="1600" dirty="0"/>
-              <a:t>Tarefas a serem executadas</a:t>
-            </a:r>
-          </a:p>
-        </p:txBody>
-      </p:sp>
-      <p:sp>
-        <p:nvSpPr>
-          <p:cNvPr id="17" name="CaixaDeTexto 16">
-            <a:extLst>
-              <a:ext uri="{FF2B5EF4-FFF2-40B4-BE49-F238E27FC236}">
-                <a16:creationId xmlns:a16="http://schemas.microsoft.com/office/drawing/2014/main" id="{D15DFBE6-E77C-4595-BD07-968738020177}"/>
-              </a:ext>
-            </a:extLst>
-          </p:cNvPr>
-          <p:cNvSpPr txBox="1"/>
-          <p:nvPr/>
-        </p:nvSpPr>
-        <p:spPr>
-          <a:xfrm>
-            <a:off x="2674096" y="4823690"/>
-            <a:ext cx="3204594" cy="338554"/>
-          </a:xfrm>
-          <a:prstGeom prst="rect">
-            <a:avLst/>
-          </a:prstGeom>
-          <a:noFill/>
-        </p:spPr>
-        <p:txBody>
-          <a:bodyPr wrap="square" rtlCol="0">
-            <a:spAutoFit/>
-          </a:bodyPr>
-          <a:lstStyle/>
-          <a:p>
-            <a:pPr algn="ctr"/>
-            <a:r>
-              <a:rPr lang="pt-PT" sz="1600" dirty="0"/>
-              <a:t>Planeamento do Calendário</a:t>
-            </a:r>
-          </a:p>
-        </p:txBody>
-      </p:sp>
-      <p:cxnSp>
-        <p:nvCxnSpPr>
-          <p:cNvPr id="18" name="Conexão reta 17">
-            <a:extLst>
-              <a:ext uri="{FF2B5EF4-FFF2-40B4-BE49-F238E27FC236}">
-                <a16:creationId xmlns:a16="http://schemas.microsoft.com/office/drawing/2014/main" id="{F36C3AB9-2673-43FF-8033-ECD8FC795410}"/>
-              </a:ext>
-            </a:extLst>
-          </p:cNvPr>
-          <p:cNvCxnSpPr>
-            <a:cxnSpLocks/>
-          </p:cNvCxnSpPr>
-          <p:nvPr/>
-        </p:nvCxnSpPr>
-        <p:spPr>
-          <a:xfrm flipH="1">
-            <a:off x="1121483" y="2792556"/>
-            <a:ext cx="2490682" cy="0"/>
-          </a:xfrm>
-          <a:prstGeom prst="line">
-            <a:avLst/>
-          </a:prstGeom>
-          <a:ln w="9525" cap="flat" cmpd="sng" algn="ctr">
-            <a:solidFill>
-              <a:schemeClr val="accent3"/>
-            </a:solidFill>
-            <a:prstDash val="dash"/>
-            <a:round/>
-            <a:headEnd type="none" w="med" len="med"/>
-            <a:tailEnd type="none" w="med" len="med"/>
-          </a:ln>
-        </p:spPr>
-        <p:style>
-          <a:lnRef idx="0">
-            <a:scrgbClr r="0" g="0" b="0"/>
-          </a:lnRef>
-          <a:fillRef idx="0">
-            <a:scrgbClr r="0" g="0" b="0"/>
-          </a:fillRef>
-          <a:effectRef idx="0">
-            <a:scrgbClr r="0" g="0" b="0"/>
-          </a:effectRef>
-          <a:fontRef idx="minor">
-            <a:schemeClr val="tx1"/>
-          </a:fontRef>
-        </p:style>
-      </p:cxnSp>
-      <p:cxnSp>
-        <p:nvCxnSpPr>
-          <p:cNvPr id="19" name="Conexão reta 18">
-            <a:extLst>
-              <a:ext uri="{FF2B5EF4-FFF2-40B4-BE49-F238E27FC236}">
-                <a16:creationId xmlns:a16="http://schemas.microsoft.com/office/drawing/2014/main" id="{6DD53BEB-CF82-4905-81DC-07AEA4B769CC}"/>
-              </a:ext>
-            </a:extLst>
-          </p:cNvPr>
-          <p:cNvCxnSpPr>
-            <a:cxnSpLocks/>
-          </p:cNvCxnSpPr>
-          <p:nvPr/>
-        </p:nvCxnSpPr>
-        <p:spPr>
-          <a:xfrm flipH="1">
-            <a:off x="2973143" y="4820439"/>
-            <a:ext cx="2490682" cy="0"/>
-          </a:xfrm>
-          <a:prstGeom prst="line">
-            <a:avLst/>
-          </a:prstGeom>
-          <a:ln w="9525" cap="flat" cmpd="sng" algn="ctr">
-            <a:solidFill>
-              <a:schemeClr val="accent3"/>
-            </a:solidFill>
-            <a:prstDash val="dash"/>
-            <a:round/>
-            <a:headEnd type="none" w="med" len="med"/>
-            <a:tailEnd type="none" w="med" len="med"/>
-          </a:ln>
-        </p:spPr>
-        <p:style>
-          <a:lnRef idx="0">
-            <a:scrgbClr r="0" g="0" b="0"/>
-          </a:lnRef>
-          <a:fillRef idx="0">
-            <a:scrgbClr r="0" g="0" b="0"/>
-          </a:fillRef>
-          <a:effectRef idx="0">
-            <a:scrgbClr r="0" g="0" b="0"/>
-          </a:effectRef>
-          <a:fontRef idx="minor">
-            <a:schemeClr val="tx1"/>
-          </a:fontRef>
-        </p:style>
-      </p:cxnSp>
-      <p:cxnSp>
-        <p:nvCxnSpPr>
-          <p:cNvPr id="20" name="Conexão reta 19">
-            <a:extLst>
-              <a:ext uri="{FF2B5EF4-FFF2-40B4-BE49-F238E27FC236}">
-                <a16:creationId xmlns:a16="http://schemas.microsoft.com/office/drawing/2014/main" id="{A70A9213-D90C-4209-A469-E1863EC3652B}"/>
-              </a:ext>
-            </a:extLst>
-          </p:cNvPr>
-          <p:cNvCxnSpPr>
-            <a:cxnSpLocks/>
-          </p:cNvCxnSpPr>
-          <p:nvPr/>
-        </p:nvCxnSpPr>
-        <p:spPr>
-          <a:xfrm flipH="1">
-            <a:off x="5212609" y="3129370"/>
-            <a:ext cx="2490682" cy="0"/>
-          </a:xfrm>
-          <a:prstGeom prst="line">
-            <a:avLst/>
-          </a:prstGeom>
-          <a:ln w="9525" cap="flat" cmpd="sng" algn="ctr">
-            <a:solidFill>
-              <a:schemeClr val="accent3"/>
-            </a:solidFill>
-            <a:prstDash val="dash"/>
-            <a:round/>
-            <a:headEnd type="none" w="med" len="med"/>
-            <a:tailEnd type="none" w="med" len="med"/>
-          </a:ln>
-        </p:spPr>
-        <p:style>
-          <a:lnRef idx="0">
-            <a:scrgbClr r="0" g="0" b="0"/>
-          </a:lnRef>
-          <a:fillRef idx="0">
-            <a:scrgbClr r="0" g="0" b="0"/>
-          </a:fillRef>
-          <a:effectRef idx="0">
-            <a:scrgbClr r="0" g="0" b="0"/>
-          </a:effectRef>
-          <a:fontRef idx="minor">
-            <a:schemeClr val="tx1"/>
-          </a:fontRef>
-        </p:style>
-      </p:cxnSp>
-    </p:spTree>
-    <p:extLst>
-      <p:ext uri="{BB962C8B-B14F-4D97-AF65-F5344CB8AC3E}">
-        <p14:creationId xmlns:p14="http://schemas.microsoft.com/office/powerpoint/2010/main" val="1733187898"/>
-      </p:ext>
-    </p:extLst>
-  </p:cSld>
-  <p:clrMapOvr>
-    <a:masterClrMapping/>
-  </p:clrMapOvr>
-  <p:timing>
-    <p:tnLst>
-      <p:par>
-        <p:cTn id="1" dur="indefinite" restart="never" nodeType="tmRoot">
-          <p:childTnLst>
-            <p:seq concurrent="1" nextAc="seek">
-              <p:cTn id="2" dur="indefinite" nodeType="mainSeq">
-                <p:childTnLst>
-                  <p:par>
-                    <p:cTn id="3" fill="hold">
-                      <p:stCondLst>
-                        <p:cond delay="indefinite"/>
-                        <p:cond evt="onBegin" delay="0">
-                          <p:tn val="2"/>
-                        </p:cond>
-                      </p:stCondLst>
-                      <p:childTnLst>
-                        <p:par>
-                          <p:cTn id="4" fill="hold">
-                            <p:stCondLst>
-                              <p:cond delay="0"/>
-                            </p:stCondLst>
-                            <p:childTnLst>
-                              <p:par>
-                                <p:cTn id="5" presetID="2" presetClass="entr" presetSubtype="8" fill="hold" grpId="0" nodeType="afterEffect">
-                                  <p:stCondLst>
-                                    <p:cond delay="0"/>
-                                  </p:stCondLst>
-                                  <p:childTnLst>
-                                    <p:set>
-                                      <p:cBhvr>
-                                        <p:cTn id="6" dur="1" fill="hold">
-                                          <p:stCondLst>
-                                            <p:cond delay="0"/>
-                                          </p:stCondLst>
-                                        </p:cTn>
-                                        <p:tgtEl>
-                                          <p:spTgt spid="4"/>
-                                        </p:tgtEl>
-                                        <p:attrNameLst>
-                                          <p:attrName>style.visibility</p:attrName>
-                                        </p:attrNameLst>
-                                      </p:cBhvr>
-                                      <p:to>
-                                        <p:strVal val="visible"/>
-                                      </p:to>
-                                    </p:set>
-                                    <p:anim calcmode="lin" valueType="num">
-                                      <p:cBhvr additive="base">
-                                        <p:cTn id="7" dur="500" fill="hold"/>
-                                        <p:tgtEl>
-                                          <p:spTgt spid="4"/>
-                                        </p:tgtEl>
-                                        <p:attrNameLst>
-                                          <p:attrName>ppt_x</p:attrName>
-                                        </p:attrNameLst>
-                                      </p:cBhvr>
-                                      <p:tavLst>
-                                        <p:tav tm="0">
-                                          <p:val>
-                                            <p:strVal val="0-#ppt_w/2"/>
-                                          </p:val>
-                                        </p:tav>
-                                        <p:tav tm="100000">
-                                          <p:val>
-                                            <p:strVal val="#ppt_x"/>
-                                          </p:val>
-                                        </p:tav>
-                                      </p:tavLst>
-                                    </p:anim>
-                                    <p:anim calcmode="lin" valueType="num">
-                                      <p:cBhvr additive="base">
-                                        <p:cTn id="8" dur="500" fill="hold"/>
-                                        <p:tgtEl>
-                                          <p:spTgt spid="4"/>
-                                        </p:tgtEl>
-                                        <p:attrNameLst>
-                                          <p:attrName>ppt_y</p:attrName>
-                                        </p:attrNameLst>
-                                      </p:cBhvr>
-                                      <p:tavLst>
-                                        <p:tav tm="0">
-                                          <p:val>
-                                            <p:strVal val="#ppt_y"/>
-                                          </p:val>
-                                        </p:tav>
-                                        <p:tav tm="100000">
-                                          <p:val>
-                                            <p:strVal val="#ppt_y"/>
-                                          </p:val>
-                                        </p:tav>
-                                      </p:tavLst>
-                                    </p:anim>
-                                  </p:childTnLst>
-                                </p:cTn>
-                              </p:par>
-                            </p:childTnLst>
-                          </p:cTn>
-                        </p:par>
-                        <p:par>
-                          <p:cTn id="9" fill="hold">
-                            <p:stCondLst>
-                              <p:cond delay="500"/>
-                            </p:stCondLst>
-                            <p:childTnLst>
-                              <p:par>
-                                <p:cTn id="10" presetID="2" presetClass="entr" presetSubtype="4" fill="hold" nodeType="afterEffect">
-                                  <p:stCondLst>
-                                    <p:cond delay="0"/>
-                                  </p:stCondLst>
-                                  <p:childTnLst>
-                                    <p:set>
-                                      <p:cBhvr>
-                                        <p:cTn id="11" dur="1" fill="hold">
-                                          <p:stCondLst>
-                                            <p:cond delay="0"/>
-                                          </p:stCondLst>
-                                        </p:cTn>
-                                        <p:tgtEl>
-                                          <p:spTgt spid="7"/>
-                                        </p:tgtEl>
-                                        <p:attrNameLst>
-                                          <p:attrName>style.visibility</p:attrName>
-                                        </p:attrNameLst>
-                                      </p:cBhvr>
-                                      <p:to>
-                                        <p:strVal val="visible"/>
-                                      </p:to>
-                                    </p:set>
-                                    <p:anim calcmode="lin" valueType="num">
-                                      <p:cBhvr additive="base">
-                                        <p:cTn id="12" dur="500" fill="hold"/>
-                                        <p:tgtEl>
-                                          <p:spTgt spid="7"/>
-                                        </p:tgtEl>
-                                        <p:attrNameLst>
-                                          <p:attrName>ppt_x</p:attrName>
-                                        </p:attrNameLst>
-                                      </p:cBhvr>
-                                      <p:tavLst>
-                                        <p:tav tm="0">
-                                          <p:val>
-                                            <p:strVal val="#ppt_x"/>
-                                          </p:val>
-                                        </p:tav>
-                                        <p:tav tm="100000">
-                                          <p:val>
-                                            <p:strVal val="#ppt_x"/>
-                                          </p:val>
-                                        </p:tav>
-                                      </p:tavLst>
-                                    </p:anim>
-                                    <p:anim calcmode="lin" valueType="num">
-                                      <p:cBhvr additive="base">
-                                        <p:cTn id="13" dur="500" fill="hold"/>
-                                        <p:tgtEl>
-                                          <p:spTgt spid="7"/>
-                                        </p:tgtEl>
-                                        <p:attrNameLst>
-                                          <p:attrName>ppt_y</p:attrName>
-                                        </p:attrNameLst>
-                                      </p:cBhvr>
-                                      <p:tavLst>
-                                        <p:tav tm="0">
-                                          <p:val>
-                                            <p:strVal val="1+#ppt_h/2"/>
-                                          </p:val>
-                                        </p:tav>
-                                        <p:tav tm="100000">
-                                          <p:val>
-                                            <p:strVal val="#ppt_y"/>
-                                          </p:val>
-                                        </p:tav>
-                                      </p:tavLst>
-                                    </p:anim>
-                                  </p:childTnLst>
-                                </p:cTn>
-                              </p:par>
-                              <p:par>
-                                <p:cTn id="14" presetID="2" presetClass="entr" presetSubtype="8" fill="hold" nodeType="withEffect">
-                                  <p:stCondLst>
-                                    <p:cond delay="0"/>
-                                  </p:stCondLst>
-                                  <p:childTnLst>
-                                    <p:set>
-                                      <p:cBhvr>
-                                        <p:cTn id="15" dur="1" fill="hold">
-                                          <p:stCondLst>
-                                            <p:cond delay="0"/>
-                                          </p:stCondLst>
-                                        </p:cTn>
-                                        <p:tgtEl>
-                                          <p:spTgt spid="9"/>
-                                        </p:tgtEl>
-                                        <p:attrNameLst>
-                                          <p:attrName>style.visibility</p:attrName>
-                                        </p:attrNameLst>
-                                      </p:cBhvr>
-                                      <p:to>
-                                        <p:strVal val="visible"/>
-                                      </p:to>
-                                    </p:set>
-                                    <p:anim calcmode="lin" valueType="num">
-                                      <p:cBhvr additive="base">
-                                        <p:cTn id="16" dur="500" fill="hold"/>
-                                        <p:tgtEl>
-                                          <p:spTgt spid="9"/>
-                                        </p:tgtEl>
-                                        <p:attrNameLst>
-                                          <p:attrName>ppt_x</p:attrName>
-                                        </p:attrNameLst>
-                                      </p:cBhvr>
-                                      <p:tavLst>
-                                        <p:tav tm="0">
-                                          <p:val>
-                                            <p:strVal val="0-#ppt_w/2"/>
-                                          </p:val>
-                                        </p:tav>
-                                        <p:tav tm="100000">
-                                          <p:val>
-                                            <p:strVal val="#ppt_x"/>
-                                          </p:val>
-                                        </p:tav>
-                                      </p:tavLst>
-                                    </p:anim>
-                                    <p:anim calcmode="lin" valueType="num">
-                                      <p:cBhvr additive="base">
-                                        <p:cTn id="17" dur="500" fill="hold"/>
-                                        <p:tgtEl>
-                                          <p:spTgt spid="9"/>
-                                        </p:tgtEl>
-                                        <p:attrNameLst>
-                                          <p:attrName>ppt_y</p:attrName>
-                                        </p:attrNameLst>
-                                      </p:cBhvr>
-                                      <p:tavLst>
-                                        <p:tav tm="0">
-                                          <p:val>
-                                            <p:strVal val="#ppt_y"/>
-                                          </p:val>
-                                        </p:tav>
-                                        <p:tav tm="100000">
-                                          <p:val>
-                                            <p:strVal val="#ppt_y"/>
-                                          </p:val>
-                                        </p:tav>
-                                      </p:tavLst>
-                                    </p:anim>
-                                  </p:childTnLst>
-                                </p:cTn>
-                              </p:par>
-                            </p:childTnLst>
-                          </p:cTn>
-                        </p:par>
-                        <p:par>
-                          <p:cTn id="18" fill="hold">
-                            <p:stCondLst>
-                              <p:cond delay="1000"/>
-                            </p:stCondLst>
-                            <p:childTnLst>
-                              <p:par>
-                                <p:cTn id="19" presetID="2" presetClass="entr" presetSubtype="4" fill="hold" grpId="0" nodeType="afterEffect">
-                                  <p:stCondLst>
-                                    <p:cond delay="0"/>
-                                  </p:stCondLst>
-                                  <p:childTnLst>
-                                    <p:set>
-                                      <p:cBhvr>
-                                        <p:cTn id="20" dur="1" fill="hold">
-                                          <p:stCondLst>
-                                            <p:cond delay="0"/>
-                                          </p:stCondLst>
-                                        </p:cTn>
-                                        <p:tgtEl>
-                                          <p:spTgt spid="2"/>
-                                        </p:tgtEl>
-                                        <p:attrNameLst>
-                                          <p:attrName>style.visibility</p:attrName>
-                                        </p:attrNameLst>
-                                      </p:cBhvr>
-                                      <p:to>
-                                        <p:strVal val="visible"/>
-                                      </p:to>
-                                    </p:set>
-                                    <p:anim calcmode="lin" valueType="num">
-                                      <p:cBhvr additive="base">
-                                        <p:cTn id="21" dur="500" fill="hold"/>
-                                        <p:tgtEl>
-                                          <p:spTgt spid="2"/>
-                                        </p:tgtEl>
-                                        <p:attrNameLst>
-                                          <p:attrName>ppt_x</p:attrName>
-                                        </p:attrNameLst>
-                                      </p:cBhvr>
-                                      <p:tavLst>
-                                        <p:tav tm="0">
-                                          <p:val>
-                                            <p:strVal val="#ppt_x"/>
-                                          </p:val>
-                                        </p:tav>
-                                        <p:tav tm="100000">
-                                          <p:val>
-                                            <p:strVal val="#ppt_x"/>
-                                          </p:val>
-                                        </p:tav>
-                                      </p:tavLst>
-                                    </p:anim>
-                                    <p:anim calcmode="lin" valueType="num">
-                                      <p:cBhvr additive="base">
-                                        <p:cTn id="22" dur="500" fill="hold"/>
-                                        <p:tgtEl>
-                                          <p:spTgt spid="2"/>
-                                        </p:tgtEl>
-                                        <p:attrNameLst>
-                                          <p:attrName>ppt_y</p:attrName>
-                                        </p:attrNameLst>
-                                      </p:cBhvr>
-                                      <p:tavLst>
-                                        <p:tav tm="0">
-                                          <p:val>
-                                            <p:strVal val="1+#ppt_h/2"/>
-                                          </p:val>
-                                        </p:tav>
-                                        <p:tav tm="100000">
-                                          <p:val>
-                                            <p:strVal val="#ppt_y"/>
-                                          </p:val>
-                                        </p:tav>
-                                      </p:tavLst>
-                                    </p:anim>
-                                  </p:childTnLst>
-                                </p:cTn>
-                              </p:par>
-                            </p:childTnLst>
-                          </p:cTn>
-                        </p:par>
-                        <p:par>
-                          <p:cTn id="23" fill="hold">
-                            <p:stCondLst>
-                              <p:cond delay="1500"/>
-                            </p:stCondLst>
-                            <p:childTnLst>
-                              <p:par>
-                                <p:cTn id="24" presetID="42" presetClass="entr" presetSubtype="0" fill="hold" nodeType="afterEffect">
-                                  <p:stCondLst>
-                                    <p:cond delay="0"/>
-                                  </p:stCondLst>
-                                  <p:childTnLst>
-                                    <p:set>
-                                      <p:cBhvr>
-                                        <p:cTn id="25" dur="1" fill="hold">
-                                          <p:stCondLst>
-                                            <p:cond delay="0"/>
-                                          </p:stCondLst>
-                                        </p:cTn>
-                                        <p:tgtEl>
-                                          <p:spTgt spid="10"/>
-                                        </p:tgtEl>
-                                        <p:attrNameLst>
-                                          <p:attrName>style.visibility</p:attrName>
-                                        </p:attrNameLst>
-                                      </p:cBhvr>
-                                      <p:to>
-                                        <p:strVal val="visible"/>
-                                      </p:to>
-                                    </p:set>
-                                    <p:animEffect transition="in" filter="fade">
-                                      <p:cBhvr>
-                                        <p:cTn id="26" dur="1000"/>
-                                        <p:tgtEl>
-                                          <p:spTgt spid="10"/>
-                                        </p:tgtEl>
-                                      </p:cBhvr>
-                                    </p:animEffect>
-                                    <p:anim calcmode="lin" valueType="num">
-                                      <p:cBhvr>
-                                        <p:cTn id="27" dur="1000" fill="hold"/>
-                                        <p:tgtEl>
-                                          <p:spTgt spid="10"/>
-                                        </p:tgtEl>
-                                        <p:attrNameLst>
-                                          <p:attrName>ppt_x</p:attrName>
-                                        </p:attrNameLst>
-                                      </p:cBhvr>
-                                      <p:tavLst>
-                                        <p:tav tm="0">
-                                          <p:val>
-                                            <p:strVal val="#ppt_x"/>
-                                          </p:val>
-                                        </p:tav>
-                                        <p:tav tm="100000">
-                                          <p:val>
-                                            <p:strVal val="#ppt_x"/>
-                                          </p:val>
-                                        </p:tav>
-                                      </p:tavLst>
-                                    </p:anim>
-                                    <p:anim calcmode="lin" valueType="num">
-                                      <p:cBhvr>
-                                        <p:cTn id="28" dur="1000" fill="hold"/>
-                                        <p:tgtEl>
-                                          <p:spTgt spid="10"/>
-                                        </p:tgtEl>
-                                        <p:attrNameLst>
-                                          <p:attrName>ppt_y</p:attrName>
-                                        </p:attrNameLst>
-                                      </p:cBhvr>
-                                      <p:tavLst>
-                                        <p:tav tm="0">
-                                          <p:val>
-                                            <p:strVal val="#ppt_y+.1"/>
-                                          </p:val>
-                                        </p:tav>
-                                        <p:tav tm="100000">
-                                          <p:val>
-                                            <p:strVal val="#ppt_y"/>
-                                          </p:val>
-                                        </p:tav>
-                                      </p:tavLst>
-                                    </p:anim>
-                                  </p:childTnLst>
-                                </p:cTn>
-                              </p:par>
-                              <p:par>
-                                <p:cTn id="29" presetID="42" presetClass="entr" presetSubtype="0" fill="hold" nodeType="withEffect">
-                                  <p:stCondLst>
-                                    <p:cond delay="250"/>
-                                  </p:stCondLst>
-                                  <p:childTnLst>
-                                    <p:set>
-                                      <p:cBhvr>
-                                        <p:cTn id="30" dur="1" fill="hold">
-                                          <p:stCondLst>
-                                            <p:cond delay="0"/>
-                                          </p:stCondLst>
-                                        </p:cTn>
-                                        <p:tgtEl>
-                                          <p:spTgt spid="12"/>
-                                        </p:tgtEl>
-                                        <p:attrNameLst>
-                                          <p:attrName>style.visibility</p:attrName>
-                                        </p:attrNameLst>
-                                      </p:cBhvr>
-                                      <p:to>
-                                        <p:strVal val="visible"/>
-                                      </p:to>
-                                    </p:set>
-                                    <p:animEffect transition="in" filter="fade">
-                                      <p:cBhvr>
-                                        <p:cTn id="31" dur="1000"/>
-                                        <p:tgtEl>
-                                          <p:spTgt spid="12"/>
-                                        </p:tgtEl>
-                                      </p:cBhvr>
-                                    </p:animEffect>
-                                    <p:anim calcmode="lin" valueType="num">
-                                      <p:cBhvr>
-                                        <p:cTn id="32" dur="1000" fill="hold"/>
-                                        <p:tgtEl>
-                                          <p:spTgt spid="12"/>
-                                        </p:tgtEl>
-                                        <p:attrNameLst>
-                                          <p:attrName>ppt_x</p:attrName>
-                                        </p:attrNameLst>
-                                      </p:cBhvr>
-                                      <p:tavLst>
-                                        <p:tav tm="0">
-                                          <p:val>
-                                            <p:strVal val="#ppt_x"/>
-                                          </p:val>
-                                        </p:tav>
-                                        <p:tav tm="100000">
-                                          <p:val>
-                                            <p:strVal val="#ppt_x"/>
-                                          </p:val>
-                                        </p:tav>
-                                      </p:tavLst>
-                                    </p:anim>
-                                    <p:anim calcmode="lin" valueType="num">
-                                      <p:cBhvr>
-                                        <p:cTn id="33" dur="1000" fill="hold"/>
-                                        <p:tgtEl>
-                                          <p:spTgt spid="12"/>
-                                        </p:tgtEl>
-                                        <p:attrNameLst>
-                                          <p:attrName>ppt_y</p:attrName>
-                                        </p:attrNameLst>
-                                      </p:cBhvr>
-                                      <p:tavLst>
-                                        <p:tav tm="0">
-                                          <p:val>
-                                            <p:strVal val="#ppt_y+.1"/>
-                                          </p:val>
-                                        </p:tav>
-                                        <p:tav tm="100000">
-                                          <p:val>
-                                            <p:strVal val="#ppt_y"/>
-                                          </p:val>
-                                        </p:tav>
-                                      </p:tavLst>
-                                    </p:anim>
-                                  </p:childTnLst>
-                                </p:cTn>
-                              </p:par>
-                              <p:par>
-                                <p:cTn id="34" presetID="42" presetClass="entr" presetSubtype="0" fill="hold" nodeType="withEffect">
-                                  <p:stCondLst>
-                                    <p:cond delay="500"/>
-                                  </p:stCondLst>
-                                  <p:childTnLst>
-                                    <p:set>
-                                      <p:cBhvr>
-                                        <p:cTn id="35" dur="1" fill="hold">
-                                          <p:stCondLst>
-                                            <p:cond delay="0"/>
-                                          </p:stCondLst>
-                                        </p:cTn>
-                                        <p:tgtEl>
-                                          <p:spTgt spid="14"/>
-                                        </p:tgtEl>
-                                        <p:attrNameLst>
-                                          <p:attrName>style.visibility</p:attrName>
-                                        </p:attrNameLst>
-                                      </p:cBhvr>
-                                      <p:to>
-                                        <p:strVal val="visible"/>
-                                      </p:to>
-                                    </p:set>
-                                    <p:animEffect transition="in" filter="fade">
-                                      <p:cBhvr>
-                                        <p:cTn id="36" dur="1000"/>
-                                        <p:tgtEl>
-                                          <p:spTgt spid="14"/>
-                                        </p:tgtEl>
-                                      </p:cBhvr>
-                                    </p:animEffect>
-                                    <p:anim calcmode="lin" valueType="num">
-                                      <p:cBhvr>
-                                        <p:cTn id="37" dur="1000" fill="hold"/>
-                                        <p:tgtEl>
-                                          <p:spTgt spid="14"/>
-                                        </p:tgtEl>
-                                        <p:attrNameLst>
-                                          <p:attrName>ppt_x</p:attrName>
-                                        </p:attrNameLst>
-                                      </p:cBhvr>
-                                      <p:tavLst>
-                                        <p:tav tm="0">
-                                          <p:val>
-                                            <p:strVal val="#ppt_x"/>
-                                          </p:val>
-                                        </p:tav>
-                                        <p:tav tm="100000">
-                                          <p:val>
-                                            <p:strVal val="#ppt_x"/>
-                                          </p:val>
-                                        </p:tav>
-                                      </p:tavLst>
-                                    </p:anim>
-                                    <p:anim calcmode="lin" valueType="num">
-                                      <p:cBhvr>
-                                        <p:cTn id="38" dur="1000" fill="hold"/>
-                                        <p:tgtEl>
-                                          <p:spTgt spid="14"/>
-                                        </p:tgtEl>
-                                        <p:attrNameLst>
-                                          <p:attrName>ppt_y</p:attrName>
-                                        </p:attrNameLst>
-                                      </p:cBhvr>
-                                      <p:tavLst>
-                                        <p:tav tm="0">
-                                          <p:val>
-                                            <p:strVal val="#ppt_y+.1"/>
-                                          </p:val>
-                                        </p:tav>
-                                        <p:tav tm="100000">
-                                          <p:val>
-                                            <p:strVal val="#ppt_y"/>
-                                          </p:val>
-                                        </p:tav>
-                                      </p:tavLst>
-                                    </p:anim>
-                                  </p:childTnLst>
-                                </p:cTn>
-                              </p:par>
-                              <p:par>
-                                <p:cTn id="39" presetID="16" presetClass="entr" presetSubtype="37" fill="hold" nodeType="withEffect">
-                                  <p:stCondLst>
-                                    <p:cond delay="0"/>
-                                  </p:stCondLst>
-                                  <p:childTnLst>
-                                    <p:set>
-                                      <p:cBhvr>
-                                        <p:cTn id="40" dur="1" fill="hold">
-                                          <p:stCondLst>
-                                            <p:cond delay="0"/>
-                                          </p:stCondLst>
-                                        </p:cTn>
-                                        <p:tgtEl>
-                                          <p:spTgt spid="18"/>
-                                        </p:tgtEl>
-                                        <p:attrNameLst>
-                                          <p:attrName>style.visibility</p:attrName>
-                                        </p:attrNameLst>
-                                      </p:cBhvr>
-                                      <p:to>
-                                        <p:strVal val="visible"/>
-                                      </p:to>
-                                    </p:set>
-                                    <p:animEffect transition="in" filter="barn(outVertical)">
-                                      <p:cBhvr>
-                                        <p:cTn id="41" dur="500"/>
-                                        <p:tgtEl>
-                                          <p:spTgt spid="18"/>
-                                        </p:tgtEl>
-                                      </p:cBhvr>
-                                    </p:animEffect>
-                                  </p:childTnLst>
-                                </p:cTn>
-                              </p:par>
-                              <p:par>
-                                <p:cTn id="42" presetID="16" presetClass="entr" presetSubtype="37" fill="hold" nodeType="withEffect">
-                                  <p:stCondLst>
-                                    <p:cond delay="0"/>
-                                  </p:stCondLst>
-                                  <p:childTnLst>
-                                    <p:set>
-                                      <p:cBhvr>
-                                        <p:cTn id="43" dur="1" fill="hold">
-                                          <p:stCondLst>
-                                            <p:cond delay="0"/>
-                                          </p:stCondLst>
-                                        </p:cTn>
-                                        <p:tgtEl>
-                                          <p:spTgt spid="19"/>
-                                        </p:tgtEl>
-                                        <p:attrNameLst>
-                                          <p:attrName>style.visibility</p:attrName>
-                                        </p:attrNameLst>
-                                      </p:cBhvr>
-                                      <p:to>
-                                        <p:strVal val="visible"/>
-                                      </p:to>
-                                    </p:set>
-                                    <p:animEffect transition="in" filter="barn(outVertical)">
-                                      <p:cBhvr>
-                                        <p:cTn id="44" dur="500"/>
-                                        <p:tgtEl>
-                                          <p:spTgt spid="19"/>
-                                        </p:tgtEl>
-                                      </p:cBhvr>
-                                    </p:animEffect>
-                                  </p:childTnLst>
-                                </p:cTn>
-                              </p:par>
-                              <p:par>
-                                <p:cTn id="45" presetID="16" presetClass="entr" presetSubtype="37" fill="hold" nodeType="withEffect">
-                                  <p:stCondLst>
-                                    <p:cond delay="0"/>
-                                  </p:stCondLst>
-                                  <p:childTnLst>
-                                    <p:set>
-                                      <p:cBhvr>
-                                        <p:cTn id="46" dur="1" fill="hold">
-                                          <p:stCondLst>
-                                            <p:cond delay="0"/>
-                                          </p:stCondLst>
-                                        </p:cTn>
-                                        <p:tgtEl>
-                                          <p:spTgt spid="20"/>
-                                        </p:tgtEl>
-                                        <p:attrNameLst>
-                                          <p:attrName>style.visibility</p:attrName>
-                                        </p:attrNameLst>
-                                      </p:cBhvr>
-                                      <p:to>
-                                        <p:strVal val="visible"/>
-                                      </p:to>
-                                    </p:set>
-                                    <p:animEffect transition="in" filter="barn(outVertical)">
-                                      <p:cBhvr>
-                                        <p:cTn id="47" dur="500"/>
-                                        <p:tgtEl>
-                                          <p:spTgt spid="20"/>
-                                        </p:tgtEl>
-                                      </p:cBhvr>
-                                    </p:animEffect>
-                                  </p:childTnLst>
-                                </p:cTn>
-                              </p:par>
-                            </p:childTnLst>
-                          </p:cTn>
-                        </p:par>
-                      </p:childTnLst>
-                    </p:cTn>
-                  </p:par>
-                </p:childTnLst>
-              </p:cTn>
-              <p:prevCondLst>
-                <p:cond evt="onPrev" delay="0">
-                  <p:tgtEl>
-                    <p:sldTgt/>
-                  </p:tgtEl>
-                </p:cond>
-              </p:prevCondLst>
-              <p:nextCondLst>
-                <p:cond evt="onNext" delay="0">
-                  <p:tgtEl>
-                    <p:sldTgt/>
-                  </p:tgtEl>
-                </p:cond>
-              </p:nextCondLst>
-            </p:seq>
-          </p:childTnLst>
-        </p:cTn>
-      </p:par>
-    </p:tnLst>
-    <p:bldLst>
-      <p:bldP spid="2" grpId="0"/>
-      <p:bldP spid="4" grpId="0" animBg="1"/>
     </p:bldLst>
   </p:timing>
 </p:sld>
